--- a/doc/Presentation/ToMaTo.pptx
+++ b/doc/Presentation/ToMaTo.pptx
@@ -5,28 +5,32 @@
     <p:sldMasterId id="2147483648" r:id="rId4"/>
   </p:sldMasterIdLst>
   <p:notesMasterIdLst>
-    <p:notesMasterId r:id="rId21"/>
+    <p:notesMasterId r:id="rId25"/>
   </p:notesMasterIdLst>
   <p:handoutMasterIdLst>
-    <p:handoutMasterId r:id="rId22"/>
+    <p:handoutMasterId r:id="rId26"/>
   </p:handoutMasterIdLst>
   <p:sldIdLst>
     <p:sldId id="256" r:id="rId5"/>
     <p:sldId id="257" r:id="rId6"/>
     <p:sldId id="261" r:id="rId7"/>
-    <p:sldId id="263" r:id="rId8"/>
-    <p:sldId id="262" r:id="rId9"/>
-    <p:sldId id="264" r:id="rId10"/>
-    <p:sldId id="269" r:id="rId11"/>
-    <p:sldId id="265" r:id="rId12"/>
-    <p:sldId id="266" r:id="rId13"/>
-    <p:sldId id="270" r:id="rId14"/>
-    <p:sldId id="267" r:id="rId15"/>
-    <p:sldId id="271" r:id="rId16"/>
-    <p:sldId id="272" r:id="rId17"/>
-    <p:sldId id="273" r:id="rId18"/>
-    <p:sldId id="268" r:id="rId19"/>
-    <p:sldId id="260" r:id="rId20"/>
+    <p:sldId id="274" r:id="rId8"/>
+    <p:sldId id="263" r:id="rId9"/>
+    <p:sldId id="262" r:id="rId10"/>
+    <p:sldId id="264" r:id="rId11"/>
+    <p:sldId id="269" r:id="rId12"/>
+    <p:sldId id="265" r:id="rId13"/>
+    <p:sldId id="266" r:id="rId14"/>
+    <p:sldId id="270" r:id="rId15"/>
+    <p:sldId id="275" r:id="rId16"/>
+    <p:sldId id="267" r:id="rId17"/>
+    <p:sldId id="271" r:id="rId18"/>
+    <p:sldId id="272" r:id="rId19"/>
+    <p:sldId id="273" r:id="rId20"/>
+    <p:sldId id="276" r:id="rId21"/>
+    <p:sldId id="277" r:id="rId22"/>
+    <p:sldId id="268" r:id="rId23"/>
+    <p:sldId id="260" r:id="rId24"/>
   </p:sldIdLst>
   <p:sldSz cx="9144000" cy="6858000" type="screen4x3"/>
   <p:notesSz cx="6781800" cy="9855200"/>
@@ -163,6 +167,7 @@
             <p14:sldId id="256"/>
             <p14:sldId id="257"/>
             <p14:sldId id="261"/>
+            <p14:sldId id="274"/>
             <p14:sldId id="263"/>
             <p14:sldId id="262"/>
             <p14:sldId id="264"/>
@@ -170,10 +175,13 @@
             <p14:sldId id="265"/>
             <p14:sldId id="266"/>
             <p14:sldId id="270"/>
+            <p14:sldId id="275"/>
             <p14:sldId id="267"/>
             <p14:sldId id="271"/>
             <p14:sldId id="272"/>
             <p14:sldId id="273"/>
+            <p14:sldId id="276"/>
+            <p14:sldId id="277"/>
             <p14:sldId id="268"/>
             <p14:sldId id="260"/>
           </p14:sldIdLst>
@@ -3983,6 +3991,153 @@
             </a:r>
             <a:r>
               <a:rPr lang="de-DE" dirty="0" smtClean="0"/>
+              <a:t> (1)</a:t>
+            </a:r>
+            <a:endParaRPr lang="en-US" dirty="0"/>
+          </a:p>
+        </p:txBody>
+      </p:sp>
+      <p:sp>
+        <p:nvSpPr>
+          <p:cNvPr id="3" name="Content Placeholder 2"/>
+          <p:cNvSpPr>
+            <a:spLocks noGrp="1"/>
+          </p:cNvSpPr>
+          <p:nvPr>
+            <p:ph idx="1"/>
+          </p:nvPr>
+        </p:nvSpPr>
+        <p:spPr/>
+        <p:txBody>
+          <a:bodyPr/>
+          <a:lstStyle/>
+          <a:p>
+            <a:pPr marL="0" indent="0">
+              <a:buNone/>
+            </a:pPr>
+            <a:r>
+              <a:rPr lang="de-DE" dirty="0" smtClean="0"/>
+              <a:t> </a:t>
+            </a:r>
+            <a:endParaRPr lang="en-US" dirty="0"/>
+          </a:p>
+        </p:txBody>
+      </p:sp>
+      <p:pic>
+        <p:nvPicPr>
+          <p:cNvPr id="4098" name="Picture 2" descr="\\tsclient\capanord\glabnetman\doc\Presentation\example2.png"/>
+          <p:cNvPicPr>
+            <a:picLocks noChangeAspect="1" noChangeArrowheads="1"/>
+          </p:cNvPicPr>
+          <p:nvPr/>
+        </p:nvPicPr>
+        <p:blipFill>
+          <a:blip r:embed="rId2">
+            <a:extLst>
+              <a:ext uri="{28A0092B-C50C-407E-A947-70E740481C1C}">
+                <a14:useLocalDpi xmlns:a14="http://schemas.microsoft.com/office/drawing/2010/main" val="0"/>
+              </a:ext>
+            </a:extLst>
+          </a:blip>
+          <a:srcRect/>
+          <a:stretch>
+            <a:fillRect/>
+          </a:stretch>
+        </p:blipFill>
+        <p:spPr bwMode="auto">
+          <a:xfrm>
+            <a:off x="1286635" y="863715"/>
+            <a:ext cx="6930770" cy="5509929"/>
+          </a:xfrm>
+          <a:prstGeom prst="rect">
+            <a:avLst/>
+          </a:prstGeom>
+          <a:noFill/>
+          <a:extLst>
+            <a:ext uri="{909E8E84-426E-40DD-AFC4-6F175D3DCCD1}">
+              <a14:hiddenFill xmlns:a14="http://schemas.microsoft.com/office/drawing/2010/main">
+                <a:solidFill>
+                  <a:srgbClr val="FFFFFF"/>
+                </a:solidFill>
+              </a14:hiddenFill>
+            </a:ext>
+          </a:extLst>
+        </p:spPr>
+      </p:pic>
+    </p:spTree>
+    <p:extLst>
+      <p:ext uri="{BB962C8B-B14F-4D97-AF65-F5344CB8AC3E}">
+        <p14:creationId xmlns:p14="http://schemas.microsoft.com/office/powerpoint/2010/main" val="2900921388"/>
+      </p:ext>
+    </p:extLst>
+  </p:cSld>
+  <p:clrMapOvr>
+    <a:masterClrMapping/>
+  </p:clrMapOvr>
+  <p:timing>
+    <p:tnLst>
+      <p:par>
+        <p:cTn id="1" dur="indefinite" restart="never" nodeType="tmRoot"/>
+      </p:par>
+    </p:tnLst>
+  </p:timing>
+</p:sld>
+</file>
+
+<file path=ppt/slides/slide11.xml><?xml version="1.0" encoding="utf-8"?>
+<p:sld xmlns:a="http://schemas.openxmlformats.org/drawingml/2006/main" xmlns:r="http://schemas.openxmlformats.org/officeDocument/2006/relationships" xmlns:p="http://schemas.openxmlformats.org/presentationml/2006/main">
+  <p:cSld>
+    <p:spTree>
+      <p:nvGrpSpPr>
+        <p:cNvPr id="1" name=""/>
+        <p:cNvGrpSpPr/>
+        <p:nvPr/>
+      </p:nvGrpSpPr>
+      <p:grpSpPr>
+        <a:xfrm>
+          <a:off x="0" y="0"/>
+          <a:ext cx="0" cy="0"/>
+          <a:chOff x="0" y="0"/>
+          <a:chExt cx="0" cy="0"/>
+        </a:xfrm>
+      </p:grpSpPr>
+      <p:sp>
+        <p:nvSpPr>
+          <p:cNvPr id="2" name="Title 1"/>
+          <p:cNvSpPr>
+            <a:spLocks noGrp="1"/>
+          </p:cNvSpPr>
+          <p:nvPr>
+            <p:ph type="title"/>
+          </p:nvPr>
+        </p:nvSpPr>
+        <p:spPr/>
+        <p:txBody>
+          <a:bodyPr/>
+          <a:lstStyle/>
+          <a:p>
+            <a:r>
+              <a:rPr lang="de-DE" dirty="0" err="1" smtClean="0"/>
+              <a:t>ToMaTo</a:t>
+            </a:r>
+            <a:r>
+              <a:rPr lang="de-DE" dirty="0" smtClean="0"/>
+              <a:t> – </a:t>
+            </a:r>
+            <a:r>
+              <a:rPr lang="de-DE" dirty="0" err="1" smtClean="0"/>
+              <a:t>Graphical</a:t>
+            </a:r>
+            <a:r>
+              <a:rPr lang="de-DE" dirty="0" smtClean="0"/>
+              <a:t> </a:t>
+            </a:r>
+            <a:r>
+              <a:rPr lang="de-DE" dirty="0" err="1" smtClean="0"/>
+              <a:t>editor</a:t>
+            </a:r>
+            <a:r>
+              <a:rPr lang="de-DE" dirty="0" smtClean="0"/>
               <a:t> (2)</a:t>
             </a:r>
             <a:endParaRPr lang="en-US" dirty="0"/>
@@ -4200,416 +4355,13 @@
   <p:clrMapOvr>
     <a:masterClrMapping/>
   </p:clrMapOvr>
-</p:sld>
-</file>
-
-<file path=ppt/slides/slide11.xml><?xml version="1.0" encoding="utf-8"?>
-<p:sld xmlns:a="http://schemas.openxmlformats.org/drawingml/2006/main" xmlns:r="http://schemas.openxmlformats.org/officeDocument/2006/relationships" xmlns:p="http://schemas.openxmlformats.org/presentationml/2006/main">
-  <p:cSld>
-    <p:spTree>
-      <p:nvGrpSpPr>
-        <p:cNvPr id="1" name=""/>
-        <p:cNvGrpSpPr/>
-        <p:nvPr/>
-      </p:nvGrpSpPr>
-      <p:grpSpPr>
-        <a:xfrm>
-          <a:off x="0" y="0"/>
-          <a:ext cx="0" cy="0"/>
-          <a:chOff x="0" y="0"/>
-          <a:chExt cx="0" cy="0"/>
-        </a:xfrm>
-      </p:grpSpPr>
-      <p:sp>
-        <p:nvSpPr>
-          <p:cNvPr id="2" name="Title 1"/>
-          <p:cNvSpPr>
-            <a:spLocks noGrp="1"/>
-          </p:cNvSpPr>
-          <p:nvPr>
-            <p:ph type="title"/>
-          </p:nvPr>
-        </p:nvSpPr>
-        <p:spPr/>
-        <p:txBody>
-          <a:bodyPr/>
-          <a:lstStyle/>
-          <a:p>
-            <a:r>
-              <a:rPr lang="de-DE" dirty="0" err="1" smtClean="0"/>
-              <a:t>Evalutation</a:t>
-            </a:r>
-            <a:r>
-              <a:rPr lang="de-DE" dirty="0" smtClean="0"/>
-              <a:t> 1</a:t>
-            </a:r>
-            <a:endParaRPr lang="en-US" dirty="0"/>
-          </a:p>
-        </p:txBody>
-      </p:sp>
-      <p:sp>
-        <p:nvSpPr>
-          <p:cNvPr id="3" name="Content Placeholder 2"/>
-          <p:cNvSpPr>
-            <a:spLocks noGrp="1"/>
-          </p:cNvSpPr>
-          <p:nvPr>
-            <p:ph idx="1"/>
-          </p:nvPr>
-        </p:nvSpPr>
-        <p:spPr/>
-        <p:txBody>
-          <a:bodyPr>
-            <a:normAutofit/>
-          </a:bodyPr>
-          <a:lstStyle/>
-          <a:p>
-            <a:r>
-              <a:rPr lang="de-DE" dirty="0" err="1" smtClean="0"/>
-              <a:t>Methodology</a:t>
-            </a:r>
-            <a:endParaRPr lang="de-DE" dirty="0" smtClean="0"/>
-          </a:p>
-          <a:p>
-            <a:pPr lvl="1"/>
-            <a:r>
-              <a:rPr lang="de-DE" dirty="0" err="1" smtClean="0"/>
-              <a:t>Identify</a:t>
-            </a:r>
-            <a:r>
-              <a:rPr lang="de-DE" dirty="0" smtClean="0"/>
-              <a:t> </a:t>
-            </a:r>
-            <a:r>
-              <a:rPr lang="de-DE" dirty="0" err="1" smtClean="0"/>
-              <a:t>network</a:t>
-            </a:r>
-            <a:r>
-              <a:rPr lang="de-DE" dirty="0" smtClean="0"/>
-              <a:t> </a:t>
-            </a:r>
-            <a:r>
-              <a:rPr lang="de-DE" dirty="0" err="1" smtClean="0"/>
-              <a:t>experiment</a:t>
-            </a:r>
-            <a:r>
-              <a:rPr lang="de-DE" dirty="0" smtClean="0"/>
-              <a:t> </a:t>
-            </a:r>
-            <a:r>
-              <a:rPr lang="de-DE" dirty="0" err="1" smtClean="0"/>
-              <a:t>classes</a:t>
-            </a:r>
-            <a:endParaRPr lang="de-DE" dirty="0" smtClean="0"/>
-          </a:p>
-          <a:p>
-            <a:pPr lvl="1"/>
-            <a:r>
-              <a:rPr lang="de-DE" dirty="0" err="1" smtClean="0"/>
-              <a:t>Evaluate</a:t>
-            </a:r>
-            <a:r>
-              <a:rPr lang="de-DE" dirty="0" smtClean="0"/>
-              <a:t> </a:t>
-            </a:r>
-            <a:r>
-              <a:rPr lang="de-DE" dirty="0" err="1" smtClean="0"/>
-              <a:t>ToMaTo</a:t>
-            </a:r>
-            <a:r>
-              <a:rPr lang="de-DE" dirty="0" smtClean="0"/>
-              <a:t> </a:t>
-            </a:r>
-            <a:r>
-              <a:rPr lang="de-DE" dirty="0" err="1" smtClean="0"/>
-              <a:t>support</a:t>
-            </a:r>
-            <a:r>
-              <a:rPr lang="de-DE" dirty="0" smtClean="0"/>
-              <a:t> </a:t>
-            </a:r>
-            <a:r>
-              <a:rPr lang="de-DE" dirty="0" err="1" smtClean="0"/>
-              <a:t>for</a:t>
-            </a:r>
-            <a:r>
-              <a:rPr lang="de-DE" dirty="0" smtClean="0"/>
-              <a:t> </a:t>
-            </a:r>
-            <a:r>
-              <a:rPr lang="de-DE" dirty="0" err="1" smtClean="0"/>
-              <a:t>these</a:t>
-            </a:r>
-            <a:r>
-              <a:rPr lang="de-DE" dirty="0" smtClean="0"/>
-              <a:t> </a:t>
-            </a:r>
-            <a:r>
-              <a:rPr lang="de-DE" dirty="0" err="1" smtClean="0"/>
-              <a:t>classes</a:t>
-            </a:r>
-            <a:endParaRPr lang="de-DE" dirty="0" smtClean="0"/>
-          </a:p>
-          <a:p>
-            <a:pPr lvl="1"/>
-            <a:endParaRPr lang="de-DE" dirty="0" smtClean="0"/>
-          </a:p>
-          <a:p>
-            <a:r>
-              <a:rPr lang="de-DE" dirty="0" smtClean="0"/>
-              <a:t>Access </a:t>
-            </a:r>
-            <a:r>
-              <a:rPr lang="de-DE" dirty="0" err="1" smtClean="0"/>
-              <a:t>layer</a:t>
-            </a:r>
-            <a:r>
-              <a:rPr lang="de-DE" dirty="0" smtClean="0"/>
-              <a:t> </a:t>
-            </a:r>
-            <a:r>
-              <a:rPr lang="de-DE" dirty="0" err="1" smtClean="0"/>
-              <a:t>experiments</a:t>
-            </a:r>
-            <a:endParaRPr lang="de-DE" dirty="0" smtClean="0"/>
-          </a:p>
-          <a:p>
-            <a:pPr lvl="1"/>
-            <a:r>
-              <a:rPr lang="de-DE" dirty="0" err="1" smtClean="0"/>
-              <a:t>Consider</a:t>
-            </a:r>
-            <a:r>
-              <a:rPr lang="de-DE" dirty="0" smtClean="0"/>
-              <a:t> </a:t>
-            </a:r>
-            <a:r>
-              <a:rPr lang="de-DE" dirty="0" err="1" smtClean="0"/>
-              <a:t>lower</a:t>
-            </a:r>
-            <a:r>
-              <a:rPr lang="de-DE" dirty="0" smtClean="0"/>
-              <a:t> </a:t>
-            </a:r>
-            <a:r>
-              <a:rPr lang="de-DE" dirty="0" err="1" smtClean="0"/>
-              <a:t>layers</a:t>
-            </a:r>
-            <a:r>
-              <a:rPr lang="de-DE" dirty="0"/>
-              <a:t> </a:t>
-            </a:r>
-            <a:r>
-              <a:rPr lang="de-DE" dirty="0" err="1" smtClean="0"/>
-              <a:t>and</a:t>
-            </a:r>
-            <a:r>
-              <a:rPr lang="de-DE" dirty="0" smtClean="0"/>
-              <a:t> </a:t>
-            </a:r>
-            <a:r>
-              <a:rPr lang="de-DE" dirty="0" err="1" smtClean="0"/>
-              <a:t>hardware</a:t>
-            </a:r>
-            <a:endParaRPr lang="de-DE" dirty="0" smtClean="0"/>
-          </a:p>
-          <a:p>
-            <a:pPr lvl="2"/>
-            <a:r>
-              <a:rPr lang="de-DE" dirty="0" err="1" smtClean="0"/>
-              <a:t>Example</a:t>
-            </a:r>
-            <a:r>
-              <a:rPr lang="de-DE" dirty="0" smtClean="0"/>
-              <a:t>: Mobile </a:t>
-            </a:r>
-            <a:r>
-              <a:rPr lang="de-DE" dirty="0" err="1" smtClean="0"/>
-              <a:t>handover</a:t>
-            </a:r>
-            <a:endParaRPr lang="de-DE" dirty="0" smtClean="0"/>
-          </a:p>
-          <a:p>
-            <a:pPr lvl="1"/>
-            <a:r>
-              <a:rPr lang="de-DE" dirty="0" err="1" smtClean="0"/>
-              <a:t>Requirements</a:t>
-            </a:r>
-            <a:endParaRPr lang="de-DE" dirty="0" smtClean="0"/>
-          </a:p>
-          <a:p>
-            <a:pPr lvl="2"/>
-            <a:r>
-              <a:rPr lang="de-DE" dirty="0" smtClean="0"/>
-              <a:t>Hardware </a:t>
-            </a:r>
-            <a:r>
-              <a:rPr lang="de-DE" dirty="0" err="1" smtClean="0"/>
-              <a:t>access</a:t>
-            </a:r>
-            <a:endParaRPr lang="de-DE" dirty="0" smtClean="0"/>
-          </a:p>
-          <a:p>
-            <a:pPr lvl="2"/>
-            <a:r>
-              <a:rPr lang="de-DE" dirty="0" smtClean="0"/>
-              <a:t>Custom </a:t>
-            </a:r>
-            <a:r>
-              <a:rPr lang="de-DE" dirty="0" err="1" smtClean="0"/>
-              <a:t>operating</a:t>
-            </a:r>
-            <a:r>
-              <a:rPr lang="de-DE" dirty="0" smtClean="0"/>
-              <a:t> </a:t>
-            </a:r>
-            <a:r>
-              <a:rPr lang="de-DE" dirty="0" err="1" smtClean="0"/>
-              <a:t>systems</a:t>
-            </a:r>
-            <a:r>
-              <a:rPr lang="de-DE" dirty="0" smtClean="0"/>
-              <a:t> (Realtime)</a:t>
-            </a:r>
-          </a:p>
-          <a:p>
-            <a:pPr lvl="2"/>
-            <a:r>
-              <a:rPr lang="de-DE" dirty="0" err="1"/>
-              <a:t>Heterogeneous</a:t>
-            </a:r>
-            <a:r>
-              <a:rPr lang="de-DE" dirty="0"/>
-              <a:t> </a:t>
-            </a:r>
-            <a:r>
-              <a:rPr lang="de-DE" dirty="0" err="1"/>
-              <a:t>access</a:t>
-            </a:r>
-            <a:r>
-              <a:rPr lang="de-DE" dirty="0"/>
-              <a:t> </a:t>
-            </a:r>
-            <a:r>
-              <a:rPr lang="de-DE" dirty="0" err="1"/>
-              <a:t>technologies</a:t>
-            </a:r>
-            <a:r>
-              <a:rPr lang="de-DE" dirty="0"/>
-              <a:t> (3G, </a:t>
-            </a:r>
-            <a:r>
-              <a:rPr lang="de-DE" dirty="0" err="1"/>
-              <a:t>Wifi</a:t>
-            </a:r>
-            <a:r>
-              <a:rPr lang="de-DE" dirty="0"/>
-              <a:t>, etc.)</a:t>
-            </a:r>
-          </a:p>
-          <a:p>
-            <a:pPr lvl="2"/>
-            <a:r>
-              <a:rPr lang="de-DE" dirty="0" err="1" smtClean="0"/>
-              <a:t>Complex</a:t>
-            </a:r>
-            <a:r>
-              <a:rPr lang="de-DE" dirty="0" smtClean="0"/>
-              <a:t> </a:t>
-            </a:r>
-            <a:r>
-              <a:rPr lang="de-DE" dirty="0" err="1" smtClean="0"/>
-              <a:t>setup</a:t>
-            </a:r>
-            <a:r>
-              <a:rPr lang="de-DE" dirty="0" smtClean="0"/>
-              <a:t>, </a:t>
-            </a:r>
-            <a:r>
-              <a:rPr lang="de-DE" dirty="0" err="1" smtClean="0"/>
-              <a:t>depending</a:t>
-            </a:r>
-            <a:r>
-              <a:rPr lang="de-DE" dirty="0" smtClean="0"/>
-              <a:t> on </a:t>
-            </a:r>
-            <a:r>
-              <a:rPr lang="de-DE" dirty="0" err="1" smtClean="0"/>
-              <a:t>hardware</a:t>
-            </a:r>
-            <a:r>
-              <a:rPr lang="de-DE" dirty="0" smtClean="0"/>
-              <a:t> type</a:t>
-            </a:r>
-          </a:p>
-          <a:p>
-            <a:pPr lvl="1"/>
-            <a:r>
-              <a:rPr lang="de-DE" dirty="0" smtClean="0"/>
-              <a:t>Needs </a:t>
-            </a:r>
-            <a:r>
-              <a:rPr lang="de-DE" dirty="0" err="1" smtClean="0"/>
-              <a:t>specialized</a:t>
-            </a:r>
-            <a:r>
-              <a:rPr lang="de-DE" dirty="0" smtClean="0"/>
-              <a:t> </a:t>
-            </a:r>
-            <a:r>
-              <a:rPr lang="de-DE" dirty="0" err="1" smtClean="0"/>
-              <a:t>testbeds</a:t>
-            </a:r>
-            <a:r>
-              <a:rPr lang="de-DE" dirty="0" smtClean="0"/>
-              <a:t> </a:t>
-            </a:r>
-            <a:r>
-              <a:rPr lang="de-DE" dirty="0" err="1" smtClean="0"/>
-              <a:t>depending</a:t>
-            </a:r>
-            <a:r>
-              <a:rPr lang="de-DE" dirty="0" smtClean="0"/>
-              <a:t> on </a:t>
-            </a:r>
-            <a:r>
-              <a:rPr lang="de-DE" dirty="0" err="1" smtClean="0"/>
-              <a:t>hardware</a:t>
-            </a:r>
-            <a:endParaRPr lang="de-DE" dirty="0" smtClean="0"/>
-          </a:p>
-          <a:p>
-            <a:pPr lvl="2"/>
-            <a:r>
-              <a:rPr lang="de-DE" dirty="0" smtClean="0"/>
-              <a:t>DES </a:t>
-            </a:r>
-            <a:r>
-              <a:rPr lang="de-DE" dirty="0" err="1" smtClean="0"/>
-              <a:t>Testbed</a:t>
-            </a:r>
-            <a:r>
-              <a:rPr lang="de-DE" dirty="0" smtClean="0"/>
-              <a:t>, </a:t>
-            </a:r>
-            <a:r>
-              <a:rPr lang="de-DE" dirty="0" err="1" smtClean="0"/>
-              <a:t>Wisebed</a:t>
-            </a:r>
-            <a:endParaRPr lang="de-DE" dirty="0" smtClean="0"/>
-          </a:p>
-        </p:txBody>
-      </p:sp>
-    </p:spTree>
-    <p:extLst>
-      <p:ext uri="{BB962C8B-B14F-4D97-AF65-F5344CB8AC3E}">
-        <p14:creationId xmlns:p14="http://schemas.microsoft.com/office/powerpoint/2010/main" val="3290149139"/>
-      </p:ext>
-    </p:extLst>
-  </p:cSld>
-  <p:clrMapOvr>
-    <a:masterClrMapping/>
-  </p:clrMapOvr>
+  <p:timing>
+    <p:tnLst>
+      <p:par>
+        <p:cTn id="1" dur="indefinite" restart="never" nodeType="tmRoot"/>
+      </p:par>
+    </p:tnLst>
+  </p:timing>
 </p:sld>
 </file>
 
@@ -4632,12 +4384,12 @@
       </p:grpSpPr>
       <p:sp>
         <p:nvSpPr>
-          <p:cNvPr id="2" name="Title 1"/>
+          <p:cNvPr id="4" name="Text Placeholder 3"/>
           <p:cNvSpPr>
             <a:spLocks noGrp="1"/>
           </p:cNvSpPr>
           <p:nvPr>
-            <p:ph type="title"/>
+            <p:ph type="body" sz="quarter" idx="10"/>
           </p:nvPr>
         </p:nvSpPr>
         <p:spPr/>
@@ -4646,290 +4398,113 @@
           <a:lstStyle/>
           <a:p>
             <a:r>
-              <a:rPr lang="de-DE" dirty="0" smtClean="0"/>
-              <a:t>Evaluation 2</a:t>
-            </a:r>
+              <a:rPr lang="de-DE" dirty="0" err="1" smtClean="0"/>
+              <a:t>Methodology</a:t>
+            </a:r>
+            <a:endParaRPr lang="de-DE" dirty="0" smtClean="0"/>
+          </a:p>
+          <a:p>
+            <a:endParaRPr lang="de-DE" dirty="0" smtClean="0"/>
+          </a:p>
+          <a:p>
+            <a:r>
+              <a:rPr lang="de-DE" dirty="0" smtClean="0"/>
+              <a:t>Access </a:t>
+            </a:r>
+            <a:r>
+              <a:rPr lang="de-DE" dirty="0" err="1" smtClean="0"/>
+              <a:t>layer</a:t>
+            </a:r>
+            <a:r>
+              <a:rPr lang="de-DE" dirty="0" smtClean="0"/>
+              <a:t> </a:t>
+            </a:r>
+            <a:r>
+              <a:rPr lang="de-DE" dirty="0" err="1" smtClean="0"/>
+              <a:t>experiments</a:t>
+            </a:r>
+            <a:endParaRPr lang="de-DE" dirty="0" smtClean="0"/>
+          </a:p>
+          <a:p>
+            <a:r>
+              <a:rPr lang="de-DE" dirty="0" smtClean="0"/>
+              <a:t>Network </a:t>
+            </a:r>
+            <a:r>
+              <a:rPr lang="de-DE" dirty="0" err="1" smtClean="0"/>
+              <a:t>layer</a:t>
+            </a:r>
+            <a:r>
+              <a:rPr lang="de-DE" dirty="0" smtClean="0"/>
+              <a:t> </a:t>
+            </a:r>
+            <a:r>
+              <a:rPr lang="de-DE" dirty="0" err="1" smtClean="0"/>
+              <a:t>experiments</a:t>
+            </a:r>
+            <a:endParaRPr lang="de-DE" dirty="0" smtClean="0"/>
+          </a:p>
+          <a:p>
+            <a:r>
+              <a:rPr lang="de-DE" dirty="0" err="1" smtClean="0"/>
+              <a:t>Algorithm</a:t>
+            </a:r>
+            <a:r>
+              <a:rPr lang="de-DE" dirty="0" smtClean="0"/>
+              <a:t>/Protocol </a:t>
+            </a:r>
+            <a:r>
+              <a:rPr lang="de-DE" dirty="0" err="1" smtClean="0"/>
+              <a:t>experiments</a:t>
+            </a:r>
+            <a:endParaRPr lang="de-DE" dirty="0" smtClean="0"/>
+          </a:p>
+          <a:p>
+            <a:r>
+              <a:rPr lang="de-DE" dirty="0" smtClean="0"/>
+              <a:t>Legacy </a:t>
+            </a:r>
+            <a:r>
+              <a:rPr lang="de-DE" dirty="0" err="1" smtClean="0"/>
+              <a:t>software</a:t>
+            </a:r>
+            <a:r>
+              <a:rPr lang="de-DE" dirty="0" smtClean="0"/>
+              <a:t> </a:t>
+            </a:r>
+            <a:r>
+              <a:rPr lang="de-DE" dirty="0" err="1" smtClean="0"/>
+              <a:t>experiments</a:t>
+            </a:r>
+            <a:endParaRPr lang="de-DE" dirty="0" smtClean="0"/>
+          </a:p>
+          <a:p>
+            <a:endParaRPr lang="de-DE" dirty="0" smtClean="0"/>
+          </a:p>
+          <a:p>
             <a:endParaRPr lang="en-US" dirty="0"/>
           </a:p>
         </p:txBody>
       </p:sp>
       <p:sp>
         <p:nvSpPr>
-          <p:cNvPr id="3" name="Content Placeholder 2"/>
+          <p:cNvPr id="5" name="Text Placeholder 4"/>
           <p:cNvSpPr>
             <a:spLocks noGrp="1"/>
           </p:cNvSpPr>
           <p:nvPr>
-            <p:ph idx="1"/>
+            <p:ph type="body" sz="quarter" idx="11"/>
           </p:nvPr>
         </p:nvSpPr>
         <p:spPr/>
         <p:txBody>
-          <a:bodyPr>
-            <a:normAutofit/>
-          </a:bodyPr>
+          <a:bodyPr/>
           <a:lstStyle/>
           <a:p>
             <a:r>
-              <a:rPr lang="de-DE" dirty="0"/>
-              <a:t>Network </a:t>
-            </a:r>
-            <a:r>
-              <a:rPr lang="de-DE" dirty="0" err="1"/>
-              <a:t>layer</a:t>
-            </a:r>
-            <a:r>
-              <a:rPr lang="de-DE" dirty="0"/>
-              <a:t> </a:t>
-            </a:r>
-            <a:r>
-              <a:rPr lang="de-DE" dirty="0" err="1"/>
-              <a:t>experiments</a:t>
-            </a:r>
-            <a:endParaRPr lang="de-DE" dirty="0"/>
-          </a:p>
-          <a:p>
-            <a:pPr lvl="1"/>
-            <a:r>
-              <a:rPr lang="de-DE" dirty="0" smtClean="0"/>
-              <a:t>Focus </a:t>
-            </a:r>
-            <a:r>
-              <a:rPr lang="de-DE" dirty="0"/>
-              <a:t>on TCP/IP </a:t>
-            </a:r>
-            <a:r>
-              <a:rPr lang="de-DE" dirty="0" err="1"/>
-              <a:t>suite</a:t>
-            </a:r>
-            <a:endParaRPr lang="de-DE" dirty="0"/>
-          </a:p>
-          <a:p>
-            <a:pPr lvl="2"/>
-            <a:r>
-              <a:rPr lang="de-DE" dirty="0" err="1"/>
-              <a:t>Example</a:t>
-            </a:r>
-            <a:r>
-              <a:rPr lang="de-DE" dirty="0"/>
-              <a:t>: IPv6 </a:t>
-            </a:r>
-            <a:r>
-              <a:rPr lang="de-DE" dirty="0" err="1"/>
-              <a:t>extensions</a:t>
-            </a:r>
-            <a:r>
-              <a:rPr lang="de-DE" dirty="0"/>
-              <a:t>, TCP </a:t>
-            </a:r>
-            <a:r>
-              <a:rPr lang="de-DE" dirty="0" err="1"/>
-              <a:t>substitutes</a:t>
-            </a:r>
-            <a:endParaRPr lang="de-DE" dirty="0"/>
-          </a:p>
-          <a:p>
-            <a:pPr lvl="1"/>
-            <a:r>
-              <a:rPr lang="de-DE" dirty="0" err="1" smtClean="0"/>
-              <a:t>Requirements</a:t>
-            </a:r>
-            <a:endParaRPr lang="de-DE" dirty="0" smtClean="0"/>
-          </a:p>
-          <a:p>
-            <a:pPr lvl="2"/>
-            <a:r>
-              <a:rPr lang="de-DE" dirty="0" err="1" smtClean="0"/>
-              <a:t>Deep</a:t>
-            </a:r>
-            <a:r>
-              <a:rPr lang="de-DE" dirty="0" smtClean="0"/>
-              <a:t> OS </a:t>
-            </a:r>
-            <a:r>
-              <a:rPr lang="de-DE" dirty="0" err="1" smtClean="0"/>
-              <a:t>access</a:t>
-            </a:r>
-            <a:r>
-              <a:rPr lang="de-DE" dirty="0" smtClean="0"/>
-              <a:t> (</a:t>
-            </a:r>
-            <a:r>
-              <a:rPr lang="de-DE" dirty="0" err="1" smtClean="0"/>
-              <a:t>modified</a:t>
-            </a:r>
-            <a:r>
-              <a:rPr lang="de-DE" dirty="0" smtClean="0"/>
-              <a:t> </a:t>
-            </a:r>
-            <a:r>
-              <a:rPr lang="de-DE" dirty="0" err="1" smtClean="0"/>
-              <a:t>kernels</a:t>
-            </a:r>
-            <a:r>
-              <a:rPr lang="de-DE" dirty="0" smtClean="0"/>
-              <a:t>, etc.)</a:t>
-            </a:r>
-          </a:p>
-          <a:p>
-            <a:pPr lvl="2"/>
-            <a:r>
-              <a:rPr lang="de-DE" dirty="0" smtClean="0"/>
-              <a:t>Small but </a:t>
-            </a:r>
-            <a:r>
-              <a:rPr lang="de-DE" dirty="0" err="1" smtClean="0"/>
-              <a:t>complex</a:t>
-            </a:r>
-            <a:r>
-              <a:rPr lang="de-DE" dirty="0" smtClean="0"/>
-              <a:t> </a:t>
-            </a:r>
-            <a:r>
-              <a:rPr lang="de-DE" dirty="0" err="1" smtClean="0"/>
-              <a:t>topologies</a:t>
-            </a:r>
-            <a:r>
-              <a:rPr lang="de-DE" dirty="0" smtClean="0"/>
-              <a:t>, link </a:t>
-            </a:r>
-            <a:r>
-              <a:rPr lang="de-DE" dirty="0" err="1" smtClean="0"/>
-              <a:t>emulation</a:t>
-            </a:r>
-            <a:endParaRPr lang="de-DE" dirty="0" smtClean="0"/>
-          </a:p>
-          <a:p>
-            <a:pPr lvl="1"/>
-            <a:r>
-              <a:rPr lang="de-DE" dirty="0" err="1" smtClean="0"/>
-              <a:t>ToMaTo</a:t>
-            </a:r>
-            <a:r>
-              <a:rPr lang="de-DE" dirty="0" smtClean="0"/>
-              <a:t> </a:t>
-            </a:r>
-            <a:r>
-              <a:rPr lang="de-DE" dirty="0" err="1" smtClean="0"/>
-              <a:t>offers</a:t>
-            </a:r>
-            <a:endParaRPr lang="de-DE" dirty="0" smtClean="0"/>
-          </a:p>
-          <a:p>
-            <a:pPr lvl="2"/>
-            <a:r>
-              <a:rPr lang="de-DE" dirty="0" err="1" smtClean="0"/>
-              <a:t>Full</a:t>
-            </a:r>
-            <a:r>
-              <a:rPr lang="de-DE" dirty="0" smtClean="0"/>
-              <a:t> </a:t>
-            </a:r>
-            <a:r>
-              <a:rPr lang="de-DE" dirty="0" err="1" smtClean="0"/>
-              <a:t>kernel</a:t>
-            </a:r>
-            <a:r>
-              <a:rPr lang="de-DE" dirty="0" smtClean="0"/>
-              <a:t> </a:t>
-            </a:r>
-            <a:r>
-              <a:rPr lang="de-DE" dirty="0" err="1" smtClean="0"/>
-              <a:t>access</a:t>
-            </a:r>
-            <a:r>
-              <a:rPr lang="de-DE" dirty="0" smtClean="0"/>
-              <a:t> via KVM</a:t>
-            </a:r>
-          </a:p>
-          <a:p>
-            <a:pPr lvl="2"/>
-            <a:r>
-              <a:rPr lang="de-DE" dirty="0" err="1" smtClean="0"/>
-              <a:t>Complex</a:t>
-            </a:r>
-            <a:r>
-              <a:rPr lang="de-DE" dirty="0" smtClean="0"/>
-              <a:t> </a:t>
-            </a:r>
-            <a:r>
-              <a:rPr lang="de-DE" dirty="0" err="1" smtClean="0"/>
-              <a:t>topologies</a:t>
-            </a:r>
-            <a:endParaRPr lang="de-DE" dirty="0" smtClean="0"/>
-          </a:p>
-          <a:p>
-            <a:pPr lvl="2"/>
-            <a:r>
-              <a:rPr lang="de-DE" dirty="0" smtClean="0"/>
-              <a:t>Link </a:t>
-            </a:r>
-            <a:r>
-              <a:rPr lang="de-DE" dirty="0" err="1" smtClean="0"/>
-              <a:t>emulation</a:t>
-            </a:r>
-            <a:endParaRPr lang="de-DE" dirty="0" smtClean="0"/>
-          </a:p>
-          <a:p>
-            <a:pPr lvl="2"/>
-            <a:r>
-              <a:rPr lang="de-DE" dirty="0" smtClean="0"/>
-              <a:t>Packet </a:t>
-            </a:r>
-            <a:r>
-              <a:rPr lang="de-DE" dirty="0" err="1" smtClean="0"/>
-              <a:t>capturing</a:t>
-            </a:r>
-            <a:r>
-              <a:rPr lang="de-DE" dirty="0" smtClean="0"/>
-              <a:t> (</a:t>
-            </a:r>
-            <a:r>
-              <a:rPr lang="de-DE" dirty="0" err="1" smtClean="0"/>
-              <a:t>for</a:t>
-            </a:r>
-            <a:r>
-              <a:rPr lang="de-DE" dirty="0" smtClean="0"/>
-              <a:t> </a:t>
-            </a:r>
-            <a:r>
-              <a:rPr lang="de-DE" dirty="0" err="1" smtClean="0"/>
-              <a:t>analysis</a:t>
-            </a:r>
-            <a:r>
-              <a:rPr lang="de-DE" dirty="0" smtClean="0"/>
-              <a:t>)</a:t>
-            </a:r>
-          </a:p>
-          <a:p>
-            <a:pPr lvl="2"/>
-            <a:r>
-              <a:rPr lang="de-DE" dirty="0" smtClean="0"/>
-              <a:t>Easy </a:t>
-            </a:r>
-            <a:r>
-              <a:rPr lang="de-DE" dirty="0" err="1" smtClean="0"/>
-              <a:t>setup</a:t>
-            </a:r>
-            <a:r>
-              <a:rPr lang="de-DE" dirty="0" smtClean="0"/>
-              <a:t> </a:t>
-            </a:r>
-            <a:r>
-              <a:rPr lang="de-DE" dirty="0" err="1" smtClean="0"/>
-              <a:t>of</a:t>
-            </a:r>
-            <a:r>
-              <a:rPr lang="de-DE" dirty="0" smtClean="0"/>
-              <a:t> </a:t>
-            </a:r>
-            <a:r>
-              <a:rPr lang="de-DE" dirty="0" err="1" smtClean="0"/>
-              <a:t>topologies</a:t>
-            </a:r>
-            <a:endParaRPr lang="de-DE" dirty="0" smtClean="0"/>
-          </a:p>
-          <a:p>
+              <a:rPr lang="de-DE" dirty="0" smtClean="0"/>
+              <a:t>Evaluation</a:t>
+            </a:r>
             <a:endParaRPr lang="en-US" dirty="0"/>
           </a:p>
         </p:txBody>
@@ -4937,7 +4512,7 @@
     </p:spTree>
     <p:extLst>
       <p:ext uri="{BB962C8B-B14F-4D97-AF65-F5344CB8AC3E}">
-        <p14:creationId xmlns:p14="http://schemas.microsoft.com/office/powerpoint/2010/main" val="720205354"/>
+        <p14:creationId xmlns:p14="http://schemas.microsoft.com/office/powerpoint/2010/main" val="813882405"/>
       </p:ext>
     </p:extLst>
   </p:cSld>
@@ -4981,7 +4556,7 @@
           <a:p>
             <a:r>
               <a:rPr lang="de-DE" dirty="0" smtClean="0"/>
-              <a:t>Evaluation 3</a:t>
+              <a:t>Evaluation (1)</a:t>
             </a:r>
             <a:endParaRPr lang="en-US" dirty="0"/>
           </a:p>
@@ -4999,16 +4574,113 @@
         </p:nvSpPr>
         <p:spPr/>
         <p:txBody>
-          <a:bodyPr/>
+          <a:bodyPr>
+            <a:normAutofit/>
+          </a:bodyPr>
           <a:lstStyle/>
           <a:p>
             <a:r>
               <a:rPr lang="de-DE" dirty="0" err="1" smtClean="0"/>
-              <a:t>Algorithm</a:t>
-            </a:r>
-            <a:r>
-              <a:rPr lang="de-DE" dirty="0" smtClean="0"/>
-              <a:t>/Protocol </a:t>
+              <a:t>Methodology</a:t>
+            </a:r>
+            <a:endParaRPr lang="de-DE" dirty="0" smtClean="0"/>
+          </a:p>
+          <a:p>
+            <a:pPr lvl="1"/>
+            <a:r>
+              <a:rPr lang="de-DE" dirty="0" err="1" smtClean="0"/>
+              <a:t>Identify</a:t>
+            </a:r>
+            <a:r>
+              <a:rPr lang="de-DE" dirty="0" smtClean="0"/>
+              <a:t> </a:t>
+            </a:r>
+            <a:r>
+              <a:rPr lang="de-DE" dirty="0" err="1" smtClean="0"/>
+              <a:t>network</a:t>
+            </a:r>
+            <a:r>
+              <a:rPr lang="de-DE" dirty="0" smtClean="0"/>
+              <a:t> </a:t>
+            </a:r>
+            <a:r>
+              <a:rPr lang="de-DE" dirty="0" err="1" smtClean="0"/>
+              <a:t>experiment</a:t>
+            </a:r>
+            <a:r>
+              <a:rPr lang="de-DE" dirty="0" smtClean="0"/>
+              <a:t> </a:t>
+            </a:r>
+            <a:r>
+              <a:rPr lang="de-DE" dirty="0" err="1" smtClean="0"/>
+              <a:t>classes</a:t>
+            </a:r>
+            <a:endParaRPr lang="de-DE" dirty="0" smtClean="0"/>
+          </a:p>
+          <a:p>
+            <a:pPr lvl="1"/>
+            <a:r>
+              <a:rPr lang="de-DE" dirty="0" err="1" smtClean="0"/>
+              <a:t>Evaluate</a:t>
+            </a:r>
+            <a:r>
+              <a:rPr lang="de-DE" dirty="0" smtClean="0"/>
+              <a:t> </a:t>
+            </a:r>
+            <a:r>
+              <a:rPr lang="de-DE" dirty="0" err="1" smtClean="0"/>
+              <a:t>ToMaTo</a:t>
+            </a:r>
+            <a:r>
+              <a:rPr lang="de-DE" dirty="0" smtClean="0"/>
+              <a:t> </a:t>
+            </a:r>
+            <a:r>
+              <a:rPr lang="de-DE" dirty="0" err="1" smtClean="0"/>
+              <a:t>support</a:t>
+            </a:r>
+            <a:r>
+              <a:rPr lang="de-DE" dirty="0" smtClean="0"/>
+              <a:t> </a:t>
+            </a:r>
+            <a:r>
+              <a:rPr lang="de-DE" dirty="0" err="1" smtClean="0"/>
+              <a:t>for</a:t>
+            </a:r>
+            <a:r>
+              <a:rPr lang="de-DE" dirty="0" smtClean="0"/>
+              <a:t> </a:t>
+            </a:r>
+            <a:r>
+              <a:rPr lang="de-DE" dirty="0" err="1" smtClean="0"/>
+              <a:t>these</a:t>
+            </a:r>
+            <a:r>
+              <a:rPr lang="de-DE" dirty="0" smtClean="0"/>
+              <a:t> </a:t>
+            </a:r>
+            <a:r>
+              <a:rPr lang="de-DE" dirty="0" err="1" smtClean="0"/>
+              <a:t>classes</a:t>
+            </a:r>
+            <a:endParaRPr lang="de-DE" dirty="0" smtClean="0"/>
+          </a:p>
+          <a:p>
+            <a:pPr lvl="1"/>
+            <a:endParaRPr lang="de-DE" dirty="0" smtClean="0"/>
+          </a:p>
+          <a:p>
+            <a:r>
+              <a:rPr lang="de-DE" dirty="0" smtClean="0"/>
+              <a:t>Access </a:t>
+            </a:r>
+            <a:r>
+              <a:rPr lang="de-DE" dirty="0" err="1" smtClean="0"/>
+              <a:t>layer</a:t>
+            </a:r>
+            <a:r>
+              <a:rPr lang="de-DE" dirty="0" smtClean="0"/>
+              <a:t> </a:t>
             </a:r>
             <a:r>
               <a:rPr lang="de-DE" dirty="0" err="1" smtClean="0"/>
@@ -5019,28 +4691,40 @@
           <a:p>
             <a:pPr lvl="1"/>
             <a:r>
-              <a:rPr lang="de-DE" dirty="0" smtClean="0"/>
-              <a:t>Work on top </a:t>
-            </a:r>
-            <a:r>
-              <a:rPr lang="de-DE" dirty="0" err="1" smtClean="0"/>
-              <a:t>of</a:t>
-            </a:r>
-            <a:r>
-              <a:rPr lang="de-DE" dirty="0" smtClean="0"/>
-              <a:t> </a:t>
-            </a:r>
-            <a:r>
-              <a:rPr lang="de-DE" dirty="0" err="1" smtClean="0"/>
-              <a:t>network</a:t>
-            </a:r>
-            <a:r>
-              <a:rPr lang="de-DE" dirty="0" smtClean="0"/>
-              <a:t> </a:t>
-            </a:r>
-            <a:r>
-              <a:rPr lang="de-DE" dirty="0" err="1" smtClean="0"/>
-              <a:t>layer</a:t>
+              <a:rPr lang="de-DE" dirty="0" err="1" smtClean="0"/>
+              <a:t>Consider</a:t>
+            </a:r>
+            <a:r>
+              <a:rPr lang="de-DE" dirty="0" smtClean="0"/>
+              <a:t> </a:t>
+            </a:r>
+            <a:r>
+              <a:rPr lang="de-DE" dirty="0" err="1" smtClean="0"/>
+              <a:t>lower</a:t>
+            </a:r>
+            <a:r>
+              <a:rPr lang="de-DE" dirty="0" smtClean="0"/>
+              <a:t> </a:t>
+            </a:r>
+            <a:r>
+              <a:rPr lang="de-DE" dirty="0" err="1" smtClean="0"/>
+              <a:t>layers</a:t>
+            </a:r>
+            <a:r>
+              <a:rPr lang="de-DE" dirty="0"/>
+              <a:t> </a:t>
+            </a:r>
+            <a:r>
+              <a:rPr lang="de-DE" dirty="0" err="1" smtClean="0"/>
+              <a:t>and</a:t>
+            </a:r>
+            <a:r>
+              <a:rPr lang="de-DE" dirty="0" smtClean="0"/>
+              <a:t> </a:t>
+            </a:r>
+            <a:r>
+              <a:rPr lang="de-DE" dirty="0" err="1" smtClean="0"/>
+              <a:t>hardware</a:t>
             </a:r>
             <a:endParaRPr lang="de-DE" dirty="0" smtClean="0"/>
           </a:p>
@@ -5052,8 +4736,13 @@
             </a:r>
             <a:r>
               <a:rPr lang="de-DE" dirty="0" smtClean="0"/>
-              <a:t>: P2P-Networks</a:t>
-            </a:r>
+              <a:t>: Mobile </a:t>
+            </a:r>
+            <a:r>
+              <a:rPr lang="de-DE" dirty="0" err="1" smtClean="0"/>
+              <a:t>handover</a:t>
+            </a:r>
+            <a:endParaRPr lang="de-DE" dirty="0" smtClean="0"/>
           </a:p>
           <a:p>
             <a:pPr lvl="1"/>
@@ -5066,16 +4755,12 @@
           <a:p>
             <a:pPr lvl="2"/>
             <a:r>
-              <a:rPr lang="de-DE" dirty="0" err="1" smtClean="0"/>
-              <a:t>Huge</a:t>
-            </a:r>
-            <a:r>
-              <a:rPr lang="de-DE" dirty="0" smtClean="0"/>
-              <a:t> but simple </a:t>
-            </a:r>
-            <a:r>
-              <a:rPr lang="de-DE" dirty="0" err="1" smtClean="0"/>
-              <a:t>topologies</a:t>
+              <a:rPr lang="de-DE" dirty="0" smtClean="0"/>
+              <a:t>Hardware </a:t>
+            </a:r>
+            <a:r>
+              <a:rPr lang="de-DE" dirty="0" err="1" smtClean="0"/>
+              <a:t>access</a:t>
             </a:r>
             <a:endParaRPr lang="de-DE" dirty="0" smtClean="0"/>
           </a:p>
@@ -5083,23 +4768,85 @@
             <a:pPr lvl="2"/>
             <a:r>
               <a:rPr lang="de-DE" dirty="0" smtClean="0"/>
-              <a:t>Link </a:t>
-            </a:r>
-            <a:r>
-              <a:rPr lang="de-DE" dirty="0" err="1" smtClean="0"/>
-              <a:t>emulation</a:t>
-            </a:r>
-            <a:endParaRPr lang="de-DE" dirty="0" smtClean="0"/>
+              <a:t>Custom </a:t>
+            </a:r>
+            <a:r>
+              <a:rPr lang="de-DE" dirty="0" err="1" smtClean="0"/>
+              <a:t>operating</a:t>
+            </a:r>
+            <a:r>
+              <a:rPr lang="de-DE" dirty="0" smtClean="0"/>
+              <a:t> </a:t>
+            </a:r>
+            <a:r>
+              <a:rPr lang="de-DE" dirty="0" err="1" smtClean="0"/>
+              <a:t>systems</a:t>
+            </a:r>
+            <a:r>
+              <a:rPr lang="de-DE" dirty="0" smtClean="0"/>
+              <a:t> (Realtime)</a:t>
+            </a:r>
           </a:p>
           <a:p>
             <a:pPr lvl="2"/>
             <a:r>
-              <a:rPr lang="de-DE" dirty="0" err="1" smtClean="0"/>
-              <a:t>No</a:t>
-            </a:r>
-            <a:r>
-              <a:rPr lang="de-DE" dirty="0" smtClean="0"/>
-              <a:t> </a:t>
+              <a:rPr lang="de-DE" dirty="0" err="1"/>
+              <a:t>Heterogeneous</a:t>
+            </a:r>
+            <a:r>
+              <a:rPr lang="de-DE" dirty="0"/>
+              <a:t> </a:t>
+            </a:r>
+            <a:r>
+              <a:rPr lang="de-DE" dirty="0" err="1"/>
+              <a:t>access</a:t>
+            </a:r>
+            <a:r>
+              <a:rPr lang="de-DE" dirty="0"/>
+              <a:t> </a:t>
+            </a:r>
+            <a:r>
+              <a:rPr lang="de-DE" dirty="0" err="1"/>
+              <a:t>technologies</a:t>
+            </a:r>
+            <a:r>
+              <a:rPr lang="de-DE" dirty="0"/>
+              <a:t> (3G, </a:t>
+            </a:r>
+            <a:r>
+              <a:rPr lang="de-DE" dirty="0" err="1"/>
+              <a:t>Wifi</a:t>
+            </a:r>
+            <a:r>
+              <a:rPr lang="de-DE" dirty="0"/>
+              <a:t>, etc.)</a:t>
+            </a:r>
+          </a:p>
+          <a:p>
+            <a:pPr lvl="2"/>
+            <a:r>
+              <a:rPr lang="de-DE" dirty="0" err="1" smtClean="0"/>
+              <a:t>Complex</a:t>
+            </a:r>
+            <a:r>
+              <a:rPr lang="de-DE" dirty="0" smtClean="0"/>
+              <a:t> </a:t>
+            </a:r>
+            <a:r>
+              <a:rPr lang="de-DE" dirty="0" err="1" smtClean="0"/>
+              <a:t>setup</a:t>
+            </a:r>
+            <a:r>
+              <a:rPr lang="de-DE" dirty="0" smtClean="0"/>
+              <a:t>, </a:t>
+            </a:r>
+            <a:r>
+              <a:rPr lang="de-DE" dirty="0" err="1" smtClean="0"/>
+              <a:t>depending</a:t>
+            </a:r>
+            <a:r>
+              <a:rPr lang="de-DE" dirty="0" smtClean="0"/>
+              <a:t> on </a:t>
             </a:r>
             <a:r>
               <a:rPr lang="de-DE" dirty="0" err="1" smtClean="0"/>
@@ -5107,35 +4854,42 @@
             </a:r>
             <a:r>
               <a:rPr lang="de-DE" dirty="0" smtClean="0"/>
-              <a:t> </a:t>
-            </a:r>
-            <a:r>
-              <a:rPr lang="de-DE" dirty="0" err="1" smtClean="0"/>
-              <a:t>or</a:t>
-            </a:r>
-            <a:r>
-              <a:rPr lang="de-DE" dirty="0" smtClean="0"/>
-              <a:t> OS </a:t>
-            </a:r>
-            <a:r>
-              <a:rPr lang="de-DE" dirty="0" err="1" smtClean="0"/>
-              <a:t>access</a:t>
-            </a:r>
-            <a:endParaRPr lang="de-DE" dirty="0" smtClean="0"/>
+              <a:t> type</a:t>
+            </a:r>
           </a:p>
           <a:p>
             <a:pPr lvl="1"/>
             <a:r>
-              <a:rPr lang="de-DE" dirty="0" err="1" smtClean="0"/>
-              <a:t>ToMaTo</a:t>
-            </a:r>
-            <a:r>
-              <a:rPr lang="de-DE" dirty="0" smtClean="0"/>
-              <a:t> </a:t>
-            </a:r>
-            <a:r>
-              <a:rPr lang="de-DE" dirty="0" err="1" smtClean="0"/>
-              <a:t>offers</a:t>
+              <a:rPr lang="de-DE" dirty="0" smtClean="0"/>
+              <a:t>Needs </a:t>
+            </a:r>
+            <a:r>
+              <a:rPr lang="de-DE" dirty="0" err="1" smtClean="0"/>
+              <a:t>specialized</a:t>
+            </a:r>
+            <a:r>
+              <a:rPr lang="de-DE" dirty="0" smtClean="0"/>
+              <a:t> </a:t>
+            </a:r>
+            <a:r>
+              <a:rPr lang="de-DE" dirty="0" err="1" smtClean="0"/>
+              <a:t>testbeds</a:t>
+            </a:r>
+            <a:r>
+              <a:rPr lang="de-DE" dirty="0" smtClean="0"/>
+              <a:t> </a:t>
+            </a:r>
+            <a:r>
+              <a:rPr lang="de-DE" dirty="0" err="1" smtClean="0"/>
+              <a:t>depending</a:t>
+            </a:r>
+            <a:r>
+              <a:rPr lang="de-DE" dirty="0" smtClean="0"/>
+              <a:t> on </a:t>
+            </a:r>
+            <a:r>
+              <a:rPr lang="de-DE" dirty="0" err="1" smtClean="0"/>
+              <a:t>hardware</a:t>
             </a:r>
             <a:endParaRPr lang="de-DE" dirty="0" smtClean="0"/>
           </a:p>
@@ -5143,194 +4897,41 @@
             <a:pPr lvl="2"/>
             <a:r>
               <a:rPr lang="de-DE" dirty="0" smtClean="0"/>
-              <a:t>Lightweight </a:t>
-            </a:r>
-            <a:r>
-              <a:rPr lang="de-DE" dirty="0" err="1" smtClean="0"/>
-              <a:t>virtualization</a:t>
-            </a:r>
-            <a:r>
-              <a:rPr lang="de-DE" dirty="0" smtClean="0"/>
-              <a:t> </a:t>
-            </a:r>
-            <a:r>
-              <a:rPr lang="de-DE" dirty="0" err="1" smtClean="0"/>
-              <a:t>with</a:t>
-            </a:r>
-            <a:r>
-              <a:rPr lang="de-DE" dirty="0" smtClean="0"/>
-              <a:t> </a:t>
-            </a:r>
-            <a:r>
-              <a:rPr lang="de-DE" dirty="0" err="1" smtClean="0"/>
-              <a:t>OpenVZ</a:t>
-            </a:r>
-            <a:r>
-              <a:rPr lang="de-DE" dirty="0" smtClean="0"/>
-              <a:t> (250 </a:t>
-            </a:r>
-            <a:r>
-              <a:rPr lang="de-DE" dirty="0" err="1" smtClean="0"/>
-              <a:t>devices</a:t>
-            </a:r>
-            <a:r>
-              <a:rPr lang="de-DE" dirty="0" smtClean="0"/>
-              <a:t> per </a:t>
-            </a:r>
-            <a:r>
-              <a:rPr lang="de-DE" dirty="0" err="1" smtClean="0"/>
-              <a:t>host</a:t>
-            </a:r>
-            <a:r>
-              <a:rPr lang="de-DE" dirty="0" smtClean="0"/>
-              <a:t>)</a:t>
-            </a:r>
-          </a:p>
-          <a:p>
-            <a:pPr lvl="2"/>
-            <a:r>
-              <a:rPr lang="de-DE" dirty="0" smtClean="0"/>
-              <a:t>Link </a:t>
-            </a:r>
-            <a:r>
-              <a:rPr lang="de-DE" dirty="0" err="1" smtClean="0"/>
-              <a:t>emulation</a:t>
-            </a:r>
-            <a:endParaRPr lang="de-DE" dirty="0" smtClean="0"/>
-          </a:p>
-          <a:p>
-            <a:pPr lvl="2"/>
-            <a:r>
-              <a:rPr lang="de-DE" dirty="0" err="1" smtClean="0"/>
-              <a:t>Ability</a:t>
-            </a:r>
-            <a:r>
-              <a:rPr lang="de-DE" dirty="0" smtClean="0"/>
-              <a:t> </a:t>
-            </a:r>
-            <a:r>
-              <a:rPr lang="de-DE" dirty="0" err="1" smtClean="0"/>
-              <a:t>to</a:t>
-            </a:r>
-            <a:r>
-              <a:rPr lang="de-DE" dirty="0" smtClean="0"/>
-              <a:t> </a:t>
-            </a:r>
-            <a:r>
-              <a:rPr lang="de-DE" dirty="0" err="1" smtClean="0"/>
-              <a:t>connect</a:t>
-            </a:r>
-            <a:r>
-              <a:rPr lang="de-DE" dirty="0" smtClean="0"/>
-              <a:t> </a:t>
-            </a:r>
-            <a:r>
-              <a:rPr lang="de-DE" dirty="0" err="1" smtClean="0"/>
-              <a:t>to</a:t>
-            </a:r>
-            <a:r>
-              <a:rPr lang="de-DE" dirty="0" smtClean="0"/>
-              <a:t> </a:t>
-            </a:r>
-            <a:r>
-              <a:rPr lang="de-DE" dirty="0" err="1" smtClean="0"/>
-              <a:t>other</a:t>
-            </a:r>
-            <a:r>
-              <a:rPr lang="de-DE" dirty="0" smtClean="0"/>
-              <a:t> </a:t>
-            </a:r>
-            <a:r>
-              <a:rPr lang="de-DE" dirty="0" err="1" smtClean="0"/>
-              <a:t>testbeds</a:t>
-            </a:r>
-            <a:r>
-              <a:rPr lang="de-DE" dirty="0" smtClean="0"/>
-              <a:t> via Internet</a:t>
-            </a:r>
-          </a:p>
-          <a:p>
-            <a:pPr lvl="2"/>
-            <a:r>
-              <a:rPr lang="de-DE" dirty="0" err="1" smtClean="0"/>
-              <a:t>Up</a:t>
-            </a:r>
-            <a:r>
-              <a:rPr lang="de-DE" dirty="0" smtClean="0"/>
-              <a:t>/</a:t>
-            </a:r>
-            <a:r>
-              <a:rPr lang="de-DE" dirty="0" err="1" smtClean="0"/>
-              <a:t>download</a:t>
-            </a:r>
-            <a:r>
-              <a:rPr lang="de-DE" dirty="0" smtClean="0"/>
-              <a:t> </a:t>
-            </a:r>
-            <a:r>
-              <a:rPr lang="de-DE" dirty="0" err="1" smtClean="0"/>
-              <a:t>of</a:t>
-            </a:r>
-            <a:r>
-              <a:rPr lang="de-DE" dirty="0" smtClean="0"/>
-              <a:t> </a:t>
-            </a:r>
-            <a:r>
-              <a:rPr lang="de-DE" dirty="0" err="1" smtClean="0"/>
-              <a:t>images</a:t>
-            </a:r>
-            <a:r>
-              <a:rPr lang="de-DE" dirty="0" smtClean="0"/>
-              <a:t> (</a:t>
-            </a:r>
-            <a:r>
-              <a:rPr lang="de-DE" dirty="0" err="1" smtClean="0"/>
-              <a:t>simplifies</a:t>
-            </a:r>
-            <a:r>
-              <a:rPr lang="de-DE" dirty="0" smtClean="0"/>
-              <a:t> </a:t>
-            </a:r>
-            <a:r>
-              <a:rPr lang="de-DE" dirty="0" err="1" smtClean="0"/>
-              <a:t>setup</a:t>
-            </a:r>
-            <a:r>
-              <a:rPr lang="de-DE" dirty="0" smtClean="0"/>
-              <a:t> </a:t>
-            </a:r>
-            <a:r>
-              <a:rPr lang="de-DE" dirty="0" err="1" smtClean="0"/>
-              <a:t>of</a:t>
-            </a:r>
-            <a:r>
-              <a:rPr lang="de-DE" dirty="0" smtClean="0"/>
-              <a:t> multiple </a:t>
-            </a:r>
-            <a:r>
-              <a:rPr lang="de-DE" dirty="0" err="1" smtClean="0"/>
-              <a:t>devices</a:t>
-            </a:r>
-            <a:r>
-              <a:rPr lang="de-DE" dirty="0" smtClean="0"/>
-              <a:t>)</a:t>
-            </a:r>
-          </a:p>
-          <a:p>
-            <a:endParaRPr lang="en-US" dirty="0"/>
+              <a:t>DES </a:t>
+            </a:r>
+            <a:r>
+              <a:rPr lang="de-DE" dirty="0" err="1" smtClean="0"/>
+              <a:t>Testbed</a:t>
+            </a:r>
+            <a:r>
+              <a:rPr lang="de-DE" dirty="0" smtClean="0"/>
+              <a:t>, </a:t>
+            </a:r>
+            <a:r>
+              <a:rPr lang="de-DE" dirty="0" err="1" smtClean="0"/>
+              <a:t>Wisebed</a:t>
+            </a:r>
+            <a:endParaRPr lang="de-DE" dirty="0" smtClean="0"/>
           </a:p>
         </p:txBody>
       </p:sp>
     </p:spTree>
     <p:extLst>
       <p:ext uri="{BB962C8B-B14F-4D97-AF65-F5344CB8AC3E}">
-        <p14:creationId xmlns:p14="http://schemas.microsoft.com/office/powerpoint/2010/main" val="3051065181"/>
+        <p14:creationId xmlns:p14="http://schemas.microsoft.com/office/powerpoint/2010/main" val="3290149139"/>
       </p:ext>
     </p:extLst>
   </p:cSld>
   <p:clrMapOvr>
     <a:masterClrMapping/>
   </p:clrMapOvr>
+  <p:timing>
+    <p:tnLst>
+      <p:par>
+        <p:cTn id="1" dur="indefinite" restart="never" nodeType="tmRoot"/>
+      </p:par>
+    </p:tnLst>
+  </p:timing>
 </p:sld>
 </file>
 
@@ -5368,7 +4969,7 @@
           <a:p>
             <a:r>
               <a:rPr lang="de-DE" dirty="0" smtClean="0"/>
-              <a:t>Evaluation 4</a:t>
+              <a:t>Evaluation (2)</a:t>
             </a:r>
             <a:endParaRPr lang="en-US" dirty="0"/>
           </a:p>
@@ -5386,140 +4987,74 @@
         </p:nvSpPr>
         <p:spPr/>
         <p:txBody>
-          <a:bodyPr/>
+          <a:bodyPr>
+            <a:normAutofit/>
+          </a:bodyPr>
           <a:lstStyle/>
           <a:p>
             <a:r>
               <a:rPr lang="de-DE" dirty="0"/>
-              <a:t>Legacy </a:t>
+              <a:t>Network </a:t>
             </a:r>
             <a:r>
               <a:rPr lang="de-DE" dirty="0" err="1"/>
-              <a:t>software</a:t>
+              <a:t>layer</a:t>
             </a:r>
             <a:r>
               <a:rPr lang="de-DE" dirty="0"/>
               <a:t> </a:t>
             </a:r>
             <a:r>
-              <a:rPr lang="de-DE" dirty="0" err="1" smtClean="0"/>
+              <a:rPr lang="de-DE" dirty="0" err="1"/>
               <a:t>experiments</a:t>
             </a:r>
-            <a:endParaRPr lang="de-DE" dirty="0" smtClean="0"/>
+            <a:endParaRPr lang="de-DE" dirty="0"/>
           </a:p>
           <a:p>
             <a:pPr lvl="1"/>
             <a:r>
-              <a:rPr lang="de-DE" dirty="0" err="1" smtClean="0"/>
-              <a:t>Considers</a:t>
-            </a:r>
-            <a:r>
-              <a:rPr lang="de-DE" dirty="0" smtClean="0"/>
-              <a:t> </a:t>
-            </a:r>
-            <a:r>
-              <a:rPr lang="de-DE" dirty="0" err="1" smtClean="0"/>
-              <a:t>legacy</a:t>
-            </a:r>
-            <a:r>
-              <a:rPr lang="de-DE" dirty="0" smtClean="0"/>
-              <a:t> </a:t>
-            </a:r>
-            <a:r>
-              <a:rPr lang="de-DE" dirty="0" err="1" smtClean="0"/>
-              <a:t>software</a:t>
-            </a:r>
-            <a:endParaRPr lang="de-DE" dirty="0" smtClean="0"/>
+              <a:rPr lang="de-DE" dirty="0" smtClean="0"/>
+              <a:t>Focus </a:t>
+            </a:r>
+            <a:r>
+              <a:rPr lang="de-DE" dirty="0"/>
+              <a:t>on TCP/IP </a:t>
+            </a:r>
+            <a:r>
+              <a:rPr lang="de-DE" dirty="0" err="1"/>
+              <a:t>suite</a:t>
+            </a:r>
+            <a:endParaRPr lang="de-DE" dirty="0"/>
           </a:p>
           <a:p>
             <a:pPr lvl="2"/>
             <a:r>
-              <a:rPr lang="de-DE" dirty="0" smtClean="0"/>
-              <a:t>„Legacy </a:t>
-            </a:r>
-            <a:r>
-              <a:rPr lang="de-DE" dirty="0" err="1" smtClean="0"/>
-              <a:t>software</a:t>
-            </a:r>
-            <a:r>
-              <a:rPr lang="de-DE" dirty="0" smtClean="0"/>
-              <a:t>“ </a:t>
-            </a:r>
-            <a:r>
-              <a:rPr lang="de-DE" dirty="0" err="1" smtClean="0"/>
-              <a:t>refers</a:t>
-            </a:r>
-            <a:r>
-              <a:rPr lang="de-DE" dirty="0" smtClean="0"/>
-              <a:t> </a:t>
-            </a:r>
-            <a:r>
-              <a:rPr lang="de-DE" dirty="0" err="1" smtClean="0"/>
-              <a:t>to</a:t>
-            </a:r>
-            <a:r>
-              <a:rPr lang="de-DE" dirty="0" smtClean="0"/>
-              <a:t> </a:t>
-            </a:r>
-            <a:r>
-              <a:rPr lang="de-DE" dirty="0" err="1" smtClean="0"/>
-              <a:t>any</a:t>
-            </a:r>
-            <a:r>
-              <a:rPr lang="de-DE" dirty="0" smtClean="0"/>
-              <a:t> </a:t>
-            </a:r>
-            <a:r>
-              <a:rPr lang="de-DE" dirty="0" err="1" smtClean="0"/>
-              <a:t>widespread</a:t>
-            </a:r>
-            <a:r>
-              <a:rPr lang="de-DE" dirty="0" smtClean="0"/>
-              <a:t> </a:t>
-            </a:r>
-            <a:r>
-              <a:rPr lang="de-DE" dirty="0" err="1" smtClean="0"/>
-              <a:t>software</a:t>
-            </a:r>
-            <a:r>
-              <a:rPr lang="de-DE" dirty="0" smtClean="0"/>
-              <a:t> </a:t>
-            </a:r>
-            <a:r>
-              <a:rPr lang="de-DE" dirty="0" err="1" smtClean="0"/>
-              <a:t>with</a:t>
-            </a:r>
-            <a:r>
-              <a:rPr lang="de-DE" dirty="0" smtClean="0"/>
-              <a:t> </a:t>
-            </a:r>
-            <a:r>
-              <a:rPr lang="de-DE" dirty="0" err="1" smtClean="0"/>
-              <a:t>undocumented</a:t>
-            </a:r>
-            <a:r>
-              <a:rPr lang="de-DE" dirty="0" smtClean="0"/>
-              <a:t> </a:t>
-            </a:r>
-            <a:r>
-              <a:rPr lang="de-DE" dirty="0" err="1" smtClean="0"/>
-              <a:t>or</a:t>
-            </a:r>
-            <a:r>
-              <a:rPr lang="de-DE" dirty="0" smtClean="0"/>
-              <a:t> </a:t>
-            </a:r>
-            <a:r>
-              <a:rPr lang="de-DE" dirty="0" err="1" smtClean="0"/>
-              <a:t>unpublished</a:t>
-            </a:r>
-            <a:r>
-              <a:rPr lang="de-DE" dirty="0" smtClean="0"/>
-              <a:t> </a:t>
-            </a:r>
-            <a:r>
-              <a:rPr lang="de-DE" dirty="0" err="1" smtClean="0"/>
-              <a:t>behavior</a:t>
+              <a:rPr lang="de-DE" dirty="0" err="1"/>
+              <a:t>Example</a:t>
+            </a:r>
+            <a:r>
+              <a:rPr lang="de-DE" dirty="0"/>
+              <a:t>: IPv6 </a:t>
+            </a:r>
+            <a:r>
+              <a:rPr lang="de-DE" dirty="0" err="1"/>
+              <a:t>extensions</a:t>
+            </a:r>
+            <a:r>
+              <a:rPr lang="de-DE" dirty="0"/>
+              <a:t>, TCP </a:t>
+            </a:r>
+            <a:r>
+              <a:rPr lang="de-DE" dirty="0" err="1"/>
+              <a:t>substitutes</a:t>
+            </a:r>
+            <a:endParaRPr lang="de-DE" dirty="0"/>
+          </a:p>
+          <a:p>
+            <a:pPr lvl="1"/>
+            <a:r>
+              <a:rPr lang="de-DE" dirty="0" err="1" smtClean="0"/>
+              <a:t>Requirements</a:t>
             </a:r>
             <a:endParaRPr lang="de-DE" dirty="0" smtClean="0"/>
           </a:p>
@@ -5527,299 +5062,194 @@
             <a:pPr lvl="2"/>
             <a:r>
               <a:rPr lang="de-DE" dirty="0" err="1" smtClean="0"/>
-              <a:t>Example</a:t>
-            </a:r>
-            <a:r>
-              <a:rPr lang="de-DE" dirty="0" smtClean="0"/>
-              <a:t>: Skype </a:t>
-            </a:r>
-            <a:r>
-              <a:rPr lang="de-DE" dirty="0" err="1" smtClean="0"/>
-              <a:t>and</a:t>
-            </a:r>
-            <a:r>
-              <a:rPr lang="de-DE" dirty="0" smtClean="0"/>
-              <a:t> Windows</a:t>
-            </a:r>
+              <a:t>Deep</a:t>
+            </a:r>
+            <a:r>
+              <a:rPr lang="de-DE" dirty="0" smtClean="0"/>
+              <a:t> OS </a:t>
+            </a:r>
+            <a:r>
+              <a:rPr lang="de-DE" dirty="0" err="1" smtClean="0"/>
+              <a:t>access</a:t>
+            </a:r>
+            <a:r>
+              <a:rPr lang="de-DE" dirty="0" smtClean="0"/>
+              <a:t> (</a:t>
+            </a:r>
+            <a:r>
+              <a:rPr lang="de-DE" dirty="0" err="1" smtClean="0"/>
+              <a:t>modified</a:t>
+            </a:r>
+            <a:r>
+              <a:rPr lang="de-DE" dirty="0" smtClean="0"/>
+              <a:t> </a:t>
+            </a:r>
+            <a:r>
+              <a:rPr lang="de-DE" dirty="0" err="1" smtClean="0"/>
+              <a:t>kernels</a:t>
+            </a:r>
+            <a:r>
+              <a:rPr lang="de-DE" dirty="0" smtClean="0"/>
+              <a:t>, etc.)</a:t>
+            </a:r>
+          </a:p>
+          <a:p>
+            <a:pPr lvl="2"/>
+            <a:r>
+              <a:rPr lang="de-DE" dirty="0" smtClean="0"/>
+              <a:t>Small but </a:t>
+            </a:r>
+            <a:r>
+              <a:rPr lang="de-DE" dirty="0" err="1" smtClean="0"/>
+              <a:t>complex</a:t>
+            </a:r>
+            <a:r>
+              <a:rPr lang="de-DE" dirty="0" smtClean="0"/>
+              <a:t> </a:t>
+            </a:r>
+            <a:r>
+              <a:rPr lang="de-DE" dirty="0" err="1" smtClean="0"/>
+              <a:t>topologies</a:t>
+            </a:r>
+            <a:r>
+              <a:rPr lang="de-DE" dirty="0" smtClean="0"/>
+              <a:t>, link </a:t>
+            </a:r>
+            <a:r>
+              <a:rPr lang="de-DE" dirty="0" err="1" smtClean="0"/>
+              <a:t>emulation</a:t>
+            </a:r>
+            <a:endParaRPr lang="de-DE" dirty="0" smtClean="0"/>
           </a:p>
           <a:p>
             <a:pPr lvl="1"/>
             <a:r>
               <a:rPr lang="de-DE" dirty="0" err="1" smtClean="0"/>
-              <a:t>Requirements</a:t>
+              <a:t>ToMaTo</a:t>
+            </a:r>
+            <a:r>
+              <a:rPr lang="de-DE" dirty="0" smtClean="0"/>
+              <a:t> </a:t>
+            </a:r>
+            <a:r>
+              <a:rPr lang="de-DE" dirty="0" err="1" smtClean="0"/>
+              <a:t>offers</a:t>
             </a:r>
             <a:endParaRPr lang="de-DE" dirty="0" smtClean="0"/>
           </a:p>
           <a:p>
             <a:pPr lvl="2"/>
             <a:r>
-              <a:rPr lang="de-DE" dirty="0" smtClean="0"/>
-              <a:t>Special </a:t>
-            </a:r>
-            <a:r>
-              <a:rPr lang="de-DE" dirty="0" err="1" smtClean="0"/>
-              <a:t>environments</a:t>
-            </a:r>
-            <a:r>
-              <a:rPr lang="de-DE" dirty="0" smtClean="0"/>
-              <a:t>, </a:t>
-            </a:r>
-            <a:r>
-              <a:rPr lang="de-DE" dirty="0" err="1" smtClean="0"/>
-              <a:t>custom</a:t>
-            </a:r>
-            <a:r>
-              <a:rPr lang="de-DE" dirty="0" smtClean="0"/>
-              <a:t> </a:t>
-            </a:r>
-            <a:r>
-              <a:rPr lang="de-DE" dirty="0" err="1" smtClean="0"/>
-              <a:t>operating</a:t>
-            </a:r>
-            <a:r>
-              <a:rPr lang="de-DE" dirty="0" smtClean="0"/>
-              <a:t> </a:t>
-            </a:r>
-            <a:r>
-              <a:rPr lang="de-DE" dirty="0" err="1" smtClean="0"/>
-              <a:t>systems</a:t>
-            </a:r>
-            <a:endParaRPr lang="de-DE" dirty="0" smtClean="0"/>
+              <a:rPr lang="de-DE" dirty="0" err="1" smtClean="0"/>
+              <a:t>Full</a:t>
+            </a:r>
+            <a:r>
+              <a:rPr lang="de-DE" dirty="0" smtClean="0"/>
+              <a:t> </a:t>
+            </a:r>
+            <a:r>
+              <a:rPr lang="de-DE" dirty="0" err="1" smtClean="0"/>
+              <a:t>kernel</a:t>
+            </a:r>
+            <a:r>
+              <a:rPr lang="de-DE" dirty="0" smtClean="0"/>
+              <a:t> </a:t>
+            </a:r>
+            <a:r>
+              <a:rPr lang="de-DE" dirty="0" err="1" smtClean="0"/>
+              <a:t>access</a:t>
+            </a:r>
+            <a:r>
+              <a:rPr lang="de-DE" dirty="0" smtClean="0"/>
+              <a:t> via KVM</a:t>
+            </a:r>
           </a:p>
           <a:p>
             <a:pPr lvl="2"/>
             <a:r>
-              <a:rPr lang="de-DE" dirty="0" smtClean="0"/>
-              <a:t>Access </a:t>
-            </a:r>
-            <a:r>
-              <a:rPr lang="de-DE" dirty="0" err="1" smtClean="0"/>
-              <a:t>to</a:t>
-            </a:r>
-            <a:r>
-              <a:rPr lang="de-DE" dirty="0" smtClean="0"/>
-              <a:t> </a:t>
-            </a:r>
-            <a:r>
-              <a:rPr lang="de-DE" dirty="0" err="1" smtClean="0"/>
-              <a:t>external</a:t>
-            </a:r>
-            <a:r>
-              <a:rPr lang="de-DE" dirty="0" smtClean="0"/>
-              <a:t> </a:t>
-            </a:r>
-            <a:r>
-              <a:rPr lang="de-DE" dirty="0" err="1" smtClean="0"/>
-              <a:t>services</a:t>
+              <a:rPr lang="de-DE" dirty="0" err="1" smtClean="0"/>
+              <a:t>Complex</a:t>
+            </a:r>
+            <a:r>
+              <a:rPr lang="de-DE" dirty="0" smtClean="0"/>
+              <a:t> </a:t>
+            </a:r>
+            <a:r>
+              <a:rPr lang="de-DE" dirty="0" err="1" smtClean="0"/>
+              <a:t>topologies</a:t>
             </a:r>
             <a:endParaRPr lang="de-DE" dirty="0" smtClean="0"/>
           </a:p>
           <a:p>
             <a:pPr lvl="2"/>
             <a:r>
-              <a:rPr lang="de-DE" dirty="0"/>
-              <a:t>Small but </a:t>
-            </a:r>
-            <a:r>
-              <a:rPr lang="de-DE" dirty="0" err="1"/>
-              <a:t>complex</a:t>
-            </a:r>
-            <a:r>
-              <a:rPr lang="de-DE" dirty="0"/>
-              <a:t> </a:t>
-            </a:r>
-            <a:r>
-              <a:rPr lang="de-DE" dirty="0" err="1"/>
+              <a:rPr lang="de-DE" dirty="0" smtClean="0"/>
+              <a:t>Link </a:t>
+            </a:r>
+            <a:r>
+              <a:rPr lang="de-DE" dirty="0" err="1" smtClean="0"/>
+              <a:t>emulation</a:t>
+            </a:r>
+            <a:endParaRPr lang="de-DE" dirty="0" smtClean="0"/>
+          </a:p>
+          <a:p>
+            <a:pPr lvl="2"/>
+            <a:r>
+              <a:rPr lang="de-DE" dirty="0" smtClean="0"/>
+              <a:t>Packet </a:t>
+            </a:r>
+            <a:r>
+              <a:rPr lang="de-DE" dirty="0" err="1" smtClean="0"/>
+              <a:t>capturing</a:t>
+            </a:r>
+            <a:r>
+              <a:rPr lang="de-DE" dirty="0" smtClean="0"/>
+              <a:t> (</a:t>
+            </a:r>
+            <a:r>
+              <a:rPr lang="de-DE" dirty="0" err="1" smtClean="0"/>
+              <a:t>for</a:t>
+            </a:r>
+            <a:r>
+              <a:rPr lang="de-DE" dirty="0" smtClean="0"/>
+              <a:t> </a:t>
+            </a:r>
+            <a:r>
+              <a:rPr lang="de-DE" dirty="0" err="1" smtClean="0"/>
+              <a:t>analysis</a:t>
+            </a:r>
+            <a:r>
+              <a:rPr lang="de-DE" dirty="0" smtClean="0"/>
+              <a:t>)</a:t>
+            </a:r>
+          </a:p>
+          <a:p>
+            <a:pPr lvl="2"/>
+            <a:r>
+              <a:rPr lang="de-DE" dirty="0" smtClean="0"/>
+              <a:t>Easy </a:t>
+            </a:r>
+            <a:r>
+              <a:rPr lang="de-DE" dirty="0" err="1" smtClean="0"/>
+              <a:t>setup</a:t>
+            </a:r>
+            <a:r>
+              <a:rPr lang="de-DE" dirty="0" smtClean="0"/>
+              <a:t> </a:t>
+            </a:r>
+            <a:r>
+              <a:rPr lang="de-DE" dirty="0" err="1" smtClean="0"/>
+              <a:t>of</a:t>
+            </a:r>
+            <a:r>
+              <a:rPr lang="de-DE" dirty="0" smtClean="0"/>
+              <a:t> </a:t>
+            </a:r>
+            <a:r>
+              <a:rPr lang="de-DE" dirty="0" err="1" smtClean="0"/>
               <a:t>topologies</a:t>
             </a:r>
-            <a:endParaRPr lang="de-DE" dirty="0"/>
-          </a:p>
-          <a:p>
-            <a:pPr lvl="2"/>
-            <a:r>
-              <a:rPr lang="de-DE" dirty="0" smtClean="0"/>
-              <a:t>Link </a:t>
-            </a:r>
-            <a:r>
-              <a:rPr lang="de-DE" dirty="0" err="1" smtClean="0"/>
-              <a:t>emulation</a:t>
-            </a:r>
-            <a:r>
-              <a:rPr lang="de-DE" dirty="0" smtClean="0"/>
-              <a:t> </a:t>
-            </a:r>
-            <a:r>
-              <a:rPr lang="de-DE" dirty="0" err="1" smtClean="0"/>
-              <a:t>and</a:t>
-            </a:r>
-            <a:r>
-              <a:rPr lang="de-DE" dirty="0" smtClean="0"/>
-              <a:t> </a:t>
-            </a:r>
-            <a:r>
-              <a:rPr lang="de-DE" dirty="0" err="1" smtClean="0"/>
-              <a:t>external</a:t>
-            </a:r>
-            <a:r>
-              <a:rPr lang="de-DE" dirty="0" smtClean="0"/>
-              <a:t> packet </a:t>
-            </a:r>
-            <a:r>
-              <a:rPr lang="de-DE" dirty="0" err="1" smtClean="0"/>
-              <a:t>capturing</a:t>
-            </a:r>
-            <a:endParaRPr lang="de-DE" dirty="0" smtClean="0"/>
-          </a:p>
-          <a:p>
-            <a:pPr lvl="1"/>
-            <a:r>
-              <a:rPr lang="de-DE" dirty="0" err="1" smtClean="0"/>
-              <a:t>ToMaTo</a:t>
-            </a:r>
-            <a:r>
-              <a:rPr lang="de-DE" dirty="0" smtClean="0"/>
-              <a:t> </a:t>
-            </a:r>
-            <a:r>
-              <a:rPr lang="de-DE" dirty="0" err="1" smtClean="0"/>
-              <a:t>offers</a:t>
-            </a:r>
-            <a:endParaRPr lang="de-DE" dirty="0" smtClean="0"/>
-          </a:p>
-          <a:p>
-            <a:pPr lvl="2"/>
-            <a:r>
-              <a:rPr lang="de-DE" dirty="0" smtClean="0"/>
-              <a:t>Custom </a:t>
-            </a:r>
-            <a:r>
-              <a:rPr lang="de-DE" dirty="0" err="1" smtClean="0"/>
-              <a:t>operating</a:t>
-            </a:r>
-            <a:r>
-              <a:rPr lang="de-DE" dirty="0" smtClean="0"/>
-              <a:t> </a:t>
-            </a:r>
-            <a:r>
-              <a:rPr lang="de-DE" dirty="0" err="1" smtClean="0"/>
-              <a:t>systems</a:t>
-            </a:r>
-            <a:r>
-              <a:rPr lang="de-DE" dirty="0" smtClean="0"/>
-              <a:t> </a:t>
-            </a:r>
-            <a:r>
-              <a:rPr lang="de-DE" dirty="0" err="1" smtClean="0"/>
-              <a:t>with</a:t>
-            </a:r>
-            <a:r>
-              <a:rPr lang="de-DE" dirty="0" smtClean="0"/>
-              <a:t> KVM (</a:t>
-            </a:r>
-            <a:r>
-              <a:rPr lang="de-DE" dirty="0" err="1" smtClean="0"/>
-              <a:t>even</a:t>
-            </a:r>
-            <a:r>
-              <a:rPr lang="de-DE" dirty="0" smtClean="0"/>
-              <a:t> Windows </a:t>
-            </a:r>
-            <a:r>
-              <a:rPr lang="de-DE" dirty="0" err="1" smtClean="0"/>
-              <a:t>and</a:t>
-            </a:r>
-            <a:r>
-              <a:rPr lang="de-DE" dirty="0" smtClean="0"/>
-              <a:t> BSD </a:t>
-            </a:r>
-            <a:r>
-              <a:rPr lang="de-DE" dirty="0" err="1" smtClean="0"/>
-              <a:t>run</a:t>
-            </a:r>
-            <a:r>
-              <a:rPr lang="de-DE" dirty="0" smtClean="0"/>
-              <a:t>)</a:t>
-            </a:r>
-          </a:p>
-          <a:p>
-            <a:pPr lvl="2"/>
-            <a:r>
-              <a:rPr lang="de-DE" dirty="0" err="1" smtClean="0"/>
-              <a:t>Acces</a:t>
-            </a:r>
-            <a:r>
-              <a:rPr lang="de-DE" dirty="0" smtClean="0"/>
-              <a:t> </a:t>
-            </a:r>
-            <a:r>
-              <a:rPr lang="de-DE" dirty="0" err="1" smtClean="0"/>
-              <a:t>to</a:t>
-            </a:r>
-            <a:r>
-              <a:rPr lang="de-DE" dirty="0" smtClean="0"/>
-              <a:t> </a:t>
-            </a:r>
-            <a:r>
-              <a:rPr lang="de-DE" dirty="0" err="1" smtClean="0"/>
-              <a:t>external</a:t>
-            </a:r>
-            <a:r>
-              <a:rPr lang="de-DE" dirty="0" smtClean="0"/>
-              <a:t> </a:t>
-            </a:r>
-            <a:r>
-              <a:rPr lang="de-DE" dirty="0" err="1" smtClean="0"/>
-              <a:t>service</a:t>
-            </a:r>
-            <a:r>
-              <a:rPr lang="de-DE" dirty="0" smtClean="0"/>
-              <a:t> via Internet </a:t>
-            </a:r>
-            <a:r>
-              <a:rPr lang="de-DE" dirty="0" err="1" smtClean="0"/>
-              <a:t>connector</a:t>
-            </a:r>
-            <a:endParaRPr lang="de-DE" dirty="0" smtClean="0"/>
-          </a:p>
-          <a:p>
-            <a:pPr lvl="2"/>
-            <a:r>
-              <a:rPr lang="de-DE" dirty="0" smtClean="0"/>
-              <a:t>Packet </a:t>
-            </a:r>
-            <a:r>
-              <a:rPr lang="de-DE" dirty="0" err="1" smtClean="0"/>
-              <a:t>capturing</a:t>
-            </a:r>
-            <a:r>
-              <a:rPr lang="de-DE" dirty="0" smtClean="0"/>
-              <a:t> </a:t>
-            </a:r>
-            <a:r>
-              <a:rPr lang="de-DE" dirty="0" err="1" smtClean="0"/>
-              <a:t>independent</a:t>
-            </a:r>
-            <a:r>
-              <a:rPr lang="de-DE" dirty="0" smtClean="0"/>
-              <a:t> </a:t>
-            </a:r>
-            <a:r>
-              <a:rPr lang="de-DE" dirty="0" err="1" smtClean="0"/>
-              <a:t>of</a:t>
-            </a:r>
-            <a:r>
-              <a:rPr lang="de-DE" dirty="0" smtClean="0"/>
-              <a:t> </a:t>
-            </a:r>
-            <a:r>
-              <a:rPr lang="de-DE" dirty="0" err="1" smtClean="0"/>
-              <a:t>guest</a:t>
-            </a:r>
-            <a:r>
-              <a:rPr lang="de-DE" dirty="0" smtClean="0"/>
-              <a:t> OS</a:t>
-            </a:r>
-            <a:endParaRPr lang="en-US" dirty="0"/>
+            <a:endParaRPr lang="de-DE" dirty="0" smtClean="0"/>
           </a:p>
           <a:p>
             <a:endParaRPr lang="en-US" dirty="0"/>
@@ -5829,13 +5259,20 @@
     </p:spTree>
     <p:extLst>
       <p:ext uri="{BB962C8B-B14F-4D97-AF65-F5344CB8AC3E}">
-        <p14:creationId xmlns:p14="http://schemas.microsoft.com/office/powerpoint/2010/main" val="1680466046"/>
+        <p14:creationId xmlns:p14="http://schemas.microsoft.com/office/powerpoint/2010/main" val="720205354"/>
       </p:ext>
     </p:extLst>
   </p:cSld>
   <p:clrMapOvr>
     <a:masterClrMapping/>
   </p:clrMapOvr>
+  <p:timing>
+    <p:tnLst>
+      <p:par>
+        <p:cTn id="1" dur="indefinite" restart="never" nodeType="tmRoot"/>
+      </p:par>
+    </p:tnLst>
+  </p:timing>
 </p:sld>
 </file>
 
@@ -5873,7 +5310,7 @@
           <a:p>
             <a:r>
               <a:rPr lang="de-DE" dirty="0" smtClean="0"/>
-              <a:t>German-Lab Integration</a:t>
+              <a:t>Evaluation (3)</a:t>
             </a:r>
             <a:endParaRPr lang="en-US" dirty="0"/>
           </a:p>
@@ -5895,165 +5332,269 @@
           <a:lstStyle/>
           <a:p>
             <a:r>
-              <a:rPr lang="de-DE" dirty="0"/>
-              <a:t>Embedded in SIG </a:t>
-            </a:r>
-            <a:r>
-              <a:rPr lang="de-DE" dirty="0" err="1"/>
-              <a:t>Facility</a:t>
-            </a:r>
-            <a:endParaRPr lang="de-DE" dirty="0"/>
+              <a:rPr lang="de-DE" dirty="0" err="1" smtClean="0"/>
+              <a:t>Algorithm</a:t>
+            </a:r>
+            <a:r>
+              <a:rPr lang="de-DE" dirty="0" smtClean="0"/>
+              <a:t>/Protocol </a:t>
+            </a:r>
+            <a:r>
+              <a:rPr lang="de-DE" dirty="0" err="1" smtClean="0"/>
+              <a:t>experiments</a:t>
+            </a:r>
+            <a:endParaRPr lang="de-DE" dirty="0" smtClean="0"/>
           </a:p>
           <a:p>
             <a:pPr lvl="1"/>
             <a:r>
-              <a:rPr lang="de-DE" dirty="0"/>
-              <a:t>But not </a:t>
-            </a:r>
-            <a:r>
-              <a:rPr lang="de-DE" dirty="0" err="1"/>
-              <a:t>bound</a:t>
-            </a:r>
-            <a:r>
-              <a:rPr lang="de-DE" dirty="0"/>
-              <a:t> </a:t>
-            </a:r>
-            <a:r>
-              <a:rPr lang="de-DE" dirty="0" err="1"/>
+              <a:rPr lang="de-DE" dirty="0" smtClean="0"/>
+              <a:t>Work on top </a:t>
+            </a:r>
+            <a:r>
+              <a:rPr lang="de-DE" dirty="0" err="1" smtClean="0"/>
+              <a:t>of</a:t>
+            </a:r>
+            <a:r>
+              <a:rPr lang="de-DE" dirty="0" smtClean="0"/>
+              <a:t> </a:t>
+            </a:r>
+            <a:r>
+              <a:rPr lang="de-DE" dirty="0" err="1" smtClean="0"/>
+              <a:t>network</a:t>
+            </a:r>
+            <a:r>
+              <a:rPr lang="de-DE" dirty="0" smtClean="0"/>
+              <a:t> </a:t>
+            </a:r>
+            <a:r>
+              <a:rPr lang="de-DE" dirty="0" err="1" smtClean="0"/>
+              <a:t>layer</a:t>
+            </a:r>
+            <a:endParaRPr lang="de-DE" dirty="0" smtClean="0"/>
+          </a:p>
+          <a:p>
+            <a:pPr lvl="2"/>
+            <a:r>
+              <a:rPr lang="de-DE" dirty="0" err="1" smtClean="0"/>
+              <a:t>Example</a:t>
+            </a:r>
+            <a:r>
+              <a:rPr lang="de-DE" dirty="0" smtClean="0"/>
+              <a:t>: P2P-Networks</a:t>
+            </a:r>
+          </a:p>
+          <a:p>
+            <a:pPr lvl="1"/>
+            <a:r>
+              <a:rPr lang="de-DE" dirty="0" err="1" smtClean="0"/>
+              <a:t>Requirements</a:t>
+            </a:r>
+            <a:endParaRPr lang="de-DE" dirty="0" smtClean="0"/>
+          </a:p>
+          <a:p>
+            <a:pPr lvl="2"/>
+            <a:r>
+              <a:rPr lang="de-DE" dirty="0" err="1" smtClean="0"/>
+              <a:t>Huge</a:t>
+            </a:r>
+            <a:r>
+              <a:rPr lang="de-DE" dirty="0" smtClean="0"/>
+              <a:t> but simple </a:t>
+            </a:r>
+            <a:r>
+              <a:rPr lang="de-DE" dirty="0" err="1" smtClean="0"/>
+              <a:t>topologies</a:t>
+            </a:r>
+            <a:endParaRPr lang="de-DE" dirty="0" smtClean="0"/>
+          </a:p>
+          <a:p>
+            <a:pPr lvl="2"/>
+            <a:r>
+              <a:rPr lang="de-DE" dirty="0" smtClean="0"/>
+              <a:t>Link </a:t>
+            </a:r>
+            <a:r>
+              <a:rPr lang="de-DE" dirty="0" err="1" smtClean="0"/>
+              <a:t>emulation</a:t>
+            </a:r>
+            <a:endParaRPr lang="de-DE" dirty="0" smtClean="0"/>
+          </a:p>
+          <a:p>
+            <a:pPr lvl="2"/>
+            <a:r>
+              <a:rPr lang="de-DE" dirty="0" err="1" smtClean="0"/>
+              <a:t>No</a:t>
+            </a:r>
+            <a:r>
+              <a:rPr lang="de-DE" dirty="0" smtClean="0"/>
+              <a:t> </a:t>
+            </a:r>
+            <a:r>
+              <a:rPr lang="de-DE" dirty="0" err="1" smtClean="0"/>
+              <a:t>hardware</a:t>
+            </a:r>
+            <a:r>
+              <a:rPr lang="de-DE" dirty="0" smtClean="0"/>
+              <a:t> </a:t>
+            </a:r>
+            <a:r>
+              <a:rPr lang="de-DE" dirty="0" err="1" smtClean="0"/>
+              <a:t>or</a:t>
+            </a:r>
+            <a:r>
+              <a:rPr lang="de-DE" dirty="0" smtClean="0"/>
+              <a:t> OS </a:t>
+            </a:r>
+            <a:r>
+              <a:rPr lang="de-DE" dirty="0" err="1" smtClean="0"/>
+              <a:t>access</a:t>
+            </a:r>
+            <a:endParaRPr lang="de-DE" dirty="0" smtClean="0"/>
+          </a:p>
+          <a:p>
+            <a:pPr lvl="1"/>
+            <a:r>
+              <a:rPr lang="de-DE" dirty="0" err="1" smtClean="0"/>
+              <a:t>ToMaTo</a:t>
+            </a:r>
+            <a:r>
+              <a:rPr lang="de-DE" dirty="0" smtClean="0"/>
+              <a:t> </a:t>
+            </a:r>
+            <a:r>
+              <a:rPr lang="de-DE" dirty="0" err="1" smtClean="0"/>
+              <a:t>offers</a:t>
+            </a:r>
+            <a:endParaRPr lang="de-DE" dirty="0" smtClean="0"/>
+          </a:p>
+          <a:p>
+            <a:pPr lvl="2"/>
+            <a:r>
+              <a:rPr lang="de-DE" dirty="0" smtClean="0"/>
+              <a:t>Lightweight </a:t>
+            </a:r>
+            <a:r>
+              <a:rPr lang="de-DE" dirty="0" err="1" smtClean="0"/>
+              <a:t>virtualization</a:t>
+            </a:r>
+            <a:r>
+              <a:rPr lang="de-DE" dirty="0" smtClean="0"/>
+              <a:t> </a:t>
+            </a:r>
+            <a:r>
+              <a:rPr lang="de-DE" dirty="0" err="1" smtClean="0"/>
+              <a:t>with</a:t>
+            </a:r>
+            <a:r>
+              <a:rPr lang="de-DE" dirty="0" smtClean="0"/>
+              <a:t> </a:t>
+            </a:r>
+            <a:r>
+              <a:rPr lang="de-DE" dirty="0" err="1" smtClean="0"/>
+              <a:t>OpenVZ</a:t>
+            </a:r>
+            <a:r>
+              <a:rPr lang="de-DE" dirty="0" smtClean="0"/>
+              <a:t> (250 </a:t>
+            </a:r>
+            <a:r>
+              <a:rPr lang="de-DE" dirty="0" err="1" smtClean="0"/>
+              <a:t>devices</a:t>
+            </a:r>
+            <a:r>
+              <a:rPr lang="de-DE" dirty="0" smtClean="0"/>
+              <a:t> per </a:t>
+            </a:r>
+            <a:r>
+              <a:rPr lang="de-DE" dirty="0" err="1" smtClean="0"/>
+              <a:t>host</a:t>
+            </a:r>
+            <a:r>
+              <a:rPr lang="de-DE" dirty="0" smtClean="0"/>
+              <a:t>)</a:t>
+            </a:r>
+          </a:p>
+          <a:p>
+            <a:pPr lvl="2"/>
+            <a:r>
+              <a:rPr lang="de-DE" dirty="0" smtClean="0"/>
+              <a:t>Link </a:t>
+            </a:r>
+            <a:r>
+              <a:rPr lang="de-DE" dirty="0" err="1" smtClean="0"/>
+              <a:t>emulation</a:t>
+            </a:r>
+            <a:endParaRPr lang="de-DE" dirty="0" smtClean="0"/>
+          </a:p>
+          <a:p>
+            <a:pPr lvl="2"/>
+            <a:r>
+              <a:rPr lang="de-DE" dirty="0" err="1" smtClean="0"/>
+              <a:t>Ability</a:t>
+            </a:r>
+            <a:r>
+              <a:rPr lang="de-DE" dirty="0" smtClean="0"/>
+              <a:t> </a:t>
+            </a:r>
+            <a:r>
+              <a:rPr lang="de-DE" dirty="0" err="1" smtClean="0"/>
               <a:t>to</a:t>
             </a:r>
             <a:r>
-              <a:rPr lang="de-DE" dirty="0"/>
-              <a:t> German-Lab</a:t>
-            </a:r>
-          </a:p>
-          <a:p>
-            <a:r>
-              <a:rPr lang="de-DE" dirty="0" smtClean="0"/>
-              <a:t>20 German-Lab </a:t>
-            </a:r>
-            <a:r>
-              <a:rPr lang="de-DE" dirty="0" err="1"/>
-              <a:t>hosts</a:t>
-            </a:r>
-            <a:r>
-              <a:rPr lang="de-DE" dirty="0"/>
-              <a:t> </a:t>
-            </a:r>
-            <a:r>
-              <a:rPr lang="de-DE" dirty="0" err="1" smtClean="0"/>
-              <a:t>already</a:t>
-            </a:r>
-            <a:r>
-              <a:rPr lang="de-DE" dirty="0" smtClean="0"/>
-              <a:t> </a:t>
-            </a:r>
-            <a:r>
-              <a:rPr lang="de-DE" dirty="0" err="1" smtClean="0"/>
-              <a:t>ToMaTo-enabled</a:t>
-            </a:r>
-            <a:endParaRPr lang="de-DE" dirty="0" smtClean="0"/>
-          </a:p>
-          <a:p>
-            <a:pPr lvl="1"/>
-            <a:r>
-              <a:rPr lang="de-DE" dirty="0" smtClean="0"/>
-              <a:t>Access via http://tomato.german-lab.de</a:t>
-            </a:r>
-          </a:p>
-          <a:p>
-            <a:r>
-              <a:rPr lang="de-DE" dirty="0" err="1" smtClean="0"/>
-              <a:t>Direct</a:t>
-            </a:r>
-            <a:r>
-              <a:rPr lang="de-DE" dirty="0" smtClean="0"/>
-              <a:t> </a:t>
-            </a:r>
-            <a:r>
-              <a:rPr lang="de-DE" dirty="0" err="1" smtClean="0"/>
-              <a:t>account</a:t>
-            </a:r>
-            <a:r>
-              <a:rPr lang="de-DE" dirty="0" smtClean="0"/>
-              <a:t> </a:t>
-            </a:r>
-            <a:r>
-              <a:rPr lang="de-DE" dirty="0" err="1" smtClean="0"/>
-              <a:t>integration</a:t>
-            </a:r>
-            <a:r>
-              <a:rPr lang="de-DE" dirty="0" smtClean="0"/>
-              <a:t> via LDAP</a:t>
-            </a:r>
-          </a:p>
-          <a:p>
-            <a:pPr lvl="1"/>
-            <a:r>
-              <a:rPr lang="de-DE" dirty="0" smtClean="0"/>
-              <a:t>All German-Lab </a:t>
-            </a:r>
-            <a:r>
-              <a:rPr lang="de-DE" dirty="0" err="1" smtClean="0"/>
-              <a:t>users</a:t>
-            </a:r>
-            <a:r>
-              <a:rPr lang="de-DE" dirty="0" smtClean="0"/>
-              <a:t> </a:t>
-            </a:r>
-            <a:r>
-              <a:rPr lang="de-DE" dirty="0" err="1" smtClean="0"/>
-              <a:t>can</a:t>
-            </a:r>
-            <a:r>
-              <a:rPr lang="de-DE" dirty="0" smtClean="0"/>
-              <a:t> </a:t>
-            </a:r>
-            <a:r>
-              <a:rPr lang="de-DE" dirty="0" err="1" smtClean="0"/>
-              <a:t>access</a:t>
-            </a:r>
-            <a:r>
-              <a:rPr lang="de-DE" dirty="0" smtClean="0"/>
-              <a:t> </a:t>
-            </a:r>
-            <a:r>
-              <a:rPr lang="de-DE" dirty="0" err="1" smtClean="0"/>
-              <a:t>ToMaTo</a:t>
-            </a:r>
-            <a:endParaRPr lang="de-DE" dirty="0" smtClean="0"/>
-          </a:p>
-          <a:p>
-            <a:r>
-              <a:rPr lang="de-DE" dirty="0" smtClean="0"/>
-              <a:t>Joint </a:t>
-            </a:r>
-            <a:r>
-              <a:rPr lang="de-DE" dirty="0" err="1" smtClean="0"/>
-              <a:t>development</a:t>
-            </a:r>
-            <a:endParaRPr lang="de-DE" dirty="0" smtClean="0"/>
-          </a:p>
-          <a:p>
-            <a:pPr lvl="1"/>
-            <a:r>
-              <a:rPr lang="de-DE" dirty="0" smtClean="0"/>
-              <a:t>Host </a:t>
-            </a:r>
-            <a:r>
-              <a:rPr lang="de-DE" dirty="0" err="1" smtClean="0"/>
-              <a:t>part</a:t>
-            </a:r>
-            <a:r>
-              <a:rPr lang="de-DE" dirty="0" smtClean="0"/>
-              <a:t>, Backend, Frontend</a:t>
+              <a:rPr lang="de-DE" dirty="0" smtClean="0"/>
+              <a:t> </a:t>
+            </a:r>
+            <a:r>
+              <a:rPr lang="de-DE" dirty="0" err="1" smtClean="0"/>
+              <a:t>connect</a:t>
+            </a:r>
+            <a:r>
+              <a:rPr lang="de-DE" dirty="0" smtClean="0"/>
+              <a:t> </a:t>
+            </a:r>
+            <a:r>
+              <a:rPr lang="de-DE" dirty="0" err="1" smtClean="0"/>
+              <a:t>to</a:t>
+            </a:r>
+            <a:r>
+              <a:rPr lang="de-DE" dirty="0" smtClean="0"/>
+              <a:t> </a:t>
+            </a:r>
+            <a:r>
+              <a:rPr lang="de-DE" dirty="0" err="1" smtClean="0"/>
+              <a:t>other</a:t>
+            </a:r>
+            <a:r>
+              <a:rPr lang="de-DE" dirty="0" smtClean="0"/>
+              <a:t> </a:t>
+            </a:r>
+            <a:r>
+              <a:rPr lang="de-DE" dirty="0" err="1" smtClean="0"/>
+              <a:t>testbeds</a:t>
+            </a:r>
+            <a:r>
+              <a:rPr lang="de-DE" dirty="0" smtClean="0"/>
+              <a:t> via Internet</a:t>
             </a:r>
           </a:p>
           <a:p>
             <a:pPr lvl="2"/>
             <a:r>
-              <a:rPr lang="de-DE" dirty="0" smtClean="0"/>
-              <a:t>University </a:t>
+              <a:rPr lang="de-DE" dirty="0" err="1" smtClean="0"/>
+              <a:t>Up</a:t>
+            </a:r>
+            <a:r>
+              <a:rPr lang="de-DE" dirty="0" smtClean="0"/>
+              <a:t>/</a:t>
+            </a:r>
+            <a:r>
+              <a:rPr lang="de-DE" dirty="0" err="1" smtClean="0"/>
+              <a:t>download</a:t>
+            </a:r>
+            <a:r>
+              <a:rPr lang="de-DE" dirty="0" smtClean="0"/>
+              <a:t> </a:t>
             </a:r>
             <a:r>
               <a:rPr lang="de-DE" dirty="0" err="1" smtClean="0"/>
@@ -6061,11 +5602,43 @@
             </a:r>
             <a:r>
               <a:rPr lang="de-DE" dirty="0" smtClean="0"/>
-              <a:t> Kaiserslautern (Dennis </a:t>
-            </a:r>
-            <a:r>
-              <a:rPr lang="de-DE" dirty="0" err="1" smtClean="0"/>
-              <a:t>Schwerdel</a:t>
+              <a:t> </a:t>
+            </a:r>
+            <a:r>
+              <a:rPr lang="de-DE" dirty="0" err="1" smtClean="0"/>
+              <a:t>images</a:t>
+            </a:r>
+            <a:r>
+              <a:rPr lang="de-DE" dirty="0" smtClean="0"/>
+              <a:t> (</a:t>
+            </a:r>
+            <a:r>
+              <a:rPr lang="de-DE" dirty="0" err="1" smtClean="0"/>
+              <a:t>simplifies</a:t>
+            </a:r>
+            <a:r>
+              <a:rPr lang="de-DE" dirty="0" smtClean="0"/>
+              <a:t> </a:t>
+            </a:r>
+            <a:r>
+              <a:rPr lang="de-DE" dirty="0" err="1" smtClean="0"/>
+              <a:t>setup</a:t>
+            </a:r>
+            <a:r>
+              <a:rPr lang="de-DE" dirty="0" smtClean="0"/>
+              <a:t> </a:t>
+            </a:r>
+            <a:r>
+              <a:rPr lang="de-DE" dirty="0" err="1" smtClean="0"/>
+              <a:t>of</a:t>
+            </a:r>
+            <a:r>
+              <a:rPr lang="de-DE" dirty="0" smtClean="0"/>
+              <a:t> multiple </a:t>
+            </a:r>
+            <a:r>
+              <a:rPr lang="de-DE" dirty="0" err="1" smtClean="0"/>
+              <a:t>devices</a:t>
             </a:r>
             <a:r>
               <a:rPr lang="de-DE" dirty="0" smtClean="0"/>
@@ -6073,149 +5646,27 @@
             </a:r>
           </a:p>
           <a:p>
-            <a:pPr lvl="1"/>
-            <a:r>
-              <a:rPr lang="de-DE" dirty="0" err="1" smtClean="0"/>
-              <a:t>Topology</a:t>
-            </a:r>
-            <a:r>
-              <a:rPr lang="de-DE" dirty="0" smtClean="0"/>
-              <a:t> </a:t>
-            </a:r>
-            <a:r>
-              <a:rPr lang="de-DE" dirty="0" err="1" smtClean="0"/>
-              <a:t>creator</a:t>
-            </a:r>
-            <a:r>
-              <a:rPr lang="de-DE" dirty="0" smtClean="0"/>
-              <a:t> (</a:t>
-            </a:r>
-            <a:r>
-              <a:rPr lang="de-DE" dirty="0" err="1" smtClean="0"/>
-              <a:t>part</a:t>
-            </a:r>
-            <a:r>
-              <a:rPr lang="de-DE" dirty="0" smtClean="0"/>
-              <a:t> </a:t>
-            </a:r>
-            <a:r>
-              <a:rPr lang="de-DE" dirty="0" err="1" smtClean="0"/>
-              <a:t>of</a:t>
-            </a:r>
-            <a:r>
-              <a:rPr lang="de-DE" dirty="0"/>
-              <a:t> </a:t>
-            </a:r>
-            <a:r>
-              <a:rPr lang="de-DE" dirty="0" err="1" smtClean="0"/>
-              <a:t>graphical</a:t>
-            </a:r>
-            <a:r>
-              <a:rPr lang="de-DE" dirty="0" smtClean="0"/>
-              <a:t> </a:t>
-            </a:r>
-            <a:r>
-              <a:rPr lang="de-DE" dirty="0" err="1" smtClean="0"/>
-              <a:t>editor</a:t>
-            </a:r>
-            <a:r>
-              <a:rPr lang="de-DE" dirty="0" smtClean="0"/>
-              <a:t>)</a:t>
-            </a:r>
-          </a:p>
-          <a:p>
-            <a:pPr lvl="2"/>
-            <a:r>
-              <a:rPr lang="de-DE" dirty="0" smtClean="0"/>
-              <a:t>University </a:t>
-            </a:r>
-            <a:r>
-              <a:rPr lang="de-DE" dirty="0" err="1" smtClean="0"/>
-              <a:t>of</a:t>
-            </a:r>
-            <a:r>
-              <a:rPr lang="de-DE" dirty="0" smtClean="0"/>
-              <a:t> Würzburg (</a:t>
-            </a:r>
-            <a:r>
-              <a:rPr lang="de-DE" dirty="0"/>
-              <a:t>David </a:t>
-            </a:r>
-            <a:r>
-              <a:rPr lang="de-DE" dirty="0" smtClean="0"/>
-              <a:t>Hock)</a:t>
-            </a:r>
-          </a:p>
-          <a:p>
-            <a:pPr lvl="1"/>
-            <a:r>
-              <a:rPr lang="de-DE" dirty="0" err="1" smtClean="0"/>
-              <a:t>Openflow</a:t>
-            </a:r>
-            <a:r>
-              <a:rPr lang="de-DE" dirty="0" smtClean="0"/>
-              <a:t> </a:t>
-            </a:r>
-            <a:r>
-              <a:rPr lang="de-DE" dirty="0" err="1" smtClean="0"/>
-              <a:t>integration</a:t>
-            </a:r>
-            <a:r>
-              <a:rPr lang="de-DE" dirty="0" smtClean="0"/>
-              <a:t> (</a:t>
-            </a:r>
-            <a:r>
-              <a:rPr lang="de-DE" dirty="0" err="1" smtClean="0"/>
-              <a:t>current</a:t>
-            </a:r>
-            <a:r>
-              <a:rPr lang="de-DE" dirty="0" smtClean="0"/>
-              <a:t>  </a:t>
-            </a:r>
-            <a:r>
-              <a:rPr lang="de-DE" dirty="0" err="1" smtClean="0"/>
-              <a:t>development</a:t>
-            </a:r>
-            <a:r>
-              <a:rPr lang="de-DE" dirty="0" smtClean="0"/>
-              <a:t>)</a:t>
-            </a:r>
-          </a:p>
-          <a:p>
-            <a:pPr lvl="2"/>
-            <a:r>
-              <a:rPr lang="de-DE" dirty="0" smtClean="0"/>
-              <a:t>University </a:t>
-            </a:r>
-            <a:r>
-              <a:rPr lang="de-DE" dirty="0" err="1" smtClean="0"/>
-              <a:t>of</a:t>
-            </a:r>
-            <a:r>
-              <a:rPr lang="de-DE" dirty="0" smtClean="0"/>
-              <a:t> Würzburg (Student </a:t>
-            </a:r>
-            <a:r>
-              <a:rPr lang="de-DE" dirty="0" err="1" smtClean="0"/>
-              <a:t>work</a:t>
-            </a:r>
-            <a:r>
-              <a:rPr lang="de-DE" dirty="0" smtClean="0"/>
-              <a:t>)</a:t>
-            </a:r>
+            <a:endParaRPr lang="en-US" dirty="0"/>
           </a:p>
         </p:txBody>
       </p:sp>
     </p:spTree>
     <p:extLst>
       <p:ext uri="{BB962C8B-B14F-4D97-AF65-F5344CB8AC3E}">
-        <p14:creationId xmlns:p14="http://schemas.microsoft.com/office/powerpoint/2010/main" val="27409824"/>
+        <p14:creationId xmlns:p14="http://schemas.microsoft.com/office/powerpoint/2010/main" val="3051065181"/>
       </p:ext>
     </p:extLst>
   </p:cSld>
   <p:clrMapOvr>
     <a:masterClrMapping/>
   </p:clrMapOvr>
+  <p:timing>
+    <p:tnLst>
+      <p:par>
+        <p:cTn id="1" dur="indefinite" restart="never" nodeType="tmRoot"/>
+      </p:par>
+    </p:tnLst>
+  </p:timing>
 </p:sld>
 </file>
 
@@ -6238,7 +5689,519 @@
       </p:grpSpPr>
       <p:sp>
         <p:nvSpPr>
-          <p:cNvPr id="3" name="Text Placeholder 2"/>
+          <p:cNvPr id="2" name="Title 1"/>
+          <p:cNvSpPr>
+            <a:spLocks noGrp="1"/>
+          </p:cNvSpPr>
+          <p:nvPr>
+            <p:ph type="title"/>
+          </p:nvPr>
+        </p:nvSpPr>
+        <p:spPr/>
+        <p:txBody>
+          <a:bodyPr/>
+          <a:lstStyle/>
+          <a:p>
+            <a:r>
+              <a:rPr lang="de-DE" dirty="0" smtClean="0"/>
+              <a:t>Evaluation (4)</a:t>
+            </a:r>
+            <a:endParaRPr lang="en-US" dirty="0"/>
+          </a:p>
+        </p:txBody>
+      </p:sp>
+      <p:sp>
+        <p:nvSpPr>
+          <p:cNvPr id="3" name="Content Placeholder 2"/>
+          <p:cNvSpPr>
+            <a:spLocks noGrp="1"/>
+          </p:cNvSpPr>
+          <p:nvPr>
+            <p:ph idx="1"/>
+          </p:nvPr>
+        </p:nvSpPr>
+        <p:spPr/>
+        <p:txBody>
+          <a:bodyPr/>
+          <a:lstStyle/>
+          <a:p>
+            <a:r>
+              <a:rPr lang="de-DE" dirty="0"/>
+              <a:t>Legacy </a:t>
+            </a:r>
+            <a:r>
+              <a:rPr lang="de-DE" dirty="0" err="1"/>
+              <a:t>software</a:t>
+            </a:r>
+            <a:r>
+              <a:rPr lang="de-DE" dirty="0"/>
+              <a:t> </a:t>
+            </a:r>
+            <a:r>
+              <a:rPr lang="de-DE" dirty="0" err="1" smtClean="0"/>
+              <a:t>experiments</a:t>
+            </a:r>
+            <a:endParaRPr lang="de-DE" dirty="0" smtClean="0"/>
+          </a:p>
+          <a:p>
+            <a:pPr lvl="1"/>
+            <a:r>
+              <a:rPr lang="de-DE" dirty="0" err="1" smtClean="0"/>
+              <a:t>Considers</a:t>
+            </a:r>
+            <a:r>
+              <a:rPr lang="de-DE" dirty="0" smtClean="0"/>
+              <a:t> </a:t>
+            </a:r>
+            <a:r>
+              <a:rPr lang="de-DE" dirty="0" err="1" smtClean="0"/>
+              <a:t>legacy</a:t>
+            </a:r>
+            <a:r>
+              <a:rPr lang="de-DE" dirty="0" smtClean="0"/>
+              <a:t> </a:t>
+            </a:r>
+            <a:r>
+              <a:rPr lang="de-DE" dirty="0" err="1" smtClean="0"/>
+              <a:t>software</a:t>
+            </a:r>
+            <a:endParaRPr lang="de-DE" dirty="0" smtClean="0"/>
+          </a:p>
+          <a:p>
+            <a:pPr lvl="2"/>
+            <a:r>
+              <a:rPr lang="de-DE" dirty="0" smtClean="0"/>
+              <a:t>„Legacy </a:t>
+            </a:r>
+            <a:r>
+              <a:rPr lang="de-DE" dirty="0" err="1" smtClean="0"/>
+              <a:t>software</a:t>
+            </a:r>
+            <a:r>
+              <a:rPr lang="de-DE" dirty="0" smtClean="0"/>
+              <a:t>“ </a:t>
+            </a:r>
+            <a:r>
+              <a:rPr lang="de-DE" dirty="0" err="1" smtClean="0"/>
+              <a:t>refers</a:t>
+            </a:r>
+            <a:r>
+              <a:rPr lang="de-DE" dirty="0" smtClean="0"/>
+              <a:t> </a:t>
+            </a:r>
+            <a:r>
+              <a:rPr lang="de-DE" dirty="0" err="1" smtClean="0"/>
+              <a:t>to</a:t>
+            </a:r>
+            <a:r>
+              <a:rPr lang="de-DE" dirty="0" smtClean="0"/>
+              <a:t> </a:t>
+            </a:r>
+            <a:r>
+              <a:rPr lang="de-DE" dirty="0" err="1" smtClean="0"/>
+              <a:t>any</a:t>
+            </a:r>
+            <a:r>
+              <a:rPr lang="de-DE" dirty="0" smtClean="0"/>
+              <a:t> </a:t>
+            </a:r>
+            <a:r>
+              <a:rPr lang="de-DE" dirty="0" err="1" smtClean="0"/>
+              <a:t>widespread</a:t>
+            </a:r>
+            <a:r>
+              <a:rPr lang="de-DE" dirty="0" smtClean="0"/>
+              <a:t> </a:t>
+            </a:r>
+            <a:r>
+              <a:rPr lang="de-DE" dirty="0" err="1" smtClean="0"/>
+              <a:t>software</a:t>
+            </a:r>
+            <a:r>
+              <a:rPr lang="de-DE" dirty="0" smtClean="0"/>
+              <a:t> </a:t>
+            </a:r>
+            <a:r>
+              <a:rPr lang="de-DE" dirty="0" err="1" smtClean="0"/>
+              <a:t>with</a:t>
+            </a:r>
+            <a:r>
+              <a:rPr lang="de-DE" dirty="0" smtClean="0"/>
+              <a:t> </a:t>
+            </a:r>
+            <a:r>
+              <a:rPr lang="de-DE" dirty="0" err="1" smtClean="0"/>
+              <a:t>undocumented</a:t>
+            </a:r>
+            <a:r>
+              <a:rPr lang="de-DE" dirty="0" smtClean="0"/>
+              <a:t> </a:t>
+            </a:r>
+            <a:r>
+              <a:rPr lang="de-DE" dirty="0" err="1" smtClean="0"/>
+              <a:t>or</a:t>
+            </a:r>
+            <a:r>
+              <a:rPr lang="de-DE" dirty="0" smtClean="0"/>
+              <a:t> </a:t>
+            </a:r>
+            <a:r>
+              <a:rPr lang="de-DE" dirty="0" err="1" smtClean="0"/>
+              <a:t>unpublished</a:t>
+            </a:r>
+            <a:r>
+              <a:rPr lang="de-DE" dirty="0" smtClean="0"/>
+              <a:t> </a:t>
+            </a:r>
+            <a:r>
+              <a:rPr lang="de-DE" dirty="0" err="1" smtClean="0"/>
+              <a:t>behavior</a:t>
+            </a:r>
+            <a:endParaRPr lang="de-DE" dirty="0" smtClean="0"/>
+          </a:p>
+          <a:p>
+            <a:pPr lvl="2"/>
+            <a:r>
+              <a:rPr lang="de-DE" dirty="0" err="1" smtClean="0"/>
+              <a:t>Example</a:t>
+            </a:r>
+            <a:r>
+              <a:rPr lang="de-DE" dirty="0" smtClean="0"/>
+              <a:t>: Skype </a:t>
+            </a:r>
+            <a:r>
+              <a:rPr lang="de-DE" dirty="0" err="1" smtClean="0"/>
+              <a:t>and</a:t>
+            </a:r>
+            <a:r>
+              <a:rPr lang="de-DE" dirty="0" smtClean="0"/>
+              <a:t> Windows</a:t>
+            </a:r>
+          </a:p>
+          <a:p>
+            <a:pPr lvl="1"/>
+            <a:r>
+              <a:rPr lang="de-DE" dirty="0" err="1" smtClean="0"/>
+              <a:t>Requirements</a:t>
+            </a:r>
+            <a:endParaRPr lang="de-DE" dirty="0" smtClean="0"/>
+          </a:p>
+          <a:p>
+            <a:pPr lvl="2"/>
+            <a:r>
+              <a:rPr lang="de-DE" dirty="0" smtClean="0"/>
+              <a:t>Special </a:t>
+            </a:r>
+            <a:r>
+              <a:rPr lang="de-DE" dirty="0" err="1" smtClean="0"/>
+              <a:t>environments</a:t>
+            </a:r>
+            <a:r>
+              <a:rPr lang="de-DE" dirty="0" smtClean="0"/>
+              <a:t>, </a:t>
+            </a:r>
+            <a:r>
+              <a:rPr lang="de-DE" dirty="0" err="1" smtClean="0"/>
+              <a:t>custom</a:t>
+            </a:r>
+            <a:r>
+              <a:rPr lang="de-DE" dirty="0" smtClean="0"/>
+              <a:t> </a:t>
+            </a:r>
+            <a:r>
+              <a:rPr lang="de-DE" dirty="0" err="1" smtClean="0"/>
+              <a:t>operating</a:t>
+            </a:r>
+            <a:r>
+              <a:rPr lang="de-DE" dirty="0" smtClean="0"/>
+              <a:t> </a:t>
+            </a:r>
+            <a:r>
+              <a:rPr lang="de-DE" dirty="0" err="1" smtClean="0"/>
+              <a:t>systems</a:t>
+            </a:r>
+            <a:endParaRPr lang="de-DE" dirty="0" smtClean="0"/>
+          </a:p>
+          <a:p>
+            <a:pPr lvl="2"/>
+            <a:r>
+              <a:rPr lang="de-DE" dirty="0" smtClean="0"/>
+              <a:t>Access </a:t>
+            </a:r>
+            <a:r>
+              <a:rPr lang="de-DE" dirty="0" err="1" smtClean="0"/>
+              <a:t>to</a:t>
+            </a:r>
+            <a:r>
+              <a:rPr lang="de-DE" dirty="0" smtClean="0"/>
+              <a:t> </a:t>
+            </a:r>
+            <a:r>
+              <a:rPr lang="de-DE" dirty="0" err="1" smtClean="0"/>
+              <a:t>external</a:t>
+            </a:r>
+            <a:r>
+              <a:rPr lang="de-DE" dirty="0" smtClean="0"/>
+              <a:t> </a:t>
+            </a:r>
+            <a:r>
+              <a:rPr lang="de-DE" dirty="0" err="1" smtClean="0"/>
+              <a:t>services</a:t>
+            </a:r>
+            <a:endParaRPr lang="de-DE" dirty="0" smtClean="0"/>
+          </a:p>
+          <a:p>
+            <a:pPr lvl="2"/>
+            <a:r>
+              <a:rPr lang="de-DE" dirty="0"/>
+              <a:t>Small but </a:t>
+            </a:r>
+            <a:r>
+              <a:rPr lang="de-DE" dirty="0" err="1"/>
+              <a:t>complex</a:t>
+            </a:r>
+            <a:r>
+              <a:rPr lang="de-DE" dirty="0"/>
+              <a:t> </a:t>
+            </a:r>
+            <a:r>
+              <a:rPr lang="de-DE" dirty="0" err="1"/>
+              <a:t>topologies</a:t>
+            </a:r>
+            <a:endParaRPr lang="de-DE" dirty="0"/>
+          </a:p>
+          <a:p>
+            <a:pPr lvl="2"/>
+            <a:r>
+              <a:rPr lang="de-DE" dirty="0" smtClean="0"/>
+              <a:t>Link </a:t>
+            </a:r>
+            <a:r>
+              <a:rPr lang="de-DE" dirty="0" err="1" smtClean="0"/>
+              <a:t>emulation</a:t>
+            </a:r>
+            <a:r>
+              <a:rPr lang="de-DE" dirty="0" smtClean="0"/>
+              <a:t> </a:t>
+            </a:r>
+            <a:r>
+              <a:rPr lang="de-DE" dirty="0" err="1" smtClean="0"/>
+              <a:t>and</a:t>
+            </a:r>
+            <a:r>
+              <a:rPr lang="de-DE" dirty="0" smtClean="0"/>
+              <a:t> </a:t>
+            </a:r>
+            <a:r>
+              <a:rPr lang="de-DE" dirty="0" err="1" smtClean="0"/>
+              <a:t>external</a:t>
+            </a:r>
+            <a:r>
+              <a:rPr lang="de-DE" dirty="0" smtClean="0"/>
+              <a:t> packet </a:t>
+            </a:r>
+            <a:r>
+              <a:rPr lang="de-DE" dirty="0" err="1" smtClean="0"/>
+              <a:t>capturing</a:t>
+            </a:r>
+            <a:endParaRPr lang="de-DE" dirty="0" smtClean="0"/>
+          </a:p>
+          <a:p>
+            <a:pPr lvl="1"/>
+            <a:r>
+              <a:rPr lang="de-DE" dirty="0" err="1" smtClean="0"/>
+              <a:t>ToMaTo</a:t>
+            </a:r>
+            <a:r>
+              <a:rPr lang="de-DE" dirty="0" smtClean="0"/>
+              <a:t> </a:t>
+            </a:r>
+            <a:r>
+              <a:rPr lang="de-DE" dirty="0" err="1" smtClean="0"/>
+              <a:t>offers</a:t>
+            </a:r>
+            <a:endParaRPr lang="de-DE" dirty="0" smtClean="0"/>
+          </a:p>
+          <a:p>
+            <a:pPr lvl="2"/>
+            <a:r>
+              <a:rPr lang="de-DE" dirty="0" smtClean="0"/>
+              <a:t>Custom </a:t>
+            </a:r>
+            <a:r>
+              <a:rPr lang="de-DE" dirty="0" err="1" smtClean="0"/>
+              <a:t>operating</a:t>
+            </a:r>
+            <a:r>
+              <a:rPr lang="de-DE" dirty="0" smtClean="0"/>
+              <a:t> </a:t>
+            </a:r>
+            <a:r>
+              <a:rPr lang="de-DE" dirty="0" err="1" smtClean="0"/>
+              <a:t>systems</a:t>
+            </a:r>
+            <a:r>
+              <a:rPr lang="de-DE" dirty="0" smtClean="0"/>
+              <a:t> </a:t>
+            </a:r>
+            <a:r>
+              <a:rPr lang="de-DE" dirty="0" err="1" smtClean="0"/>
+              <a:t>with</a:t>
+            </a:r>
+            <a:r>
+              <a:rPr lang="de-DE" dirty="0" smtClean="0"/>
+              <a:t> KVM (</a:t>
+            </a:r>
+            <a:r>
+              <a:rPr lang="de-DE" dirty="0" err="1" smtClean="0"/>
+              <a:t>even</a:t>
+            </a:r>
+            <a:r>
+              <a:rPr lang="de-DE" dirty="0" smtClean="0"/>
+              <a:t> Windows </a:t>
+            </a:r>
+            <a:r>
+              <a:rPr lang="de-DE" dirty="0" err="1" smtClean="0"/>
+              <a:t>and</a:t>
+            </a:r>
+            <a:r>
+              <a:rPr lang="de-DE" dirty="0" smtClean="0"/>
+              <a:t> BSD </a:t>
+            </a:r>
+            <a:r>
+              <a:rPr lang="de-DE" dirty="0" err="1" smtClean="0"/>
+              <a:t>run</a:t>
+            </a:r>
+            <a:r>
+              <a:rPr lang="de-DE" dirty="0" smtClean="0"/>
+              <a:t>)</a:t>
+            </a:r>
+          </a:p>
+          <a:p>
+            <a:pPr lvl="2"/>
+            <a:r>
+              <a:rPr lang="de-DE" dirty="0" err="1" smtClean="0"/>
+              <a:t>Acces</a:t>
+            </a:r>
+            <a:r>
+              <a:rPr lang="de-DE" dirty="0" smtClean="0"/>
+              <a:t> </a:t>
+            </a:r>
+            <a:r>
+              <a:rPr lang="de-DE" dirty="0" err="1" smtClean="0"/>
+              <a:t>to</a:t>
+            </a:r>
+            <a:r>
+              <a:rPr lang="de-DE" dirty="0" smtClean="0"/>
+              <a:t> </a:t>
+            </a:r>
+            <a:r>
+              <a:rPr lang="de-DE" dirty="0" err="1" smtClean="0"/>
+              <a:t>external</a:t>
+            </a:r>
+            <a:r>
+              <a:rPr lang="de-DE" dirty="0" smtClean="0"/>
+              <a:t> </a:t>
+            </a:r>
+            <a:r>
+              <a:rPr lang="de-DE" dirty="0" err="1" smtClean="0"/>
+              <a:t>service</a:t>
+            </a:r>
+            <a:r>
+              <a:rPr lang="de-DE" dirty="0" smtClean="0"/>
+              <a:t> via Internet </a:t>
+            </a:r>
+            <a:r>
+              <a:rPr lang="de-DE" dirty="0" err="1" smtClean="0"/>
+              <a:t>connector</a:t>
+            </a:r>
+            <a:endParaRPr lang="de-DE" dirty="0" smtClean="0"/>
+          </a:p>
+          <a:p>
+            <a:pPr lvl="2"/>
+            <a:r>
+              <a:rPr lang="de-DE" dirty="0" smtClean="0"/>
+              <a:t>Packet </a:t>
+            </a:r>
+            <a:r>
+              <a:rPr lang="de-DE" dirty="0" err="1" smtClean="0"/>
+              <a:t>capturing</a:t>
+            </a:r>
+            <a:r>
+              <a:rPr lang="de-DE" dirty="0" smtClean="0"/>
+              <a:t> </a:t>
+            </a:r>
+            <a:r>
+              <a:rPr lang="de-DE" dirty="0" err="1" smtClean="0"/>
+              <a:t>independent</a:t>
+            </a:r>
+            <a:r>
+              <a:rPr lang="de-DE" dirty="0" smtClean="0"/>
+              <a:t> </a:t>
+            </a:r>
+            <a:r>
+              <a:rPr lang="de-DE" dirty="0" err="1" smtClean="0"/>
+              <a:t>of</a:t>
+            </a:r>
+            <a:r>
+              <a:rPr lang="de-DE" dirty="0" smtClean="0"/>
+              <a:t> </a:t>
+            </a:r>
+            <a:r>
+              <a:rPr lang="de-DE" dirty="0" err="1" smtClean="0"/>
+              <a:t>guest</a:t>
+            </a:r>
+            <a:r>
+              <a:rPr lang="de-DE" dirty="0" smtClean="0"/>
+              <a:t> OS</a:t>
+            </a:r>
+            <a:endParaRPr lang="en-US" dirty="0"/>
+          </a:p>
+          <a:p>
+            <a:endParaRPr lang="en-US" dirty="0"/>
+          </a:p>
+        </p:txBody>
+      </p:sp>
+    </p:spTree>
+    <p:extLst>
+      <p:ext uri="{BB962C8B-B14F-4D97-AF65-F5344CB8AC3E}">
+        <p14:creationId xmlns:p14="http://schemas.microsoft.com/office/powerpoint/2010/main" val="1680466046"/>
+      </p:ext>
+    </p:extLst>
+  </p:cSld>
+  <p:clrMapOvr>
+    <a:masterClrMapping/>
+  </p:clrMapOvr>
+  <p:timing>
+    <p:tnLst>
+      <p:par>
+        <p:cTn id="1" dur="indefinite" restart="never" nodeType="tmRoot"/>
+      </p:par>
+    </p:tnLst>
+  </p:timing>
+</p:sld>
+</file>
+
+<file path=ppt/slides/slide17.xml><?xml version="1.0" encoding="utf-8"?>
+<p:sld xmlns:a="http://schemas.openxmlformats.org/drawingml/2006/main" xmlns:r="http://schemas.openxmlformats.org/officeDocument/2006/relationships" xmlns:p="http://schemas.openxmlformats.org/presentationml/2006/main">
+  <p:cSld>
+    <p:spTree>
+      <p:nvGrpSpPr>
+        <p:cNvPr id="1" name=""/>
+        <p:cNvGrpSpPr/>
+        <p:nvPr/>
+      </p:nvGrpSpPr>
+      <p:grpSpPr>
+        <a:xfrm>
+          <a:off x="0" y="0"/>
+          <a:ext cx="0" cy="0"/>
+          <a:chOff x="0" y="0"/>
+          <a:chExt cx="0" cy="0"/>
+        </a:xfrm>
+      </p:grpSpPr>
+      <p:sp>
+        <p:nvSpPr>
+          <p:cNvPr id="4" name="Text Placeholder 3"/>
           <p:cNvSpPr>
             <a:spLocks noGrp="1"/>
           </p:cNvSpPr>
@@ -6252,24 +6215,41 @@
           <a:lstStyle/>
           <a:p>
             <a:r>
-              <a:rPr lang="en-US" dirty="0" smtClean="0"/>
-              <a:t>Dipl.-Inf. </a:t>
-            </a:r>
-            <a:r>
-              <a:rPr lang="en-US" dirty="0" smtClean="0"/>
-              <a:t>Dennis </a:t>
-            </a:r>
-            <a:r>
-              <a:rPr lang="en-US" dirty="0" err="1" smtClean="0"/>
-              <a:t>Schwerdel</a:t>
-            </a:r>
+              <a:rPr lang="de-DE" dirty="0" err="1" smtClean="0"/>
+              <a:t>ToMaTo</a:t>
+            </a:r>
+            <a:r>
+              <a:rPr lang="de-DE" dirty="0" smtClean="0"/>
+              <a:t> </a:t>
+            </a:r>
+            <a:r>
+              <a:rPr lang="de-DE" dirty="0" err="1" smtClean="0"/>
+              <a:t>summary</a:t>
+            </a:r>
+            <a:endParaRPr lang="de-DE" dirty="0" smtClean="0"/>
+          </a:p>
+          <a:p>
+            <a:r>
+              <a:rPr lang="de-DE" dirty="0" smtClean="0"/>
+              <a:t>German-Lab </a:t>
+            </a:r>
+            <a:r>
+              <a:rPr lang="de-DE" dirty="0" err="1" smtClean="0"/>
+              <a:t>integration</a:t>
+            </a:r>
+            <a:endParaRPr lang="de-DE" dirty="0" smtClean="0"/>
+          </a:p>
+          <a:p>
+            <a:endParaRPr lang="de-DE" dirty="0" smtClean="0"/>
+          </a:p>
+          <a:p>
             <a:endParaRPr lang="en-US" dirty="0"/>
           </a:p>
         </p:txBody>
       </p:sp>
       <p:sp>
         <p:nvSpPr>
-          <p:cNvPr id="4" name="Text Placeholder 3"/>
+          <p:cNvPr id="5" name="Text Placeholder 4"/>
           <p:cNvSpPr>
             <a:spLocks noGrp="1"/>
           </p:cNvSpPr>
@@ -6282,39 +6262,52 @@
           <a:bodyPr/>
           <a:lstStyle/>
           <a:p>
-            <a:pPr lvl="0"/>
-            <a:r>
-              <a:rPr lang="de-DE" dirty="0" smtClean="0"/>
-              <a:t>Phone:	+49 (0)631 </a:t>
-            </a:r>
-            <a:r>
-              <a:rPr lang="de-DE" dirty="0" smtClean="0"/>
-              <a:t>205-26 43</a:t>
-            </a:r>
-            <a:endParaRPr lang="de-DE" dirty="0" smtClean="0"/>
-          </a:p>
-          <a:p>
-            <a:pPr lvl="0"/>
-            <a:r>
-              <a:rPr lang="de-DE" dirty="0"/>
-              <a:t>F</a:t>
-            </a:r>
-            <a:r>
-              <a:rPr lang="de-DE" dirty="0" smtClean="0"/>
-              <a:t>ax:	+49 (0)631 205-30 56</a:t>
-            </a:r>
-            <a:endParaRPr lang="de-DE" dirty="0"/>
+            <a:r>
+              <a:rPr lang="de-DE" dirty="0" smtClean="0"/>
+              <a:t>Summary</a:t>
+            </a:r>
+            <a:endParaRPr lang="en-US" dirty="0"/>
           </a:p>
         </p:txBody>
       </p:sp>
+    </p:spTree>
+    <p:extLst>
+      <p:ext uri="{BB962C8B-B14F-4D97-AF65-F5344CB8AC3E}">
+        <p14:creationId xmlns:p14="http://schemas.microsoft.com/office/powerpoint/2010/main" val="3134527167"/>
+      </p:ext>
+    </p:extLst>
+  </p:cSld>
+  <p:clrMapOvr>
+    <a:masterClrMapping/>
+  </p:clrMapOvr>
+</p:sld>
+</file>
+
+<file path=ppt/slides/slide18.xml><?xml version="1.0" encoding="utf-8"?>
+<p:sld xmlns:a="http://schemas.openxmlformats.org/drawingml/2006/main" xmlns:r="http://schemas.openxmlformats.org/officeDocument/2006/relationships" xmlns:p="http://schemas.openxmlformats.org/presentationml/2006/main">
+  <p:cSld>
+    <p:spTree>
+      <p:nvGrpSpPr>
+        <p:cNvPr id="1" name=""/>
+        <p:cNvGrpSpPr/>
+        <p:nvPr/>
+      </p:nvGrpSpPr>
+      <p:grpSpPr>
+        <a:xfrm>
+          <a:off x="0" y="0"/>
+          <a:ext cx="0" cy="0"/>
+          <a:chOff x="0" y="0"/>
+          <a:chExt cx="0" cy="0"/>
+        </a:xfrm>
+      </p:grpSpPr>
       <p:sp>
         <p:nvSpPr>
-          <p:cNvPr id="2" name="Text Placeholder 1"/>
+          <p:cNvPr id="2" name="Title 1"/>
           <p:cNvSpPr>
             <a:spLocks noGrp="1"/>
           </p:cNvSpPr>
           <p:nvPr>
-            <p:ph type="body" sz="quarter" idx="12"/>
+            <p:ph type="title"/>
           </p:nvPr>
         </p:nvSpPr>
         <p:spPr/>
@@ -6323,24 +6316,364 @@
           <a:lstStyle/>
           <a:p>
             <a:r>
-              <a:rPr lang="de-DE" dirty="0" smtClean="0"/>
-              <a:t>Email:	</a:t>
-            </a:r>
-            <a:r>
-              <a:rPr lang="de-DE" dirty="0" smtClean="0"/>
-              <a:t>schwerdel</a:t>
-            </a:r>
-            <a:r>
-              <a:rPr lang="de-DE" dirty="0" smtClean="0"/>
-              <a:t>@informatik.uni-kl.de</a:t>
-            </a:r>
-            <a:endParaRPr lang="de-DE" dirty="0" smtClean="0"/>
-          </a:p>
-          <a:p>
-            <a:r>
-              <a:rPr lang="de-DE" dirty="0" smtClean="0"/>
-              <a:t>Internet:	http://www.icsy.de</a:t>
-            </a:r>
+              <a:rPr lang="de-DE" dirty="0" err="1" smtClean="0"/>
+              <a:t>ToMaTo</a:t>
+            </a:r>
+            <a:r>
+              <a:rPr lang="de-DE" dirty="0" smtClean="0"/>
+              <a:t> Summary</a:t>
+            </a:r>
+            <a:endParaRPr lang="en-US" dirty="0"/>
+          </a:p>
+        </p:txBody>
+      </p:sp>
+      <p:sp>
+        <p:nvSpPr>
+          <p:cNvPr id="3" name="Content Placeholder 2"/>
+          <p:cNvSpPr>
+            <a:spLocks noGrp="1"/>
+          </p:cNvSpPr>
+          <p:nvPr>
+            <p:ph idx="1"/>
+          </p:nvPr>
+        </p:nvSpPr>
+        <p:spPr/>
+        <p:txBody>
+          <a:bodyPr>
+            <a:normAutofit fontScale="92500" lnSpcReduction="10000"/>
+          </a:bodyPr>
+          <a:lstStyle/>
+          <a:p>
+            <a:r>
+              <a:rPr lang="de-DE" dirty="0" smtClean="0"/>
+              <a:t>Flexible </a:t>
+            </a:r>
+            <a:r>
+              <a:rPr lang="de-DE" dirty="0" err="1" smtClean="0"/>
+              <a:t>and</a:t>
+            </a:r>
+            <a:r>
+              <a:rPr lang="de-DE" dirty="0" smtClean="0"/>
+              <a:t> extensible</a:t>
+            </a:r>
+          </a:p>
+          <a:p>
+            <a:pPr lvl="1"/>
+            <a:r>
+              <a:rPr lang="de-DE" dirty="0" smtClean="0"/>
+              <a:t>3-tier </a:t>
+            </a:r>
+            <a:r>
+              <a:rPr lang="de-DE" dirty="0" err="1" smtClean="0"/>
+              <a:t>architecture</a:t>
+            </a:r>
+            <a:endParaRPr lang="de-DE" dirty="0" smtClean="0"/>
+          </a:p>
+          <a:p>
+            <a:pPr lvl="1"/>
+            <a:r>
+              <a:rPr lang="de-DE" dirty="0" err="1" smtClean="0"/>
+              <a:t>Openflow</a:t>
+            </a:r>
+            <a:r>
+              <a:rPr lang="de-DE" dirty="0" smtClean="0"/>
+              <a:t> </a:t>
+            </a:r>
+            <a:r>
+              <a:rPr lang="de-DE" dirty="0" err="1" smtClean="0"/>
+              <a:t>integration</a:t>
+            </a:r>
+            <a:r>
+              <a:rPr lang="de-DE" dirty="0" smtClean="0"/>
+              <a:t> </a:t>
+            </a:r>
+            <a:r>
+              <a:rPr lang="de-DE" dirty="0" err="1" smtClean="0"/>
+              <a:t>being</a:t>
+            </a:r>
+            <a:r>
+              <a:rPr lang="de-DE" dirty="0" smtClean="0"/>
+              <a:t> </a:t>
+            </a:r>
+            <a:r>
+              <a:rPr lang="de-DE" dirty="0" err="1" smtClean="0"/>
+              <a:t>developed</a:t>
+            </a:r>
+            <a:endParaRPr lang="de-DE" dirty="0" smtClean="0"/>
+          </a:p>
+          <a:p>
+            <a:r>
+              <a:rPr lang="de-DE" dirty="0" err="1"/>
+              <a:t>Efficient</a:t>
+            </a:r>
+            <a:endParaRPr lang="de-DE" dirty="0"/>
+          </a:p>
+          <a:p>
+            <a:pPr lvl="1"/>
+            <a:r>
+              <a:rPr lang="de-DE" dirty="0"/>
+              <a:t>As </a:t>
+            </a:r>
+            <a:r>
+              <a:rPr lang="de-DE" dirty="0" err="1"/>
+              <a:t>much</a:t>
+            </a:r>
+            <a:r>
+              <a:rPr lang="de-DE" dirty="0"/>
+              <a:t> </a:t>
+            </a:r>
+            <a:r>
+              <a:rPr lang="de-DE" dirty="0" err="1"/>
+              <a:t>access</a:t>
+            </a:r>
+            <a:r>
+              <a:rPr lang="de-DE" dirty="0"/>
+              <a:t> </a:t>
+            </a:r>
+            <a:r>
+              <a:rPr lang="de-DE" dirty="0" err="1"/>
+              <a:t>as</a:t>
+            </a:r>
+            <a:r>
+              <a:rPr lang="de-DE" dirty="0"/>
+              <a:t> </a:t>
+            </a:r>
+            <a:r>
+              <a:rPr lang="de-DE" dirty="0" err="1"/>
+              <a:t>needed</a:t>
+            </a:r>
+            <a:r>
+              <a:rPr lang="de-DE" dirty="0"/>
+              <a:t> (KVM)</a:t>
+            </a:r>
+          </a:p>
+          <a:p>
+            <a:pPr lvl="1"/>
+            <a:r>
+              <a:rPr lang="de-DE" dirty="0"/>
+              <a:t>As </a:t>
+            </a:r>
+            <a:r>
+              <a:rPr lang="de-DE" dirty="0" err="1"/>
+              <a:t>less</a:t>
+            </a:r>
+            <a:r>
+              <a:rPr lang="de-DE" dirty="0"/>
+              <a:t> </a:t>
+            </a:r>
+            <a:r>
+              <a:rPr lang="de-DE" dirty="0" err="1"/>
+              <a:t>resource</a:t>
+            </a:r>
+            <a:r>
+              <a:rPr lang="de-DE" dirty="0"/>
+              <a:t> </a:t>
+            </a:r>
+            <a:r>
+              <a:rPr lang="de-DE" dirty="0" err="1"/>
+              <a:t>usage</a:t>
+            </a:r>
+            <a:r>
+              <a:rPr lang="de-DE" dirty="0"/>
+              <a:t> </a:t>
+            </a:r>
+            <a:r>
+              <a:rPr lang="de-DE" dirty="0" err="1"/>
+              <a:t>as</a:t>
+            </a:r>
+            <a:r>
+              <a:rPr lang="de-DE" dirty="0"/>
+              <a:t> </a:t>
+            </a:r>
+            <a:r>
+              <a:rPr lang="de-DE" dirty="0" err="1"/>
+              <a:t>possible</a:t>
+            </a:r>
+            <a:r>
+              <a:rPr lang="de-DE" dirty="0"/>
+              <a:t> (</a:t>
+            </a:r>
+            <a:r>
+              <a:rPr lang="de-DE" dirty="0" err="1"/>
+              <a:t>OpenVZ</a:t>
+            </a:r>
+            <a:r>
+              <a:rPr lang="de-DE" dirty="0"/>
+              <a:t>)</a:t>
+            </a:r>
+          </a:p>
+          <a:p>
+            <a:r>
+              <a:rPr lang="de-DE" dirty="0" smtClean="0"/>
+              <a:t>Easy </a:t>
+            </a:r>
+            <a:r>
+              <a:rPr lang="de-DE" dirty="0" err="1" smtClean="0"/>
+              <a:t>to</a:t>
+            </a:r>
+            <a:r>
+              <a:rPr lang="de-DE" dirty="0" smtClean="0"/>
+              <a:t> </a:t>
+            </a:r>
+            <a:r>
+              <a:rPr lang="de-DE" dirty="0" err="1" smtClean="0"/>
+              <a:t>use</a:t>
+            </a:r>
+            <a:endParaRPr lang="de-DE" dirty="0" smtClean="0"/>
+          </a:p>
+          <a:p>
+            <a:pPr lvl="1"/>
+            <a:r>
+              <a:rPr lang="de-DE" dirty="0" err="1" smtClean="0"/>
+              <a:t>Graphical</a:t>
+            </a:r>
+            <a:r>
+              <a:rPr lang="de-DE" dirty="0" smtClean="0"/>
+              <a:t> </a:t>
+            </a:r>
+            <a:r>
+              <a:rPr lang="de-DE" dirty="0" err="1" smtClean="0"/>
+              <a:t>editor</a:t>
+            </a:r>
+            <a:r>
+              <a:rPr lang="de-DE" dirty="0" smtClean="0"/>
+              <a:t>, </a:t>
+            </a:r>
+            <a:r>
+              <a:rPr lang="de-DE" dirty="0" err="1" smtClean="0"/>
+              <a:t>topology</a:t>
+            </a:r>
+            <a:r>
+              <a:rPr lang="de-DE" dirty="0" smtClean="0"/>
+              <a:t> </a:t>
+            </a:r>
+            <a:r>
+              <a:rPr lang="de-DE" dirty="0" err="1" smtClean="0"/>
+              <a:t>creator</a:t>
+            </a:r>
+            <a:endParaRPr lang="de-DE" dirty="0" smtClean="0"/>
+          </a:p>
+          <a:p>
+            <a:pPr lvl="1"/>
+            <a:r>
+              <a:rPr lang="de-DE" dirty="0" err="1" smtClean="0"/>
+              <a:t>Automatic</a:t>
+            </a:r>
+            <a:r>
+              <a:rPr lang="de-DE" dirty="0" smtClean="0"/>
+              <a:t> </a:t>
+            </a:r>
+            <a:r>
+              <a:rPr lang="de-DE" dirty="0" err="1" smtClean="0"/>
+              <a:t>interface</a:t>
+            </a:r>
+            <a:r>
+              <a:rPr lang="de-DE" dirty="0" smtClean="0"/>
+              <a:t> </a:t>
+            </a:r>
+            <a:r>
+              <a:rPr lang="de-DE" dirty="0" err="1" smtClean="0"/>
+              <a:t>configuration</a:t>
+            </a:r>
+            <a:endParaRPr lang="de-DE" dirty="0" smtClean="0"/>
+          </a:p>
+          <a:p>
+            <a:r>
+              <a:rPr lang="de-DE" dirty="0" smtClean="0"/>
+              <a:t>Supports </a:t>
+            </a:r>
+            <a:r>
+              <a:rPr lang="de-DE" dirty="0" err="1" smtClean="0"/>
+              <a:t>experiments</a:t>
+            </a:r>
+            <a:endParaRPr lang="de-DE" dirty="0" smtClean="0"/>
+          </a:p>
+          <a:p>
+            <a:pPr lvl="1"/>
+            <a:r>
+              <a:rPr lang="de-DE" dirty="0" err="1" smtClean="0"/>
+              <a:t>Ready-to-use</a:t>
+            </a:r>
+            <a:r>
+              <a:rPr lang="de-DE" dirty="0" smtClean="0"/>
+              <a:t> </a:t>
+            </a:r>
+            <a:r>
+              <a:rPr lang="de-DE" dirty="0" err="1" smtClean="0"/>
+              <a:t>templates</a:t>
+            </a:r>
+            <a:endParaRPr lang="de-DE" dirty="0" smtClean="0"/>
+          </a:p>
+          <a:p>
+            <a:pPr lvl="1"/>
+            <a:r>
+              <a:rPr lang="de-DE" dirty="0" smtClean="0"/>
+              <a:t>Link </a:t>
+            </a:r>
+            <a:r>
+              <a:rPr lang="de-DE" dirty="0" err="1" smtClean="0"/>
+              <a:t>emulation</a:t>
+            </a:r>
+            <a:endParaRPr lang="de-DE" dirty="0" smtClean="0"/>
+          </a:p>
+          <a:p>
+            <a:pPr lvl="1"/>
+            <a:r>
+              <a:rPr lang="de-DE" dirty="0" smtClean="0"/>
+              <a:t>Image </a:t>
+            </a:r>
+            <a:r>
+              <a:rPr lang="de-DE" dirty="0" err="1" smtClean="0"/>
+              <a:t>download</a:t>
+            </a:r>
+            <a:r>
+              <a:rPr lang="de-DE" dirty="0" smtClean="0"/>
+              <a:t>/</a:t>
+            </a:r>
+            <a:r>
+              <a:rPr lang="de-DE" dirty="0" err="1" smtClean="0"/>
+              <a:t>upload</a:t>
+            </a:r>
+            <a:endParaRPr lang="de-DE" dirty="0" smtClean="0"/>
+          </a:p>
+          <a:p>
+            <a:pPr lvl="1"/>
+            <a:r>
+              <a:rPr lang="de-DE" dirty="0" smtClean="0"/>
+              <a:t>Packet </a:t>
+            </a:r>
+            <a:r>
+              <a:rPr lang="de-DE" dirty="0" err="1" smtClean="0"/>
+              <a:t>capturing</a:t>
+            </a:r>
+            <a:endParaRPr lang="de-DE" dirty="0" smtClean="0"/>
+          </a:p>
+          <a:p>
+            <a:pPr lvl="1"/>
+            <a:r>
+              <a:rPr lang="de-DE" dirty="0" err="1" smtClean="0"/>
+              <a:t>Direct</a:t>
+            </a:r>
+            <a:r>
+              <a:rPr lang="de-DE" dirty="0" smtClean="0"/>
+              <a:t> </a:t>
+            </a:r>
+            <a:r>
+              <a:rPr lang="de-DE" dirty="0" err="1" smtClean="0"/>
+              <a:t>console</a:t>
+            </a:r>
+            <a:r>
+              <a:rPr lang="de-DE" dirty="0" smtClean="0"/>
+              <a:t> </a:t>
+            </a:r>
+            <a:r>
+              <a:rPr lang="de-DE" dirty="0" err="1" smtClean="0"/>
+              <a:t>access</a:t>
+            </a:r>
+            <a:endParaRPr lang="de-DE" dirty="0" smtClean="0"/>
+          </a:p>
+          <a:p>
+            <a:pPr lvl="1"/>
             <a:endParaRPr lang="de-DE" dirty="0"/>
           </a:p>
         </p:txBody>
@@ -6348,7 +6681,394 @@
     </p:spTree>
     <p:extLst>
       <p:ext uri="{BB962C8B-B14F-4D97-AF65-F5344CB8AC3E}">
-        <p14:creationId xmlns:p14="http://schemas.microsoft.com/office/powerpoint/2010/main" val="4000082107"/>
+        <p14:creationId xmlns:p14="http://schemas.microsoft.com/office/powerpoint/2010/main" val="1709407867"/>
+      </p:ext>
+    </p:extLst>
+  </p:cSld>
+  <p:clrMapOvr>
+    <a:masterClrMapping/>
+  </p:clrMapOvr>
+  <p:timing>
+    <p:tnLst>
+      <p:par>
+        <p:cTn id="1" dur="indefinite" restart="never" nodeType="tmRoot"/>
+      </p:par>
+    </p:tnLst>
+  </p:timing>
+</p:sld>
+</file>
+
+<file path=ppt/slides/slide19.xml><?xml version="1.0" encoding="utf-8"?>
+<p:sld xmlns:a="http://schemas.openxmlformats.org/drawingml/2006/main" xmlns:r="http://schemas.openxmlformats.org/officeDocument/2006/relationships" xmlns:p="http://schemas.openxmlformats.org/presentationml/2006/main">
+  <p:cSld>
+    <p:spTree>
+      <p:nvGrpSpPr>
+        <p:cNvPr id="1" name=""/>
+        <p:cNvGrpSpPr/>
+        <p:nvPr/>
+      </p:nvGrpSpPr>
+      <p:grpSpPr>
+        <a:xfrm>
+          <a:off x="0" y="0"/>
+          <a:ext cx="0" cy="0"/>
+          <a:chOff x="0" y="0"/>
+          <a:chExt cx="0" cy="0"/>
+        </a:xfrm>
+      </p:grpSpPr>
+      <p:sp>
+        <p:nvSpPr>
+          <p:cNvPr id="2" name="Title 1"/>
+          <p:cNvSpPr>
+            <a:spLocks noGrp="1"/>
+          </p:cNvSpPr>
+          <p:nvPr>
+            <p:ph type="title"/>
+          </p:nvPr>
+        </p:nvSpPr>
+        <p:spPr/>
+        <p:txBody>
+          <a:bodyPr/>
+          <a:lstStyle/>
+          <a:p>
+            <a:r>
+              <a:rPr lang="de-DE" dirty="0" smtClean="0"/>
+              <a:t>German-Lab Integration</a:t>
+            </a:r>
+            <a:endParaRPr lang="en-US" dirty="0"/>
+          </a:p>
+        </p:txBody>
+      </p:sp>
+      <p:sp>
+        <p:nvSpPr>
+          <p:cNvPr id="3" name="Content Placeholder 2"/>
+          <p:cNvSpPr>
+            <a:spLocks noGrp="1"/>
+          </p:cNvSpPr>
+          <p:nvPr>
+            <p:ph idx="1"/>
+          </p:nvPr>
+        </p:nvSpPr>
+        <p:spPr/>
+        <p:txBody>
+          <a:bodyPr/>
+          <a:lstStyle/>
+          <a:p>
+            <a:r>
+              <a:rPr lang="de-DE" dirty="0"/>
+              <a:t>Embedded in SIG </a:t>
+            </a:r>
+            <a:r>
+              <a:rPr lang="de-DE" dirty="0" err="1"/>
+              <a:t>Facility</a:t>
+            </a:r>
+            <a:endParaRPr lang="de-DE" dirty="0"/>
+          </a:p>
+          <a:p>
+            <a:pPr lvl="1"/>
+            <a:r>
+              <a:rPr lang="de-DE" dirty="0"/>
+              <a:t>But not </a:t>
+            </a:r>
+            <a:r>
+              <a:rPr lang="de-DE" dirty="0" err="1"/>
+              <a:t>bound</a:t>
+            </a:r>
+            <a:r>
+              <a:rPr lang="de-DE" dirty="0"/>
+              <a:t> </a:t>
+            </a:r>
+            <a:r>
+              <a:rPr lang="de-DE" dirty="0" err="1"/>
+              <a:t>to</a:t>
+            </a:r>
+            <a:r>
+              <a:rPr lang="de-DE" dirty="0"/>
+              <a:t> German-Lab</a:t>
+            </a:r>
+          </a:p>
+          <a:p>
+            <a:r>
+              <a:rPr lang="de-DE" dirty="0" smtClean="0"/>
+              <a:t>20 German-Lab </a:t>
+            </a:r>
+            <a:r>
+              <a:rPr lang="de-DE" dirty="0" err="1"/>
+              <a:t>hosts</a:t>
+            </a:r>
+            <a:r>
+              <a:rPr lang="de-DE" dirty="0"/>
+              <a:t> </a:t>
+            </a:r>
+            <a:r>
+              <a:rPr lang="de-DE" dirty="0" err="1" smtClean="0"/>
+              <a:t>already</a:t>
+            </a:r>
+            <a:r>
+              <a:rPr lang="de-DE" dirty="0" smtClean="0"/>
+              <a:t> </a:t>
+            </a:r>
+            <a:r>
+              <a:rPr lang="de-DE" dirty="0" err="1" smtClean="0"/>
+              <a:t>ToMaTo-enabled</a:t>
+            </a:r>
+            <a:endParaRPr lang="de-DE" dirty="0" smtClean="0"/>
+          </a:p>
+          <a:p>
+            <a:pPr lvl="1"/>
+            <a:r>
+              <a:rPr lang="de-DE" dirty="0" smtClean="0"/>
+              <a:t>Access via http://tomato.german-lab.de</a:t>
+            </a:r>
+          </a:p>
+          <a:p>
+            <a:r>
+              <a:rPr lang="de-DE" dirty="0" err="1" smtClean="0"/>
+              <a:t>Direct</a:t>
+            </a:r>
+            <a:r>
+              <a:rPr lang="de-DE" dirty="0" smtClean="0"/>
+              <a:t> </a:t>
+            </a:r>
+            <a:r>
+              <a:rPr lang="de-DE" dirty="0" err="1" smtClean="0"/>
+              <a:t>account</a:t>
+            </a:r>
+            <a:r>
+              <a:rPr lang="de-DE" dirty="0" smtClean="0"/>
+              <a:t> </a:t>
+            </a:r>
+            <a:r>
+              <a:rPr lang="de-DE" dirty="0" err="1" smtClean="0"/>
+              <a:t>integration</a:t>
+            </a:r>
+            <a:r>
+              <a:rPr lang="de-DE" dirty="0" smtClean="0"/>
+              <a:t> via LDAP</a:t>
+            </a:r>
+          </a:p>
+          <a:p>
+            <a:pPr lvl="1"/>
+            <a:r>
+              <a:rPr lang="de-DE" dirty="0" smtClean="0"/>
+              <a:t>All German-Lab </a:t>
+            </a:r>
+            <a:r>
+              <a:rPr lang="de-DE" dirty="0" err="1" smtClean="0"/>
+              <a:t>users</a:t>
+            </a:r>
+            <a:r>
+              <a:rPr lang="de-DE" dirty="0" smtClean="0"/>
+              <a:t> </a:t>
+            </a:r>
+            <a:r>
+              <a:rPr lang="de-DE" dirty="0" err="1" smtClean="0"/>
+              <a:t>can</a:t>
+            </a:r>
+            <a:r>
+              <a:rPr lang="de-DE" dirty="0" smtClean="0"/>
+              <a:t> </a:t>
+            </a:r>
+            <a:r>
+              <a:rPr lang="de-DE" dirty="0" err="1" smtClean="0"/>
+              <a:t>access</a:t>
+            </a:r>
+            <a:r>
+              <a:rPr lang="de-DE" dirty="0" smtClean="0"/>
+              <a:t> </a:t>
+            </a:r>
+            <a:r>
+              <a:rPr lang="de-DE" dirty="0" err="1" smtClean="0"/>
+              <a:t>ToMaTo</a:t>
+            </a:r>
+            <a:endParaRPr lang="de-DE" dirty="0" smtClean="0"/>
+          </a:p>
+          <a:p>
+            <a:r>
+              <a:rPr lang="de-DE" dirty="0" smtClean="0"/>
+              <a:t>Joint </a:t>
+            </a:r>
+            <a:r>
+              <a:rPr lang="de-DE" dirty="0" err="1" smtClean="0"/>
+              <a:t>development</a:t>
+            </a:r>
+            <a:endParaRPr lang="de-DE" dirty="0" smtClean="0"/>
+          </a:p>
+          <a:p>
+            <a:pPr lvl="1"/>
+            <a:r>
+              <a:rPr lang="de-DE" dirty="0" smtClean="0"/>
+              <a:t>Host </a:t>
+            </a:r>
+            <a:r>
+              <a:rPr lang="de-DE" dirty="0" err="1" smtClean="0"/>
+              <a:t>part</a:t>
+            </a:r>
+            <a:r>
+              <a:rPr lang="de-DE" dirty="0" smtClean="0"/>
+              <a:t>, Backend, Frontend</a:t>
+            </a:r>
+          </a:p>
+          <a:p>
+            <a:pPr lvl="2"/>
+            <a:r>
+              <a:rPr lang="de-DE" dirty="0" smtClean="0"/>
+              <a:t>University </a:t>
+            </a:r>
+            <a:r>
+              <a:rPr lang="de-DE" dirty="0" err="1" smtClean="0"/>
+              <a:t>of</a:t>
+            </a:r>
+            <a:r>
+              <a:rPr lang="de-DE" dirty="0" smtClean="0"/>
+              <a:t> Kaiserslautern (Dennis </a:t>
+            </a:r>
+            <a:r>
+              <a:rPr lang="de-DE" dirty="0" err="1" smtClean="0"/>
+              <a:t>Schwerdel</a:t>
+            </a:r>
+            <a:r>
+              <a:rPr lang="de-DE" dirty="0" smtClean="0"/>
+              <a:t>)</a:t>
+            </a:r>
+          </a:p>
+          <a:p>
+            <a:pPr lvl="1"/>
+            <a:r>
+              <a:rPr lang="de-DE" dirty="0" err="1" smtClean="0"/>
+              <a:t>Topology</a:t>
+            </a:r>
+            <a:r>
+              <a:rPr lang="de-DE" dirty="0" smtClean="0"/>
+              <a:t> </a:t>
+            </a:r>
+            <a:r>
+              <a:rPr lang="de-DE" dirty="0" err="1" smtClean="0"/>
+              <a:t>creator</a:t>
+            </a:r>
+            <a:r>
+              <a:rPr lang="de-DE" dirty="0" smtClean="0"/>
+              <a:t> (</a:t>
+            </a:r>
+            <a:r>
+              <a:rPr lang="de-DE" dirty="0" err="1" smtClean="0"/>
+              <a:t>part</a:t>
+            </a:r>
+            <a:r>
+              <a:rPr lang="de-DE" dirty="0" smtClean="0"/>
+              <a:t> </a:t>
+            </a:r>
+            <a:r>
+              <a:rPr lang="de-DE" dirty="0" err="1" smtClean="0"/>
+              <a:t>of</a:t>
+            </a:r>
+            <a:r>
+              <a:rPr lang="de-DE" dirty="0"/>
+              <a:t> </a:t>
+            </a:r>
+            <a:r>
+              <a:rPr lang="de-DE" dirty="0" err="1" smtClean="0"/>
+              <a:t>graphical</a:t>
+            </a:r>
+            <a:r>
+              <a:rPr lang="de-DE" dirty="0" smtClean="0"/>
+              <a:t> </a:t>
+            </a:r>
+            <a:r>
+              <a:rPr lang="de-DE" dirty="0" err="1" smtClean="0"/>
+              <a:t>editor</a:t>
+            </a:r>
+            <a:r>
+              <a:rPr lang="de-DE" dirty="0" smtClean="0"/>
+              <a:t>)</a:t>
+            </a:r>
+          </a:p>
+          <a:p>
+            <a:pPr lvl="2"/>
+            <a:r>
+              <a:rPr lang="de-DE" dirty="0" smtClean="0"/>
+              <a:t>University </a:t>
+            </a:r>
+            <a:r>
+              <a:rPr lang="de-DE" dirty="0" err="1" smtClean="0"/>
+              <a:t>of</a:t>
+            </a:r>
+            <a:r>
+              <a:rPr lang="de-DE" dirty="0" smtClean="0"/>
+              <a:t> Würzburg (</a:t>
+            </a:r>
+            <a:r>
+              <a:rPr lang="de-DE" dirty="0"/>
+              <a:t>David </a:t>
+            </a:r>
+            <a:r>
+              <a:rPr lang="de-DE" dirty="0" smtClean="0"/>
+              <a:t>Hock)</a:t>
+            </a:r>
+          </a:p>
+          <a:p>
+            <a:pPr lvl="1"/>
+            <a:r>
+              <a:rPr lang="de-DE" dirty="0" err="1" smtClean="0"/>
+              <a:t>Openflow</a:t>
+            </a:r>
+            <a:r>
+              <a:rPr lang="de-DE" dirty="0" smtClean="0"/>
+              <a:t> </a:t>
+            </a:r>
+            <a:r>
+              <a:rPr lang="de-DE" dirty="0" err="1" smtClean="0"/>
+              <a:t>integration</a:t>
+            </a:r>
+            <a:r>
+              <a:rPr lang="de-DE" dirty="0" smtClean="0"/>
+              <a:t> (</a:t>
+            </a:r>
+            <a:r>
+              <a:rPr lang="de-DE" dirty="0" err="1" smtClean="0"/>
+              <a:t>current</a:t>
+            </a:r>
+            <a:r>
+              <a:rPr lang="de-DE" dirty="0" smtClean="0"/>
+              <a:t>  </a:t>
+            </a:r>
+            <a:r>
+              <a:rPr lang="de-DE" dirty="0" err="1" smtClean="0"/>
+              <a:t>development</a:t>
+            </a:r>
+            <a:r>
+              <a:rPr lang="de-DE" dirty="0" smtClean="0"/>
+              <a:t>)</a:t>
+            </a:r>
+          </a:p>
+          <a:p>
+            <a:pPr lvl="2"/>
+            <a:r>
+              <a:rPr lang="de-DE" dirty="0" smtClean="0"/>
+              <a:t>University </a:t>
+            </a:r>
+            <a:r>
+              <a:rPr lang="de-DE" dirty="0" err="1" smtClean="0"/>
+              <a:t>of</a:t>
+            </a:r>
+            <a:r>
+              <a:rPr lang="de-DE" dirty="0" smtClean="0"/>
+              <a:t> Würzburg (Student </a:t>
+            </a:r>
+            <a:r>
+              <a:rPr lang="de-DE" dirty="0" err="1" smtClean="0"/>
+              <a:t>work</a:t>
+            </a:r>
+            <a:r>
+              <a:rPr lang="de-DE" dirty="0" smtClean="0"/>
+              <a:t>)</a:t>
+            </a:r>
+          </a:p>
+        </p:txBody>
+      </p:sp>
+    </p:spTree>
+    <p:extLst>
+      <p:ext uri="{BB962C8B-B14F-4D97-AF65-F5344CB8AC3E}">
+        <p14:creationId xmlns:p14="http://schemas.microsoft.com/office/powerpoint/2010/main" val="27409824"/>
       </p:ext>
     </p:extLst>
   </p:cSld>
@@ -6558,6 +7278,152 @@
 </p:sld>
 </file>
 
+<file path=ppt/slides/slide20.xml><?xml version="1.0" encoding="utf-8"?>
+<p:sld xmlns:a="http://schemas.openxmlformats.org/drawingml/2006/main" xmlns:r="http://schemas.openxmlformats.org/officeDocument/2006/relationships" xmlns:p="http://schemas.openxmlformats.org/presentationml/2006/main">
+  <p:cSld>
+    <p:spTree>
+      <p:nvGrpSpPr>
+        <p:cNvPr id="1" name=""/>
+        <p:cNvGrpSpPr/>
+        <p:nvPr/>
+      </p:nvGrpSpPr>
+      <p:grpSpPr>
+        <a:xfrm>
+          <a:off x="0" y="0"/>
+          <a:ext cx="0" cy="0"/>
+          <a:chOff x="0" y="0"/>
+          <a:chExt cx="0" cy="0"/>
+        </a:xfrm>
+      </p:grpSpPr>
+      <p:sp>
+        <p:nvSpPr>
+          <p:cNvPr id="3" name="Text Placeholder 2"/>
+          <p:cNvSpPr>
+            <a:spLocks noGrp="1"/>
+          </p:cNvSpPr>
+          <p:nvPr>
+            <p:ph type="body" sz="quarter" idx="10"/>
+          </p:nvPr>
+        </p:nvSpPr>
+        <p:spPr/>
+        <p:txBody>
+          <a:bodyPr/>
+          <a:lstStyle/>
+          <a:p>
+            <a:r>
+              <a:rPr lang="en-US" dirty="0" smtClean="0"/>
+              <a:t>Dipl.-Inf. </a:t>
+            </a:r>
+            <a:r>
+              <a:rPr lang="en-US" dirty="0" smtClean="0"/>
+              <a:t>Dennis </a:t>
+            </a:r>
+            <a:r>
+              <a:rPr lang="en-US" dirty="0" err="1" smtClean="0"/>
+              <a:t>Schwerdel</a:t>
+            </a:r>
+            <a:endParaRPr lang="en-US" dirty="0"/>
+          </a:p>
+        </p:txBody>
+      </p:sp>
+      <p:sp>
+        <p:nvSpPr>
+          <p:cNvPr id="4" name="Text Placeholder 3"/>
+          <p:cNvSpPr>
+            <a:spLocks noGrp="1"/>
+          </p:cNvSpPr>
+          <p:nvPr>
+            <p:ph type="body" sz="quarter" idx="11"/>
+          </p:nvPr>
+        </p:nvSpPr>
+        <p:spPr/>
+        <p:txBody>
+          <a:bodyPr/>
+          <a:lstStyle/>
+          <a:p>
+            <a:pPr lvl="0"/>
+            <a:r>
+              <a:rPr lang="de-DE" dirty="0" smtClean="0"/>
+              <a:t>Phone:	+49 (0)631 </a:t>
+            </a:r>
+            <a:r>
+              <a:rPr lang="de-DE" dirty="0" smtClean="0"/>
+              <a:t>205-26 43</a:t>
+            </a:r>
+            <a:endParaRPr lang="de-DE" dirty="0" smtClean="0"/>
+          </a:p>
+          <a:p>
+            <a:pPr lvl="0"/>
+            <a:r>
+              <a:rPr lang="de-DE" dirty="0"/>
+              <a:t>F</a:t>
+            </a:r>
+            <a:r>
+              <a:rPr lang="de-DE" dirty="0" smtClean="0"/>
+              <a:t>ax:	+49 (0)631 205-30 56</a:t>
+            </a:r>
+            <a:endParaRPr lang="de-DE" dirty="0"/>
+          </a:p>
+        </p:txBody>
+      </p:sp>
+      <p:sp>
+        <p:nvSpPr>
+          <p:cNvPr id="2" name="Text Placeholder 1"/>
+          <p:cNvSpPr>
+            <a:spLocks noGrp="1"/>
+          </p:cNvSpPr>
+          <p:nvPr>
+            <p:ph type="body" sz="quarter" idx="12"/>
+          </p:nvPr>
+        </p:nvSpPr>
+        <p:spPr/>
+        <p:txBody>
+          <a:bodyPr/>
+          <a:lstStyle/>
+          <a:p>
+            <a:r>
+              <a:rPr lang="de-DE" dirty="0" smtClean="0"/>
+              <a:t>Email:	</a:t>
+            </a:r>
+            <a:r>
+              <a:rPr lang="de-DE" dirty="0" smtClean="0"/>
+              <a:t>schwerdel</a:t>
+            </a:r>
+            <a:r>
+              <a:rPr lang="de-DE" dirty="0" smtClean="0"/>
+              <a:t>@informatik.uni-kl.de</a:t>
+            </a:r>
+            <a:endParaRPr lang="de-DE" dirty="0" smtClean="0"/>
+          </a:p>
+          <a:p>
+            <a:r>
+              <a:rPr lang="de-DE" dirty="0" smtClean="0"/>
+              <a:t>Internet:	http://www.icsy.de</a:t>
+            </a:r>
+            <a:endParaRPr lang="de-DE" dirty="0"/>
+          </a:p>
+        </p:txBody>
+      </p:sp>
+    </p:spTree>
+    <p:extLst>
+      <p:ext uri="{BB962C8B-B14F-4D97-AF65-F5344CB8AC3E}">
+        <p14:creationId xmlns:p14="http://schemas.microsoft.com/office/powerpoint/2010/main" val="4000082107"/>
+      </p:ext>
+    </p:extLst>
+  </p:cSld>
+  <p:clrMapOvr>
+    <a:masterClrMapping/>
+  </p:clrMapOvr>
+  <p:timing>
+    <p:tnLst>
+      <p:par>
+        <p:cTn id="1" dur="indefinite" restart="never" nodeType="tmRoot"/>
+      </p:par>
+    </p:tnLst>
+  </p:timing>
+</p:sld>
+</file>
+
 <file path=ppt/slides/slide3.xml><?xml version="1.0" encoding="utf-8"?>
 <p:sld xmlns:a="http://schemas.openxmlformats.org/drawingml/2006/main" xmlns:r="http://schemas.openxmlformats.org/officeDocument/2006/relationships" xmlns:p="http://schemas.openxmlformats.org/presentationml/2006/main">
   <p:cSld>
@@ -7114,10 +7980,133 @@
   <p:clrMapOvr>
     <a:masterClrMapping/>
   </p:clrMapOvr>
+  <p:timing>
+    <p:tnLst>
+      <p:par>
+        <p:cTn id="1" dur="indefinite" restart="never" nodeType="tmRoot"/>
+      </p:par>
+    </p:tnLst>
+  </p:timing>
 </p:sld>
 </file>
 
 <file path=ppt/slides/slide4.xml><?xml version="1.0" encoding="utf-8"?>
+<p:sld xmlns:a="http://schemas.openxmlformats.org/drawingml/2006/main" xmlns:r="http://schemas.openxmlformats.org/officeDocument/2006/relationships" xmlns:p="http://schemas.openxmlformats.org/presentationml/2006/main">
+  <p:cSld>
+    <p:spTree>
+      <p:nvGrpSpPr>
+        <p:cNvPr id="1" name=""/>
+        <p:cNvGrpSpPr/>
+        <p:nvPr/>
+      </p:nvGrpSpPr>
+      <p:grpSpPr>
+        <a:xfrm>
+          <a:off x="0" y="0"/>
+          <a:ext cx="0" cy="0"/>
+          <a:chOff x="0" y="0"/>
+          <a:chExt cx="0" cy="0"/>
+        </a:xfrm>
+      </p:grpSpPr>
+      <p:sp>
+        <p:nvSpPr>
+          <p:cNvPr id="4" name="Text Placeholder 3"/>
+          <p:cNvSpPr>
+            <a:spLocks noGrp="1"/>
+          </p:cNvSpPr>
+          <p:nvPr>
+            <p:ph type="body" sz="quarter" idx="10"/>
+          </p:nvPr>
+        </p:nvSpPr>
+        <p:spPr/>
+        <p:txBody>
+          <a:bodyPr/>
+          <a:lstStyle/>
+          <a:p>
+            <a:r>
+              <a:rPr lang="de-DE" dirty="0" err="1" smtClean="0"/>
+              <a:t>Architecture</a:t>
+            </a:r>
+            <a:endParaRPr lang="de-DE" dirty="0" smtClean="0"/>
+          </a:p>
+          <a:p>
+            <a:r>
+              <a:rPr lang="de-DE" dirty="0" smtClean="0"/>
+              <a:t>Devices</a:t>
+            </a:r>
+          </a:p>
+          <a:p>
+            <a:r>
+              <a:rPr lang="de-DE" dirty="0" err="1" smtClean="0"/>
+              <a:t>Connectors</a:t>
+            </a:r>
+            <a:endParaRPr lang="de-DE" dirty="0" smtClean="0"/>
+          </a:p>
+          <a:p>
+            <a:r>
+              <a:rPr lang="de-DE" dirty="0" smtClean="0"/>
+              <a:t>Features</a:t>
+            </a:r>
+          </a:p>
+          <a:p>
+            <a:r>
+              <a:rPr lang="de-DE" dirty="0" err="1" smtClean="0"/>
+              <a:t>Graphical</a:t>
+            </a:r>
+            <a:r>
+              <a:rPr lang="de-DE" dirty="0" smtClean="0"/>
+              <a:t> </a:t>
+            </a:r>
+            <a:r>
+              <a:rPr lang="de-DE" dirty="0" err="1" smtClean="0"/>
+              <a:t>editor</a:t>
+            </a:r>
+            <a:endParaRPr lang="de-DE" dirty="0" smtClean="0"/>
+          </a:p>
+          <a:p>
+            <a:endParaRPr lang="de-DE" dirty="0" smtClean="0"/>
+          </a:p>
+          <a:p>
+            <a:endParaRPr lang="en-US" dirty="0"/>
+          </a:p>
+        </p:txBody>
+      </p:sp>
+      <p:sp>
+        <p:nvSpPr>
+          <p:cNvPr id="5" name="Text Placeholder 4"/>
+          <p:cNvSpPr>
+            <a:spLocks noGrp="1"/>
+          </p:cNvSpPr>
+          <p:nvPr>
+            <p:ph type="body" sz="quarter" idx="11"/>
+          </p:nvPr>
+        </p:nvSpPr>
+        <p:spPr/>
+        <p:txBody>
+          <a:bodyPr/>
+          <a:lstStyle/>
+          <a:p>
+            <a:r>
+              <a:rPr lang="de-DE" dirty="0" err="1" smtClean="0"/>
+              <a:t>ToMaTo</a:t>
+            </a:r>
+            <a:endParaRPr lang="en-US" dirty="0"/>
+          </a:p>
+        </p:txBody>
+      </p:sp>
+    </p:spTree>
+    <p:extLst>
+      <p:ext uri="{BB962C8B-B14F-4D97-AF65-F5344CB8AC3E}">
+        <p14:creationId xmlns:p14="http://schemas.microsoft.com/office/powerpoint/2010/main" val="117539131"/>
+      </p:ext>
+    </p:extLst>
+  </p:cSld>
+  <p:clrMapOvr>
+    <a:masterClrMapping/>
+  </p:clrMapOvr>
+</p:sld>
+</file>
+
+<file path=ppt/slides/slide5.xml><?xml version="1.0" encoding="utf-8"?>
 <p:sld xmlns:a="http://schemas.openxmlformats.org/drawingml/2006/main" xmlns:r="http://schemas.openxmlformats.org/officeDocument/2006/relationships" xmlns:p="http://schemas.openxmlformats.org/presentationml/2006/main">
   <p:cSld>
     <p:spTree>
@@ -7397,10 +8386,17 @@
   <p:clrMapOvr>
     <a:masterClrMapping/>
   </p:clrMapOvr>
+  <p:timing>
+    <p:tnLst>
+      <p:par>
+        <p:cTn id="1" dur="indefinite" restart="never" nodeType="tmRoot"/>
+      </p:par>
+    </p:tnLst>
+  </p:timing>
 </p:sld>
 </file>
 
-<file path=ppt/slides/slide5.xml><?xml version="1.0" encoding="utf-8"?>
+<file path=ppt/slides/slide6.xml><?xml version="1.0" encoding="utf-8"?>
 <p:sld xmlns:a="http://schemas.openxmlformats.org/drawingml/2006/main" xmlns:r="http://schemas.openxmlformats.org/officeDocument/2006/relationships" xmlns:p="http://schemas.openxmlformats.org/presentationml/2006/main">
   <p:cSld>
     <p:spTree>
@@ -7801,330 +8797,13 @@
   <p:clrMapOvr>
     <a:masterClrMapping/>
   </p:clrMapOvr>
-</p:sld>
-</file>
-
-<file path=ppt/slides/slide6.xml><?xml version="1.0" encoding="utf-8"?>
-<p:sld xmlns:a="http://schemas.openxmlformats.org/drawingml/2006/main" xmlns:r="http://schemas.openxmlformats.org/officeDocument/2006/relationships" xmlns:p="http://schemas.openxmlformats.org/presentationml/2006/main">
-  <p:cSld>
-    <p:spTree>
-      <p:nvGrpSpPr>
-        <p:cNvPr id="1" name=""/>
-        <p:cNvGrpSpPr/>
-        <p:nvPr/>
-      </p:nvGrpSpPr>
-      <p:grpSpPr>
-        <a:xfrm>
-          <a:off x="0" y="0"/>
-          <a:ext cx="0" cy="0"/>
-          <a:chOff x="0" y="0"/>
-          <a:chExt cx="0" cy="0"/>
-        </a:xfrm>
-      </p:grpSpPr>
-      <p:sp>
-        <p:nvSpPr>
-          <p:cNvPr id="2" name="Title 1"/>
-          <p:cNvSpPr>
-            <a:spLocks noGrp="1"/>
-          </p:cNvSpPr>
-          <p:nvPr>
-            <p:ph type="title"/>
-          </p:nvPr>
-        </p:nvSpPr>
-        <p:spPr/>
-        <p:txBody>
-          <a:bodyPr/>
-          <a:lstStyle/>
-          <a:p>
-            <a:r>
-              <a:rPr lang="de-DE" dirty="0" err="1" smtClean="0"/>
-              <a:t>ToMaTo</a:t>
-            </a:r>
-            <a:r>
-              <a:rPr lang="de-DE" dirty="0"/>
-              <a:t> </a:t>
-            </a:r>
-            <a:r>
-              <a:rPr lang="de-DE" dirty="0" smtClean="0"/>
-              <a:t>- Devices</a:t>
-            </a:r>
-            <a:endParaRPr lang="en-US" dirty="0"/>
-          </a:p>
-        </p:txBody>
-      </p:sp>
-      <p:sp>
-        <p:nvSpPr>
-          <p:cNvPr id="3" name="Content Placeholder 2"/>
-          <p:cNvSpPr>
-            <a:spLocks noGrp="1"/>
-          </p:cNvSpPr>
-          <p:nvPr>
-            <p:ph idx="1"/>
-          </p:nvPr>
-        </p:nvSpPr>
-        <p:spPr/>
-        <p:txBody>
-          <a:bodyPr>
-            <a:normAutofit/>
-          </a:bodyPr>
-          <a:lstStyle/>
-          <a:p>
-            <a:r>
-              <a:rPr lang="de-DE" dirty="0" smtClean="0"/>
-              <a:t>KVM</a:t>
-            </a:r>
-          </a:p>
-          <a:p>
-            <a:pPr lvl="1"/>
-            <a:r>
-              <a:rPr lang="de-DE" dirty="0" err="1" smtClean="0"/>
-              <a:t>Full</a:t>
-            </a:r>
-            <a:r>
-              <a:rPr lang="de-DE" dirty="0" smtClean="0"/>
-              <a:t> </a:t>
-            </a:r>
-            <a:r>
-              <a:rPr lang="de-DE" dirty="0" err="1" smtClean="0"/>
-              <a:t>virtualization</a:t>
-            </a:r>
-            <a:endParaRPr lang="de-DE" dirty="0" smtClean="0"/>
-          </a:p>
-          <a:p>
-            <a:pPr lvl="1"/>
-            <a:r>
-              <a:rPr lang="de-DE" dirty="0" err="1" smtClean="0"/>
-              <a:t>Offers</a:t>
-            </a:r>
-            <a:r>
-              <a:rPr lang="de-DE" dirty="0" smtClean="0"/>
-              <a:t> </a:t>
-            </a:r>
-            <a:r>
-              <a:rPr lang="de-DE" dirty="0" err="1" smtClean="0"/>
-              <a:t>full</a:t>
-            </a:r>
-            <a:r>
-              <a:rPr lang="de-DE" dirty="0" smtClean="0"/>
-              <a:t> </a:t>
-            </a:r>
-            <a:r>
-              <a:rPr lang="de-DE" dirty="0" err="1" smtClean="0"/>
-              <a:t>access</a:t>
-            </a:r>
-            <a:endParaRPr lang="de-DE" dirty="0" smtClean="0"/>
-          </a:p>
-          <a:p>
-            <a:r>
-              <a:rPr lang="de-DE" dirty="0" err="1" smtClean="0"/>
-              <a:t>OpenVZ</a:t>
-            </a:r>
-            <a:endParaRPr lang="de-DE" dirty="0" smtClean="0"/>
-          </a:p>
-          <a:p>
-            <a:pPr lvl="1"/>
-            <a:r>
-              <a:rPr lang="de-DE" dirty="0" smtClean="0"/>
-              <a:t>Container </a:t>
-            </a:r>
-            <a:r>
-              <a:rPr lang="de-DE" dirty="0" err="1" smtClean="0"/>
-              <a:t>virtualization</a:t>
-            </a:r>
-            <a:endParaRPr lang="de-DE" dirty="0" smtClean="0"/>
-          </a:p>
-          <a:p>
-            <a:pPr lvl="1"/>
-            <a:r>
-              <a:rPr lang="de-DE" dirty="0" smtClean="0"/>
-              <a:t>Lightweight, </a:t>
-            </a:r>
-            <a:r>
-              <a:rPr lang="de-DE" dirty="0" err="1" smtClean="0"/>
-              <a:t>uses</a:t>
-            </a:r>
-            <a:r>
-              <a:rPr lang="de-DE" dirty="0" smtClean="0"/>
-              <a:t> </a:t>
-            </a:r>
-            <a:r>
-              <a:rPr lang="de-DE" dirty="0" err="1" smtClean="0"/>
-              <a:t>less</a:t>
-            </a:r>
-            <a:r>
-              <a:rPr lang="de-DE" dirty="0" smtClean="0"/>
-              <a:t> </a:t>
-            </a:r>
-            <a:r>
-              <a:rPr lang="de-DE" dirty="0" err="1" smtClean="0"/>
-              <a:t>resources</a:t>
-            </a:r>
-            <a:endParaRPr lang="de-DE" dirty="0" smtClean="0"/>
-          </a:p>
-          <a:p>
-            <a:pPr lvl="1"/>
-            <a:r>
-              <a:rPr lang="de-DE" dirty="0" err="1" smtClean="0"/>
-              <a:t>Easier</a:t>
-            </a:r>
-            <a:r>
-              <a:rPr lang="de-DE" dirty="0" smtClean="0"/>
-              <a:t> </a:t>
-            </a:r>
-            <a:r>
-              <a:rPr lang="de-DE" dirty="0" err="1" smtClean="0"/>
-              <a:t>to</a:t>
-            </a:r>
-            <a:r>
-              <a:rPr lang="de-DE" dirty="0" smtClean="0"/>
-              <a:t> </a:t>
-            </a:r>
-            <a:r>
-              <a:rPr lang="de-DE" dirty="0" err="1" smtClean="0"/>
-              <a:t>access</a:t>
-            </a:r>
-            <a:endParaRPr lang="de-DE" dirty="0" smtClean="0"/>
-          </a:p>
-          <a:p>
-            <a:r>
-              <a:rPr lang="de-DE" dirty="0" smtClean="0"/>
-              <a:t>Templates</a:t>
-            </a:r>
-          </a:p>
-          <a:p>
-            <a:pPr lvl="1"/>
-            <a:r>
-              <a:rPr lang="de-DE" dirty="0" err="1" smtClean="0"/>
-              <a:t>Preinstalled</a:t>
-            </a:r>
-            <a:r>
-              <a:rPr lang="de-DE" dirty="0" smtClean="0"/>
-              <a:t> </a:t>
-            </a:r>
-            <a:r>
-              <a:rPr lang="de-DE" dirty="0" err="1" smtClean="0"/>
-              <a:t>device</a:t>
-            </a:r>
-            <a:r>
-              <a:rPr lang="de-DE" dirty="0" smtClean="0"/>
-              <a:t> </a:t>
-            </a:r>
-            <a:r>
-              <a:rPr lang="de-DE" dirty="0" err="1" smtClean="0"/>
-              <a:t>images</a:t>
-            </a:r>
-            <a:r>
-              <a:rPr lang="de-DE" dirty="0" smtClean="0"/>
-              <a:t>, </a:t>
-            </a:r>
-            <a:r>
-              <a:rPr lang="de-DE" dirty="0" err="1" smtClean="0"/>
-              <a:t>ready</a:t>
-            </a:r>
-            <a:r>
-              <a:rPr lang="de-DE" dirty="0" smtClean="0"/>
-              <a:t> </a:t>
-            </a:r>
-            <a:r>
-              <a:rPr lang="de-DE" dirty="0" err="1" smtClean="0"/>
-              <a:t>to</a:t>
-            </a:r>
-            <a:r>
-              <a:rPr lang="de-DE" dirty="0" smtClean="0"/>
-              <a:t> </a:t>
-            </a:r>
-            <a:r>
-              <a:rPr lang="de-DE" dirty="0" err="1" smtClean="0"/>
-              <a:t>use</a:t>
-            </a:r>
-            <a:endParaRPr lang="de-DE" dirty="0" smtClean="0"/>
-          </a:p>
-          <a:p>
-            <a:pPr lvl="1"/>
-            <a:r>
-              <a:rPr lang="de-DE" dirty="0" err="1" smtClean="0"/>
-              <a:t>Current</a:t>
-            </a:r>
-            <a:r>
-              <a:rPr lang="de-DE" dirty="0" smtClean="0"/>
-              <a:t> </a:t>
-            </a:r>
-            <a:r>
-              <a:rPr lang="de-DE" dirty="0" err="1" smtClean="0"/>
-              <a:t>versions</a:t>
-            </a:r>
-            <a:r>
-              <a:rPr lang="de-DE" dirty="0" smtClean="0"/>
-              <a:t> </a:t>
-            </a:r>
-            <a:r>
-              <a:rPr lang="de-DE" dirty="0" err="1" smtClean="0"/>
-              <a:t>of</a:t>
-            </a:r>
-            <a:r>
-              <a:rPr lang="de-DE" dirty="0" smtClean="0"/>
-              <a:t> Debian </a:t>
-            </a:r>
-            <a:r>
-              <a:rPr lang="de-DE" dirty="0" err="1" smtClean="0"/>
-              <a:t>and</a:t>
-            </a:r>
-            <a:r>
-              <a:rPr lang="de-DE" dirty="0" smtClean="0"/>
-              <a:t> </a:t>
-            </a:r>
-            <a:r>
-              <a:rPr lang="de-DE" dirty="0" err="1" smtClean="0"/>
-              <a:t>Ubuntu</a:t>
-            </a:r>
-            <a:r>
-              <a:rPr lang="de-DE" dirty="0" smtClean="0"/>
-              <a:t> Linux (32 </a:t>
-            </a:r>
-            <a:r>
-              <a:rPr lang="de-DE" dirty="0" err="1" smtClean="0"/>
-              <a:t>and</a:t>
-            </a:r>
-            <a:r>
-              <a:rPr lang="de-DE" dirty="0" smtClean="0"/>
-              <a:t> 64 </a:t>
-            </a:r>
-            <a:r>
-              <a:rPr lang="de-DE" dirty="0" err="1" smtClean="0"/>
-              <a:t>bits</a:t>
-            </a:r>
-            <a:r>
-              <a:rPr lang="de-DE" dirty="0" smtClean="0"/>
-              <a:t>)</a:t>
-            </a:r>
-          </a:p>
-          <a:p>
-            <a:pPr lvl="1"/>
-            <a:r>
-              <a:rPr lang="de-DE" dirty="0" smtClean="0"/>
-              <a:t>FreeBSD (</a:t>
-            </a:r>
-            <a:r>
-              <a:rPr lang="de-DE" dirty="0" err="1" smtClean="0"/>
-              <a:t>only</a:t>
-            </a:r>
-            <a:r>
-              <a:rPr lang="de-DE" dirty="0" smtClean="0"/>
-              <a:t> KVM)</a:t>
-            </a:r>
-          </a:p>
-        </p:txBody>
-      </p:sp>
-    </p:spTree>
-    <p:extLst>
-      <p:ext uri="{BB962C8B-B14F-4D97-AF65-F5344CB8AC3E}">
-        <p14:creationId xmlns:p14="http://schemas.microsoft.com/office/powerpoint/2010/main" val="3485713865"/>
-      </p:ext>
-    </p:extLst>
-  </p:cSld>
-  <p:clrMapOvr>
-    <a:masterClrMapping/>
-  </p:clrMapOvr>
+  <p:timing>
+    <p:tnLst>
+      <p:par>
+        <p:cTn id="1" dur="indefinite" restart="never" nodeType="tmRoot"/>
+      </p:par>
+    </p:tnLst>
+  </p:timing>
 </p:sld>
 </file>
 
@@ -8165,6 +8844,337 @@
               <a:t>ToMaTo</a:t>
             </a:r>
             <a:r>
+              <a:rPr lang="de-DE" dirty="0"/>
+              <a:t> </a:t>
+            </a:r>
+            <a:r>
+              <a:rPr lang="de-DE" dirty="0" smtClean="0"/>
+              <a:t>- Devices</a:t>
+            </a:r>
+            <a:endParaRPr lang="en-US" dirty="0"/>
+          </a:p>
+        </p:txBody>
+      </p:sp>
+      <p:sp>
+        <p:nvSpPr>
+          <p:cNvPr id="3" name="Content Placeholder 2"/>
+          <p:cNvSpPr>
+            <a:spLocks noGrp="1"/>
+          </p:cNvSpPr>
+          <p:nvPr>
+            <p:ph idx="1"/>
+          </p:nvPr>
+        </p:nvSpPr>
+        <p:spPr/>
+        <p:txBody>
+          <a:bodyPr>
+            <a:normAutofit/>
+          </a:bodyPr>
+          <a:lstStyle/>
+          <a:p>
+            <a:r>
+              <a:rPr lang="de-DE" dirty="0" smtClean="0"/>
+              <a:t>KVM</a:t>
+            </a:r>
+          </a:p>
+          <a:p>
+            <a:pPr lvl="1"/>
+            <a:r>
+              <a:rPr lang="de-DE" dirty="0" err="1" smtClean="0"/>
+              <a:t>Full</a:t>
+            </a:r>
+            <a:r>
+              <a:rPr lang="de-DE" dirty="0" smtClean="0"/>
+              <a:t> </a:t>
+            </a:r>
+            <a:r>
+              <a:rPr lang="de-DE" dirty="0" err="1" smtClean="0"/>
+              <a:t>virtualization</a:t>
+            </a:r>
+            <a:endParaRPr lang="de-DE" dirty="0" smtClean="0"/>
+          </a:p>
+          <a:p>
+            <a:pPr lvl="1"/>
+            <a:r>
+              <a:rPr lang="de-DE" dirty="0" err="1" smtClean="0"/>
+              <a:t>Offers</a:t>
+            </a:r>
+            <a:r>
+              <a:rPr lang="de-DE" dirty="0" smtClean="0"/>
+              <a:t> </a:t>
+            </a:r>
+            <a:r>
+              <a:rPr lang="de-DE" dirty="0" err="1" smtClean="0"/>
+              <a:t>full</a:t>
+            </a:r>
+            <a:r>
+              <a:rPr lang="de-DE" dirty="0" smtClean="0"/>
+              <a:t> </a:t>
+            </a:r>
+            <a:r>
+              <a:rPr lang="de-DE" dirty="0" err="1" smtClean="0"/>
+              <a:t>access</a:t>
+            </a:r>
+            <a:endParaRPr lang="de-DE" dirty="0" smtClean="0"/>
+          </a:p>
+          <a:p>
+            <a:r>
+              <a:rPr lang="de-DE" dirty="0" err="1" smtClean="0"/>
+              <a:t>OpenVZ</a:t>
+            </a:r>
+            <a:endParaRPr lang="de-DE" dirty="0" smtClean="0"/>
+          </a:p>
+          <a:p>
+            <a:pPr lvl="1"/>
+            <a:r>
+              <a:rPr lang="de-DE" dirty="0" smtClean="0"/>
+              <a:t>Container </a:t>
+            </a:r>
+            <a:r>
+              <a:rPr lang="de-DE" dirty="0" err="1" smtClean="0"/>
+              <a:t>virtualization</a:t>
+            </a:r>
+            <a:endParaRPr lang="de-DE" dirty="0" smtClean="0"/>
+          </a:p>
+          <a:p>
+            <a:pPr lvl="1"/>
+            <a:r>
+              <a:rPr lang="de-DE" dirty="0" smtClean="0"/>
+              <a:t>Lightweight, </a:t>
+            </a:r>
+            <a:r>
+              <a:rPr lang="de-DE" dirty="0" err="1" smtClean="0"/>
+              <a:t>uses</a:t>
+            </a:r>
+            <a:r>
+              <a:rPr lang="de-DE" dirty="0" smtClean="0"/>
+              <a:t> </a:t>
+            </a:r>
+            <a:r>
+              <a:rPr lang="de-DE" dirty="0" err="1" smtClean="0"/>
+              <a:t>less</a:t>
+            </a:r>
+            <a:r>
+              <a:rPr lang="de-DE" dirty="0" smtClean="0"/>
+              <a:t> </a:t>
+            </a:r>
+            <a:r>
+              <a:rPr lang="de-DE" dirty="0" err="1" smtClean="0"/>
+              <a:t>resources</a:t>
+            </a:r>
+            <a:endParaRPr lang="de-DE" dirty="0" smtClean="0"/>
+          </a:p>
+          <a:p>
+            <a:pPr lvl="1"/>
+            <a:r>
+              <a:rPr lang="de-DE" dirty="0" err="1" smtClean="0"/>
+              <a:t>Easier</a:t>
+            </a:r>
+            <a:r>
+              <a:rPr lang="de-DE" dirty="0" smtClean="0"/>
+              <a:t> </a:t>
+            </a:r>
+            <a:r>
+              <a:rPr lang="de-DE" dirty="0" err="1" smtClean="0"/>
+              <a:t>to</a:t>
+            </a:r>
+            <a:r>
+              <a:rPr lang="de-DE" dirty="0" smtClean="0"/>
+              <a:t> </a:t>
+            </a:r>
+            <a:r>
+              <a:rPr lang="de-DE" dirty="0" err="1" smtClean="0"/>
+              <a:t>access</a:t>
+            </a:r>
+            <a:endParaRPr lang="de-DE" dirty="0" smtClean="0"/>
+          </a:p>
+          <a:p>
+            <a:r>
+              <a:rPr lang="de-DE" dirty="0" smtClean="0"/>
+              <a:t>Templates</a:t>
+            </a:r>
+          </a:p>
+          <a:p>
+            <a:pPr lvl="1"/>
+            <a:r>
+              <a:rPr lang="de-DE" dirty="0" err="1" smtClean="0"/>
+              <a:t>Preinstalled</a:t>
+            </a:r>
+            <a:r>
+              <a:rPr lang="de-DE" dirty="0" smtClean="0"/>
+              <a:t> </a:t>
+            </a:r>
+            <a:r>
+              <a:rPr lang="de-DE" dirty="0" err="1" smtClean="0"/>
+              <a:t>device</a:t>
+            </a:r>
+            <a:r>
+              <a:rPr lang="de-DE" dirty="0" smtClean="0"/>
+              <a:t> </a:t>
+            </a:r>
+            <a:r>
+              <a:rPr lang="de-DE" dirty="0" err="1" smtClean="0"/>
+              <a:t>images</a:t>
+            </a:r>
+            <a:r>
+              <a:rPr lang="de-DE" dirty="0" smtClean="0"/>
+              <a:t>, </a:t>
+            </a:r>
+            <a:r>
+              <a:rPr lang="de-DE" dirty="0" err="1" smtClean="0"/>
+              <a:t>ready</a:t>
+            </a:r>
+            <a:r>
+              <a:rPr lang="de-DE" dirty="0" smtClean="0"/>
+              <a:t> </a:t>
+            </a:r>
+            <a:r>
+              <a:rPr lang="de-DE" dirty="0" err="1" smtClean="0"/>
+              <a:t>to</a:t>
+            </a:r>
+            <a:r>
+              <a:rPr lang="de-DE" dirty="0" smtClean="0"/>
+              <a:t> </a:t>
+            </a:r>
+            <a:r>
+              <a:rPr lang="de-DE" dirty="0" err="1" smtClean="0"/>
+              <a:t>use</a:t>
+            </a:r>
+            <a:endParaRPr lang="de-DE" dirty="0" smtClean="0"/>
+          </a:p>
+          <a:p>
+            <a:pPr lvl="1"/>
+            <a:r>
+              <a:rPr lang="de-DE" dirty="0" err="1" smtClean="0"/>
+              <a:t>Current</a:t>
+            </a:r>
+            <a:r>
+              <a:rPr lang="de-DE" dirty="0" smtClean="0"/>
+              <a:t> </a:t>
+            </a:r>
+            <a:r>
+              <a:rPr lang="de-DE" dirty="0" err="1" smtClean="0"/>
+              <a:t>versions</a:t>
+            </a:r>
+            <a:r>
+              <a:rPr lang="de-DE" dirty="0" smtClean="0"/>
+              <a:t> </a:t>
+            </a:r>
+            <a:r>
+              <a:rPr lang="de-DE" dirty="0" err="1" smtClean="0"/>
+              <a:t>of</a:t>
+            </a:r>
+            <a:r>
+              <a:rPr lang="de-DE" dirty="0" smtClean="0"/>
+              <a:t> Debian </a:t>
+            </a:r>
+            <a:r>
+              <a:rPr lang="de-DE" dirty="0" err="1" smtClean="0"/>
+              <a:t>and</a:t>
+            </a:r>
+            <a:r>
+              <a:rPr lang="de-DE" dirty="0" smtClean="0"/>
+              <a:t> </a:t>
+            </a:r>
+            <a:r>
+              <a:rPr lang="de-DE" dirty="0" err="1" smtClean="0"/>
+              <a:t>Ubuntu</a:t>
+            </a:r>
+            <a:r>
+              <a:rPr lang="de-DE" dirty="0" smtClean="0"/>
+              <a:t> Linux (32 </a:t>
+            </a:r>
+            <a:r>
+              <a:rPr lang="de-DE" dirty="0" err="1" smtClean="0"/>
+              <a:t>and</a:t>
+            </a:r>
+            <a:r>
+              <a:rPr lang="de-DE" dirty="0" smtClean="0"/>
+              <a:t> 64 </a:t>
+            </a:r>
+            <a:r>
+              <a:rPr lang="de-DE" dirty="0" err="1" smtClean="0"/>
+              <a:t>bits</a:t>
+            </a:r>
+            <a:r>
+              <a:rPr lang="de-DE" dirty="0" smtClean="0"/>
+              <a:t>)</a:t>
+            </a:r>
+          </a:p>
+          <a:p>
+            <a:pPr lvl="1"/>
+            <a:r>
+              <a:rPr lang="de-DE" dirty="0" smtClean="0"/>
+              <a:t>FreeBSD (</a:t>
+            </a:r>
+            <a:r>
+              <a:rPr lang="de-DE" dirty="0" err="1" smtClean="0"/>
+              <a:t>only</a:t>
+            </a:r>
+            <a:r>
+              <a:rPr lang="de-DE" dirty="0" smtClean="0"/>
+              <a:t> KVM)</a:t>
+            </a:r>
+          </a:p>
+        </p:txBody>
+      </p:sp>
+    </p:spTree>
+    <p:extLst>
+      <p:ext uri="{BB962C8B-B14F-4D97-AF65-F5344CB8AC3E}">
+        <p14:creationId xmlns:p14="http://schemas.microsoft.com/office/powerpoint/2010/main" val="3485713865"/>
+      </p:ext>
+    </p:extLst>
+  </p:cSld>
+  <p:clrMapOvr>
+    <a:masterClrMapping/>
+  </p:clrMapOvr>
+  <p:timing>
+    <p:tnLst>
+      <p:par>
+        <p:cTn id="1" dur="indefinite" restart="never" nodeType="tmRoot"/>
+      </p:par>
+    </p:tnLst>
+  </p:timing>
+</p:sld>
+</file>
+
+<file path=ppt/slides/slide8.xml><?xml version="1.0" encoding="utf-8"?>
+<p:sld xmlns:a="http://schemas.openxmlformats.org/drawingml/2006/main" xmlns:r="http://schemas.openxmlformats.org/officeDocument/2006/relationships" xmlns:p="http://schemas.openxmlformats.org/presentationml/2006/main">
+  <p:cSld>
+    <p:spTree>
+      <p:nvGrpSpPr>
+        <p:cNvPr id="1" name=""/>
+        <p:cNvGrpSpPr/>
+        <p:nvPr/>
+      </p:nvGrpSpPr>
+      <p:grpSpPr>
+        <a:xfrm>
+          <a:off x="0" y="0"/>
+          <a:ext cx="0" cy="0"/>
+          <a:chOff x="0" y="0"/>
+          <a:chExt cx="0" cy="0"/>
+        </a:xfrm>
+      </p:grpSpPr>
+      <p:sp>
+        <p:nvSpPr>
+          <p:cNvPr id="2" name="Title 1"/>
+          <p:cNvSpPr>
+            <a:spLocks noGrp="1"/>
+          </p:cNvSpPr>
+          <p:nvPr>
+            <p:ph type="title"/>
+          </p:nvPr>
+        </p:nvSpPr>
+        <p:spPr/>
+        <p:txBody>
+          <a:bodyPr/>
+          <a:lstStyle/>
+          <a:p>
+            <a:r>
+              <a:rPr lang="de-DE" dirty="0" err="1" smtClean="0"/>
+              <a:t>ToMaTo</a:t>
+            </a:r>
+            <a:r>
               <a:rPr lang="de-DE" dirty="0" smtClean="0"/>
               <a:t> - </a:t>
             </a:r>
@@ -8577,10 +9587,17 @@
   <p:clrMapOvr>
     <a:masterClrMapping/>
   </p:clrMapOvr>
+  <p:timing>
+    <p:tnLst>
+      <p:par>
+        <p:cTn id="1" dur="indefinite" restart="never" nodeType="tmRoot"/>
+      </p:par>
+    </p:tnLst>
+  </p:timing>
 </p:sld>
 </file>
 
-<file path=ppt/slides/slide8.xml><?xml version="1.0" encoding="utf-8"?>
+<file path=ppt/slides/slide9.xml><?xml version="1.0" encoding="utf-8"?>
 <p:sld xmlns:a="http://schemas.openxmlformats.org/drawingml/2006/main" xmlns:r="http://schemas.openxmlformats.org/officeDocument/2006/relationships" xmlns:p="http://schemas.openxmlformats.org/presentationml/2006/main">
   <p:cSld>
     <p:spTree>
@@ -8892,146 +9909,13 @@
   <p:clrMapOvr>
     <a:masterClrMapping/>
   </p:clrMapOvr>
-</p:sld>
-</file>
-
-<file path=ppt/slides/slide9.xml><?xml version="1.0" encoding="utf-8"?>
-<p:sld xmlns:a="http://schemas.openxmlformats.org/drawingml/2006/main" xmlns:r="http://schemas.openxmlformats.org/officeDocument/2006/relationships" xmlns:p="http://schemas.openxmlformats.org/presentationml/2006/main">
-  <p:cSld>
-    <p:spTree>
-      <p:nvGrpSpPr>
-        <p:cNvPr id="1" name=""/>
-        <p:cNvGrpSpPr/>
-        <p:nvPr/>
-      </p:nvGrpSpPr>
-      <p:grpSpPr>
-        <a:xfrm>
-          <a:off x="0" y="0"/>
-          <a:ext cx="0" cy="0"/>
-          <a:chOff x="0" y="0"/>
-          <a:chExt cx="0" cy="0"/>
-        </a:xfrm>
-      </p:grpSpPr>
-      <p:sp>
-        <p:nvSpPr>
-          <p:cNvPr id="2" name="Title 1"/>
-          <p:cNvSpPr>
-            <a:spLocks noGrp="1"/>
-          </p:cNvSpPr>
-          <p:nvPr>
-            <p:ph type="title"/>
-          </p:nvPr>
-        </p:nvSpPr>
-        <p:spPr/>
-        <p:txBody>
-          <a:bodyPr/>
-          <a:lstStyle/>
-          <a:p>
-            <a:r>
-              <a:rPr lang="de-DE" dirty="0" err="1" smtClean="0"/>
-              <a:t>ToMaTo</a:t>
-            </a:r>
-            <a:r>
-              <a:rPr lang="de-DE" dirty="0" smtClean="0"/>
-              <a:t> – </a:t>
-            </a:r>
-            <a:r>
-              <a:rPr lang="de-DE" dirty="0" err="1" smtClean="0"/>
-              <a:t>Graphical</a:t>
-            </a:r>
-            <a:r>
-              <a:rPr lang="de-DE" dirty="0" smtClean="0"/>
-              <a:t> </a:t>
-            </a:r>
-            <a:r>
-              <a:rPr lang="de-DE" dirty="0" err="1" smtClean="0"/>
-              <a:t>editor</a:t>
-            </a:r>
-            <a:r>
-              <a:rPr lang="de-DE" dirty="0" smtClean="0"/>
-              <a:t> (1)</a:t>
-            </a:r>
-            <a:endParaRPr lang="en-US" dirty="0"/>
-          </a:p>
-        </p:txBody>
-      </p:sp>
-      <p:sp>
-        <p:nvSpPr>
-          <p:cNvPr id="3" name="Content Placeholder 2"/>
-          <p:cNvSpPr>
-            <a:spLocks noGrp="1"/>
-          </p:cNvSpPr>
-          <p:nvPr>
-            <p:ph idx="1"/>
-          </p:nvPr>
-        </p:nvSpPr>
-        <p:spPr/>
-        <p:txBody>
-          <a:bodyPr/>
-          <a:lstStyle/>
-          <a:p>
-            <a:pPr marL="0" indent="0">
-              <a:buNone/>
-            </a:pPr>
-            <a:r>
-              <a:rPr lang="de-DE" dirty="0" smtClean="0"/>
-              <a:t> </a:t>
-            </a:r>
-            <a:endParaRPr lang="en-US" dirty="0"/>
-          </a:p>
-        </p:txBody>
-      </p:sp>
-      <p:pic>
-        <p:nvPicPr>
-          <p:cNvPr id="4098" name="Picture 2" descr="\\tsclient\capanord\glabnetman\doc\Presentation\example2.png"/>
-          <p:cNvPicPr>
-            <a:picLocks noChangeAspect="1" noChangeArrowheads="1"/>
-          </p:cNvPicPr>
-          <p:nvPr/>
-        </p:nvPicPr>
-        <p:blipFill>
-          <a:blip r:embed="rId2">
-            <a:extLst>
-              <a:ext uri="{28A0092B-C50C-407E-A947-70E740481C1C}">
-                <a14:useLocalDpi xmlns:a14="http://schemas.microsoft.com/office/drawing/2010/main" val="0"/>
-              </a:ext>
-            </a:extLst>
-          </a:blip>
-          <a:srcRect/>
-          <a:stretch>
-            <a:fillRect/>
-          </a:stretch>
-        </p:blipFill>
-        <p:spPr bwMode="auto">
-          <a:xfrm>
-            <a:off x="1286635" y="863715"/>
-            <a:ext cx="6930770" cy="5509929"/>
-          </a:xfrm>
-          <a:prstGeom prst="rect">
-            <a:avLst/>
-          </a:prstGeom>
-          <a:noFill/>
-          <a:extLst>
-            <a:ext uri="{909E8E84-426E-40DD-AFC4-6F175D3DCCD1}">
-              <a14:hiddenFill xmlns:a14="http://schemas.microsoft.com/office/drawing/2010/main">
-                <a:solidFill>
-                  <a:srgbClr val="FFFFFF"/>
-                </a:solidFill>
-              </a14:hiddenFill>
-            </a:ext>
-          </a:extLst>
-        </p:spPr>
-      </p:pic>
-    </p:spTree>
-    <p:extLst>
-      <p:ext uri="{BB962C8B-B14F-4D97-AF65-F5344CB8AC3E}">
-        <p14:creationId xmlns:p14="http://schemas.microsoft.com/office/powerpoint/2010/main" val="2900921388"/>
-      </p:ext>
-    </p:extLst>
-  </p:cSld>
-  <p:clrMapOvr>
-    <a:masterClrMapping/>
-  </p:clrMapOvr>
+  <p:timing>
+    <p:tnLst>
+      <p:par>
+        <p:cTn id="1" dur="indefinite" restart="never" nodeType="tmRoot"/>
+      </p:par>
+    </p:tnLst>
+  </p:timing>
 </p:sld>
 </file>
 

--- a/doc/Presentation/ToMaTo.pptx
+++ b/doc/Presentation/ToMaTo.pptx
@@ -33,7 +33,7 @@
     <p:sldId id="260" r:id="rId24"/>
   </p:sldIdLst>
   <p:sldSz cx="9144000" cy="6858000" type="screen4x3"/>
-  <p:notesSz cx="6781800" cy="9855200"/>
+  <p:notesSz cx="9918700" cy="6781800"/>
   <p:defaultTextStyle>
     <a:defPPr>
       <a:defRPr lang="de-DE"/>
@@ -230,7 +230,7 @@
         <p:spPr bwMode="auto">
           <a:xfrm>
             <a:off x="0" y="1"/>
-            <a:ext cx="2938780" cy="492760"/>
+            <a:ext cx="4298104" cy="339090"/>
           </a:xfrm>
           <a:prstGeom prst="rect">
             <a:avLst/>
@@ -272,8 +272,8 @@
         </p:nvSpPr>
         <p:spPr bwMode="auto">
           <a:xfrm>
-            <a:off x="3841451" y="1"/>
-            <a:ext cx="2938780" cy="492760"/>
+            <a:off x="5618302" y="1"/>
+            <a:ext cx="4298104" cy="339090"/>
           </a:xfrm>
           <a:prstGeom prst="rect">
             <a:avLst/>
@@ -315,8 +315,8 @@
         </p:nvSpPr>
         <p:spPr bwMode="auto">
           <a:xfrm>
-            <a:off x="0" y="9360730"/>
-            <a:ext cx="2938780" cy="492760"/>
+            <a:off x="0" y="6441533"/>
+            <a:ext cx="4298104" cy="339090"/>
           </a:xfrm>
           <a:prstGeom prst="rect">
             <a:avLst/>
@@ -358,8 +358,8 @@
         </p:nvSpPr>
         <p:spPr bwMode="auto">
           <a:xfrm>
-            <a:off x="3841451" y="9360730"/>
-            <a:ext cx="2938780" cy="492760"/>
+            <a:off x="5618302" y="6441533"/>
+            <a:ext cx="4298104" cy="339090"/>
           </a:xfrm>
           <a:prstGeom prst="rect">
             <a:avLst/>
@@ -440,7 +440,7 @@
         <p:spPr>
           <a:xfrm>
             <a:off x="0" y="1"/>
-            <a:ext cx="2938780" cy="492760"/>
+            <a:ext cx="4298104" cy="339090"/>
           </a:xfrm>
           <a:prstGeom prst="rect">
             <a:avLst/>
@@ -470,8 +470,8 @@
         </p:nvSpPr>
         <p:spPr>
           <a:xfrm>
-            <a:off x="3841451" y="1"/>
-            <a:ext cx="2938780" cy="492760"/>
+            <a:off x="5618302" y="1"/>
+            <a:ext cx="4298104" cy="339090"/>
           </a:xfrm>
           <a:prstGeom prst="rect">
             <a:avLst/>
@@ -506,8 +506,8 @@
         </p:nvSpPr>
         <p:spPr>
           <a:xfrm>
-            <a:off x="927100" y="739775"/>
-            <a:ext cx="4927600" cy="3695700"/>
+            <a:off x="3263900" y="509588"/>
+            <a:ext cx="3390900" cy="2543175"/>
           </a:xfrm>
           <a:prstGeom prst="rect">
             <a:avLst/>
@@ -539,8 +539,8 @@
         </p:nvSpPr>
         <p:spPr>
           <a:xfrm>
-            <a:off x="678181" y="4681220"/>
-            <a:ext cx="5425440" cy="4434840"/>
+            <a:off x="991871" y="3221355"/>
+            <a:ext cx="7934960" cy="3051810"/>
           </a:xfrm>
           <a:prstGeom prst="rect">
             <a:avLst/>
@@ -601,8 +601,8 @@
         </p:nvSpPr>
         <p:spPr>
           <a:xfrm>
-            <a:off x="0" y="9360730"/>
-            <a:ext cx="2938780" cy="492760"/>
+            <a:off x="0" y="6441533"/>
+            <a:ext cx="4298104" cy="339090"/>
           </a:xfrm>
           <a:prstGeom prst="rect">
             <a:avLst/>
@@ -632,8 +632,8 @@
         </p:nvSpPr>
         <p:spPr>
           <a:xfrm>
-            <a:off x="3841451" y="9360730"/>
-            <a:ext cx="2938780" cy="492760"/>
+            <a:off x="5618302" y="6441533"/>
+            <a:ext cx="4298104" cy="339090"/>
           </a:xfrm>
           <a:prstGeom prst="rect">
             <a:avLst/>
@@ -7476,7 +7476,9 @@
         </p:nvSpPr>
         <p:spPr/>
         <p:txBody>
-          <a:bodyPr/>
+          <a:bodyPr>
+            <a:normAutofit fontScale="92500" lnSpcReduction="10000"/>
+          </a:bodyPr>
           <a:lstStyle/>
           <a:p>
             <a:r>
@@ -7913,6 +7915,114 @@
             <a:pPr lvl="2"/>
             <a:r>
               <a:rPr lang="de-DE" dirty="0" err="1" smtClean="0"/>
+              <a:t>Very</a:t>
+            </a:r>
+            <a:r>
+              <a:rPr lang="de-DE" dirty="0" smtClean="0"/>
+              <a:t> high </a:t>
+            </a:r>
+            <a:r>
+              <a:rPr lang="de-DE" dirty="0" err="1"/>
+              <a:t>node</a:t>
+            </a:r>
+            <a:r>
+              <a:rPr lang="de-DE" dirty="0"/>
+              <a:t> </a:t>
+            </a:r>
+            <a:r>
+              <a:rPr lang="de-DE" dirty="0" err="1"/>
+              <a:t>numbers</a:t>
+            </a:r>
+            <a:r>
+              <a:rPr lang="de-DE" dirty="0"/>
+              <a:t> → </a:t>
+            </a:r>
+            <a:r>
+              <a:rPr lang="de-DE" dirty="0" err="1"/>
+              <a:t>allows</a:t>
+            </a:r>
+            <a:r>
+              <a:rPr lang="de-DE" dirty="0"/>
+              <a:t> large </a:t>
+            </a:r>
+            <a:r>
+              <a:rPr lang="de-DE" dirty="0" err="1"/>
+              <a:t>experiments</a:t>
+            </a:r>
+            <a:endParaRPr lang="de-DE" dirty="0"/>
+          </a:p>
+          <a:p>
+            <a:pPr lvl="2"/>
+            <a:r>
+              <a:rPr lang="de-DE" dirty="0" err="1"/>
+              <a:t>Uses</a:t>
+            </a:r>
+            <a:r>
+              <a:rPr lang="de-DE" dirty="0"/>
+              <a:t> </a:t>
+            </a:r>
+            <a:r>
+              <a:rPr lang="de-DE" dirty="0" err="1" smtClean="0"/>
+              <a:t>virtual</a:t>
+            </a:r>
+            <a:r>
+              <a:rPr lang="de-DE" dirty="0" smtClean="0"/>
+              <a:t> </a:t>
+            </a:r>
+            <a:r>
+              <a:rPr lang="de-DE" dirty="0" err="1" smtClean="0"/>
+              <a:t>python</a:t>
+            </a:r>
+            <a:r>
+              <a:rPr lang="de-DE" dirty="0" smtClean="0"/>
+              <a:t> </a:t>
+            </a:r>
+            <a:r>
+              <a:rPr lang="de-DE" dirty="0" err="1" smtClean="0"/>
+              <a:t>interpreter</a:t>
+            </a:r>
+            <a:r>
+              <a:rPr lang="de-DE" dirty="0" smtClean="0"/>
+              <a:t> </a:t>
+            </a:r>
+            <a:r>
+              <a:rPr lang="de-DE" dirty="0"/>
+              <a:t>→ </a:t>
+            </a:r>
+            <a:r>
+              <a:rPr lang="de-DE" dirty="0" err="1" smtClean="0"/>
+              <a:t>no</a:t>
+            </a:r>
+            <a:r>
+              <a:rPr lang="de-DE" dirty="0" smtClean="0"/>
+              <a:t> </a:t>
+            </a:r>
+            <a:r>
+              <a:rPr lang="de-DE" dirty="0" err="1" smtClean="0"/>
+              <a:t>operating</a:t>
+            </a:r>
+            <a:r>
+              <a:rPr lang="de-DE" dirty="0" smtClean="0"/>
+              <a:t> </a:t>
+            </a:r>
+            <a:r>
+              <a:rPr lang="de-DE" dirty="0" err="1" smtClean="0"/>
+              <a:t>system</a:t>
+            </a:r>
+            <a:r>
+              <a:rPr lang="de-DE" dirty="0" smtClean="0"/>
+              <a:t> </a:t>
+            </a:r>
+            <a:r>
+              <a:rPr lang="de-DE" dirty="0" err="1"/>
+              <a:t>access</a:t>
+            </a:r>
+            <a:endParaRPr lang="de-DE" dirty="0"/>
+          </a:p>
+          <a:p>
+            <a:pPr lvl="2"/>
+            <a:r>
+              <a:rPr lang="de-DE" dirty="0" err="1" smtClean="0"/>
               <a:t>Only</a:t>
             </a:r>
             <a:r>
@@ -7964,9 +8074,6 @@
               <a:t>experiments</a:t>
             </a:r>
             <a:endParaRPr lang="de-DE" dirty="0"/>
-          </a:p>
-          <a:p>
-            <a:endParaRPr lang="en-US" dirty="0"/>
           </a:p>
         </p:txBody>
       </p:sp>
